--- a/Weekly Submissions/Week1/Project Plan.pptx
+++ b/Weekly Submissions/Week1/Project Plan.pptx
@@ -2,16 +2,21 @@
 <file path=ppt/presentation.xml><?xml version="1.0" encoding="utf-8"?>
 <p:presentation xmlns:a="http://schemas.openxmlformats.org/drawingml/2006/main" xmlns:r="http://schemas.openxmlformats.org/officeDocument/2006/relationships" xmlns:p="http://schemas.openxmlformats.org/presentationml/2006/main" saveSubsetFonts="1" autoCompressPictures="0">
   <p:sldMasterIdLst>
-    <p:sldMasterId id="2147483648" r:id="rId1"/>
+    <p:sldMasterId id="2147483672" r:id="rId1"/>
   </p:sldMasterIdLst>
+  <p:notesMasterIdLst>
+    <p:notesMasterId r:id="rId11"/>
+  </p:notesMasterIdLst>
   <p:sldIdLst>
-    <p:sldId id="256" r:id="rId7"/>
-    <p:sldId id="257" r:id="rId8"/>
-    <p:sldId id="258" r:id="rId9"/>
-    <p:sldId id="259" r:id="rId10"/>
-    <p:sldId id="260" r:id="rId11"/>
-    <p:sldId id="261" r:id="rId12"/>
-    <p:sldId id="262" r:id="rId13"/>
+    <p:sldId id="256" r:id="rId2"/>
+    <p:sldId id="257" r:id="rId3"/>
+    <p:sldId id="258" r:id="rId4"/>
+    <p:sldId id="259" r:id="rId5"/>
+    <p:sldId id="260" r:id="rId6"/>
+    <p:sldId id="261" r:id="rId7"/>
+    <p:sldId id="262" r:id="rId8"/>
+    <p:sldId id="263" r:id="rId9"/>
+    <p:sldId id="264" r:id="rId10"/>
   </p:sldIdLst>
   <p:sldSz cx="9144000" cy="6858000" type="screen4x3"/>
   <p:notesSz cx="6858000" cy="9144000"/>
@@ -110,7 +115,457 @@
       </a:defRPr>
     </a:lvl9pPr>
   </p:defaultTextStyle>
+  <p:extLst>
+    <p:ext uri="{EFAFB233-063F-42B5-8137-9DF3F51BA10A}">
+      <p15:sldGuideLst xmlns:p15="http://schemas.microsoft.com/office/powerpoint/2012/main">
+        <p15:guide id="1" orient="horz" pos="2160">
+          <p15:clr>
+            <a:srgbClr val="A4A3A4"/>
+          </p15:clr>
+        </p15:guide>
+        <p15:guide id="2" pos="2880">
+          <p15:clr>
+            <a:srgbClr val="A4A3A4"/>
+          </p15:clr>
+        </p15:guide>
+      </p15:sldGuideLst>
+    </p:ext>
+  </p:extLst>
 </p:presentation>
+</file>
+
+<file path=ppt/notesMasters/notesMaster1.xml><?xml version="1.0" encoding="utf-8"?>
+<p:notesMaster xmlns:a="http://schemas.openxmlformats.org/drawingml/2006/main" xmlns:r="http://schemas.openxmlformats.org/officeDocument/2006/relationships" xmlns:p="http://schemas.openxmlformats.org/presentationml/2006/main">
+  <p:cSld>
+    <p:bg>
+      <p:bgRef idx="1001">
+        <a:schemeClr val="bg1"/>
+      </p:bgRef>
+    </p:bg>
+    <p:spTree>
+      <p:nvGrpSpPr>
+        <p:cNvPr id="1" name=""/>
+        <p:cNvGrpSpPr/>
+        <p:nvPr/>
+      </p:nvGrpSpPr>
+      <p:grpSpPr>
+        <a:xfrm>
+          <a:off x="0" y="0"/>
+          <a:ext cx="0" cy="0"/>
+          <a:chOff x="0" y="0"/>
+          <a:chExt cx="0" cy="0"/>
+        </a:xfrm>
+      </p:grpSpPr>
+      <p:sp>
+        <p:nvSpPr>
+          <p:cNvPr id="2" name="Header Placeholder 1"/>
+          <p:cNvSpPr>
+            <a:spLocks noGrp="1"/>
+          </p:cNvSpPr>
+          <p:nvPr>
+            <p:ph type="hdr" sz="quarter"/>
+          </p:nvPr>
+        </p:nvSpPr>
+        <p:spPr>
+          <a:xfrm>
+            <a:off x="0" y="0"/>
+            <a:ext cx="2971800" cy="458788"/>
+          </a:xfrm>
+          <a:prstGeom prst="rect">
+            <a:avLst/>
+          </a:prstGeom>
+        </p:spPr>
+        <p:txBody>
+          <a:bodyPr vert="horz" lIns="91440" tIns="45720" rIns="91440" bIns="45720" rtlCol="0"/>
+          <a:lstStyle>
+            <a:lvl1pPr algn="l">
+              <a:defRPr sz="1200"/>
+            </a:lvl1pPr>
+          </a:lstStyle>
+          <a:p>
+            <a:endParaRPr lang="en-GB"/>
+          </a:p>
+        </p:txBody>
+      </p:sp>
+      <p:sp>
+        <p:nvSpPr>
+          <p:cNvPr id="3" name="Date Placeholder 2"/>
+          <p:cNvSpPr>
+            <a:spLocks noGrp="1"/>
+          </p:cNvSpPr>
+          <p:nvPr>
+            <p:ph type="dt" idx="1"/>
+          </p:nvPr>
+        </p:nvSpPr>
+        <p:spPr>
+          <a:xfrm>
+            <a:off x="3884613" y="0"/>
+            <a:ext cx="2971800" cy="458788"/>
+          </a:xfrm>
+          <a:prstGeom prst="rect">
+            <a:avLst/>
+          </a:prstGeom>
+        </p:spPr>
+        <p:txBody>
+          <a:bodyPr vert="horz" lIns="91440" tIns="45720" rIns="91440" bIns="45720" rtlCol="0"/>
+          <a:lstStyle>
+            <a:lvl1pPr algn="r">
+              <a:defRPr sz="1200"/>
+            </a:lvl1pPr>
+          </a:lstStyle>
+          <a:p>
+            <a:fld id="{28EF27FA-D92E-4C57-9439-841474EE9BF9}" type="datetimeFigureOut">
+              <a:rPr lang="en-GB" smtClean="0"/>
+              <a:t>24/09/2025</a:t>
+            </a:fld>
+            <a:endParaRPr lang="en-GB"/>
+          </a:p>
+        </p:txBody>
+      </p:sp>
+      <p:sp>
+        <p:nvSpPr>
+          <p:cNvPr id="4" name="Slide Image Placeholder 3"/>
+          <p:cNvSpPr>
+            <a:spLocks noGrp="1" noRot="1" noChangeAspect="1"/>
+          </p:cNvSpPr>
+          <p:nvPr>
+            <p:ph type="sldImg" idx="2"/>
+          </p:nvPr>
+        </p:nvSpPr>
+        <p:spPr>
+          <a:xfrm>
+            <a:off x="1371600" y="1143000"/>
+            <a:ext cx="4114800" cy="3086100"/>
+          </a:xfrm>
+          <a:prstGeom prst="rect">
+            <a:avLst/>
+          </a:prstGeom>
+          <a:noFill/>
+          <a:ln w="12700">
+            <a:solidFill>
+              <a:prstClr val="black"/>
+            </a:solidFill>
+          </a:ln>
+        </p:spPr>
+        <p:txBody>
+          <a:bodyPr vert="horz" lIns="91440" tIns="45720" rIns="91440" bIns="45720" rtlCol="0" anchor="ctr"/>
+          <a:lstStyle/>
+          <a:p>
+            <a:endParaRPr lang="en-GB"/>
+          </a:p>
+        </p:txBody>
+      </p:sp>
+      <p:sp>
+        <p:nvSpPr>
+          <p:cNvPr id="5" name="Notes Placeholder 4"/>
+          <p:cNvSpPr>
+            <a:spLocks noGrp="1"/>
+          </p:cNvSpPr>
+          <p:nvPr>
+            <p:ph type="body" sz="quarter" idx="3"/>
+          </p:nvPr>
+        </p:nvSpPr>
+        <p:spPr>
+          <a:xfrm>
+            <a:off x="685800" y="4400550"/>
+            <a:ext cx="5486400" cy="3600450"/>
+          </a:xfrm>
+          <a:prstGeom prst="rect">
+            <a:avLst/>
+          </a:prstGeom>
+        </p:spPr>
+        <p:txBody>
+          <a:bodyPr vert="horz" lIns="91440" tIns="45720" rIns="91440" bIns="45720" rtlCol="0"/>
+          <a:lstStyle/>
+          <a:p>
+            <a:pPr lvl="0"/>
+            <a:r>
+              <a:rPr lang="en-US"/>
+              <a:t>Click to edit Master text styles</a:t>
+            </a:r>
+          </a:p>
+          <a:p>
+            <a:pPr lvl="1"/>
+            <a:r>
+              <a:rPr lang="en-US"/>
+              <a:t>Second level</a:t>
+            </a:r>
+          </a:p>
+          <a:p>
+            <a:pPr lvl="2"/>
+            <a:r>
+              <a:rPr lang="en-US"/>
+              <a:t>Third level</a:t>
+            </a:r>
+          </a:p>
+          <a:p>
+            <a:pPr lvl="3"/>
+            <a:r>
+              <a:rPr lang="en-US"/>
+              <a:t>Fourth level</a:t>
+            </a:r>
+          </a:p>
+          <a:p>
+            <a:pPr lvl="4"/>
+            <a:r>
+              <a:rPr lang="en-US"/>
+              <a:t>Fifth level</a:t>
+            </a:r>
+            <a:endParaRPr lang="en-GB"/>
+          </a:p>
+        </p:txBody>
+      </p:sp>
+      <p:sp>
+        <p:nvSpPr>
+          <p:cNvPr id="6" name="Footer Placeholder 5"/>
+          <p:cNvSpPr>
+            <a:spLocks noGrp="1"/>
+          </p:cNvSpPr>
+          <p:nvPr>
+            <p:ph type="ftr" sz="quarter" idx="4"/>
+          </p:nvPr>
+        </p:nvSpPr>
+        <p:spPr>
+          <a:xfrm>
+            <a:off x="0" y="8685213"/>
+            <a:ext cx="2971800" cy="458787"/>
+          </a:xfrm>
+          <a:prstGeom prst="rect">
+            <a:avLst/>
+          </a:prstGeom>
+        </p:spPr>
+        <p:txBody>
+          <a:bodyPr vert="horz" lIns="91440" tIns="45720" rIns="91440" bIns="45720" rtlCol="0" anchor="b"/>
+          <a:lstStyle>
+            <a:lvl1pPr algn="l">
+              <a:defRPr sz="1200"/>
+            </a:lvl1pPr>
+          </a:lstStyle>
+          <a:p>
+            <a:endParaRPr lang="en-GB"/>
+          </a:p>
+        </p:txBody>
+      </p:sp>
+      <p:sp>
+        <p:nvSpPr>
+          <p:cNvPr id="7" name="Slide Number Placeholder 6"/>
+          <p:cNvSpPr>
+            <a:spLocks noGrp="1"/>
+          </p:cNvSpPr>
+          <p:nvPr>
+            <p:ph type="sldNum" sz="quarter" idx="5"/>
+          </p:nvPr>
+        </p:nvSpPr>
+        <p:spPr>
+          <a:xfrm>
+            <a:off x="3884613" y="8685213"/>
+            <a:ext cx="2971800" cy="458787"/>
+          </a:xfrm>
+          <a:prstGeom prst="rect">
+            <a:avLst/>
+          </a:prstGeom>
+        </p:spPr>
+        <p:txBody>
+          <a:bodyPr vert="horz" lIns="91440" tIns="45720" rIns="91440" bIns="45720" rtlCol="0" anchor="b"/>
+          <a:lstStyle>
+            <a:lvl1pPr algn="r">
+              <a:defRPr sz="1200"/>
+            </a:lvl1pPr>
+          </a:lstStyle>
+          <a:p>
+            <a:fld id="{49CE8135-823F-4553-9176-7E2468E87ACB}" type="slidenum">
+              <a:rPr lang="en-GB" smtClean="0"/>
+              <a:t>‹#›</a:t>
+            </a:fld>
+            <a:endParaRPr lang="en-GB"/>
+          </a:p>
+        </p:txBody>
+      </p:sp>
+    </p:spTree>
+    <p:extLst>
+      <p:ext uri="{BB962C8B-B14F-4D97-AF65-F5344CB8AC3E}">
+        <p14:creationId xmlns:p14="http://schemas.microsoft.com/office/powerpoint/2010/main" val="3837705587"/>
+      </p:ext>
+    </p:extLst>
+  </p:cSld>
+  <p:clrMap bg1="lt1" tx1="dk1" bg2="lt2" tx2="dk2" accent1="accent1" accent2="accent2" accent3="accent3" accent4="accent4" accent5="accent5" accent6="accent6" hlink="hlink" folHlink="folHlink"/>
+  <p:notesStyle>
+    <a:lvl1pPr marL="0" algn="l" defTabSz="914400" rtl="0" eaLnBrk="1" latinLnBrk="0" hangingPunct="1">
+      <a:defRPr sz="1200" kern="1200">
+        <a:solidFill>
+          <a:schemeClr val="tx1"/>
+        </a:solidFill>
+        <a:latin typeface="+mn-lt"/>
+        <a:ea typeface="+mn-ea"/>
+        <a:cs typeface="+mn-cs"/>
+      </a:defRPr>
+    </a:lvl1pPr>
+    <a:lvl2pPr marL="457200" algn="l" defTabSz="914400" rtl="0" eaLnBrk="1" latinLnBrk="0" hangingPunct="1">
+      <a:defRPr sz="1200" kern="1200">
+        <a:solidFill>
+          <a:schemeClr val="tx1"/>
+        </a:solidFill>
+        <a:latin typeface="+mn-lt"/>
+        <a:ea typeface="+mn-ea"/>
+        <a:cs typeface="+mn-cs"/>
+      </a:defRPr>
+    </a:lvl2pPr>
+    <a:lvl3pPr marL="914400" algn="l" defTabSz="914400" rtl="0" eaLnBrk="1" latinLnBrk="0" hangingPunct="1">
+      <a:defRPr sz="1200" kern="1200">
+        <a:solidFill>
+          <a:schemeClr val="tx1"/>
+        </a:solidFill>
+        <a:latin typeface="+mn-lt"/>
+        <a:ea typeface="+mn-ea"/>
+        <a:cs typeface="+mn-cs"/>
+      </a:defRPr>
+    </a:lvl3pPr>
+    <a:lvl4pPr marL="1371600" algn="l" defTabSz="914400" rtl="0" eaLnBrk="1" latinLnBrk="0" hangingPunct="1">
+      <a:defRPr sz="1200" kern="1200">
+        <a:solidFill>
+          <a:schemeClr val="tx1"/>
+        </a:solidFill>
+        <a:latin typeface="+mn-lt"/>
+        <a:ea typeface="+mn-ea"/>
+        <a:cs typeface="+mn-cs"/>
+      </a:defRPr>
+    </a:lvl4pPr>
+    <a:lvl5pPr marL="1828800" algn="l" defTabSz="914400" rtl="0" eaLnBrk="1" latinLnBrk="0" hangingPunct="1">
+      <a:defRPr sz="1200" kern="1200">
+        <a:solidFill>
+          <a:schemeClr val="tx1"/>
+        </a:solidFill>
+        <a:latin typeface="+mn-lt"/>
+        <a:ea typeface="+mn-ea"/>
+        <a:cs typeface="+mn-cs"/>
+      </a:defRPr>
+    </a:lvl5pPr>
+    <a:lvl6pPr marL="2286000" algn="l" defTabSz="914400" rtl="0" eaLnBrk="1" latinLnBrk="0" hangingPunct="1">
+      <a:defRPr sz="1200" kern="1200">
+        <a:solidFill>
+          <a:schemeClr val="tx1"/>
+        </a:solidFill>
+        <a:latin typeface="+mn-lt"/>
+        <a:ea typeface="+mn-ea"/>
+        <a:cs typeface="+mn-cs"/>
+      </a:defRPr>
+    </a:lvl6pPr>
+    <a:lvl7pPr marL="2743200" algn="l" defTabSz="914400" rtl="0" eaLnBrk="1" latinLnBrk="0" hangingPunct="1">
+      <a:defRPr sz="1200" kern="1200">
+        <a:solidFill>
+          <a:schemeClr val="tx1"/>
+        </a:solidFill>
+        <a:latin typeface="+mn-lt"/>
+        <a:ea typeface="+mn-ea"/>
+        <a:cs typeface="+mn-cs"/>
+      </a:defRPr>
+    </a:lvl7pPr>
+    <a:lvl8pPr marL="3200400" algn="l" defTabSz="914400" rtl="0" eaLnBrk="1" latinLnBrk="0" hangingPunct="1">
+      <a:defRPr sz="1200" kern="1200">
+        <a:solidFill>
+          <a:schemeClr val="tx1"/>
+        </a:solidFill>
+        <a:latin typeface="+mn-lt"/>
+        <a:ea typeface="+mn-ea"/>
+        <a:cs typeface="+mn-cs"/>
+      </a:defRPr>
+    </a:lvl8pPr>
+    <a:lvl9pPr marL="3657600" algn="l" defTabSz="914400" rtl="0" eaLnBrk="1" latinLnBrk="0" hangingPunct="1">
+      <a:defRPr sz="1200" kern="1200">
+        <a:solidFill>
+          <a:schemeClr val="tx1"/>
+        </a:solidFill>
+        <a:latin typeface="+mn-lt"/>
+        <a:ea typeface="+mn-ea"/>
+        <a:cs typeface="+mn-cs"/>
+      </a:defRPr>
+    </a:lvl9pPr>
+  </p:notesStyle>
+</p:notesMaster>
+</file>
+
+<file path=ppt/notesSlides/notesSlide1.xml><?xml version="1.0" encoding="utf-8"?>
+<p:notes xmlns:a="http://schemas.openxmlformats.org/drawingml/2006/main" xmlns:r="http://schemas.openxmlformats.org/officeDocument/2006/relationships" xmlns:p="http://schemas.openxmlformats.org/presentationml/2006/main">
+  <p:cSld>
+    <p:spTree>
+      <p:nvGrpSpPr>
+        <p:cNvPr id="1" name=""/>
+        <p:cNvGrpSpPr/>
+        <p:nvPr/>
+      </p:nvGrpSpPr>
+      <p:grpSpPr>
+        <a:xfrm>
+          <a:off x="0" y="0"/>
+          <a:ext cx="0" cy="0"/>
+          <a:chOff x="0" y="0"/>
+          <a:chExt cx="0" cy="0"/>
+        </a:xfrm>
+      </p:grpSpPr>
+      <p:sp>
+        <p:nvSpPr>
+          <p:cNvPr id="2" name="Slide Image Placeholder 1"/>
+          <p:cNvSpPr>
+            <a:spLocks noGrp="1" noRot="1" noChangeAspect="1"/>
+          </p:cNvSpPr>
+          <p:nvPr>
+            <p:ph type="sldImg"/>
+          </p:nvPr>
+        </p:nvSpPr>
+        <p:spPr/>
+      </p:sp>
+      <p:sp>
+        <p:nvSpPr>
+          <p:cNvPr id="3" name="Notes Placeholder 2"/>
+          <p:cNvSpPr>
+            <a:spLocks noGrp="1"/>
+          </p:cNvSpPr>
+          <p:nvPr>
+            <p:ph type="body" idx="1"/>
+          </p:nvPr>
+        </p:nvSpPr>
+        <p:spPr/>
+        <p:txBody>
+          <a:bodyPr/>
+          <a:lstStyle/>
+          <a:p>
+            <a:endParaRPr lang="en-GB" dirty="0"/>
+          </a:p>
+        </p:txBody>
+      </p:sp>
+      <p:sp>
+        <p:nvSpPr>
+          <p:cNvPr id="4" name="Slide Number Placeholder 3"/>
+          <p:cNvSpPr>
+            <a:spLocks noGrp="1"/>
+          </p:cNvSpPr>
+          <p:nvPr>
+            <p:ph type="sldNum" sz="quarter" idx="5"/>
+          </p:nvPr>
+        </p:nvSpPr>
+        <p:spPr/>
+        <p:txBody>
+          <a:bodyPr/>
+          <a:lstStyle/>
+          <a:p>
+            <a:fld id="{49CE8135-823F-4553-9176-7E2468E87ACB}" type="slidenum">
+              <a:rPr lang="en-GB" smtClean="0"/>
+              <a:t>4</a:t>
+            </a:fld>
+            <a:endParaRPr lang="en-GB"/>
+          </a:p>
+        </p:txBody>
+      </p:sp>
+    </p:spTree>
+    <p:extLst>
+      <p:ext uri="{BB962C8B-B14F-4D97-AF65-F5344CB8AC3E}">
+        <p14:creationId xmlns:p14="http://schemas.microsoft.com/office/powerpoint/2010/main" val="3111905382"/>
+      </p:ext>
+    </p:extLst>
+  </p:cSld>
+  <p:clrMapOvr>
+    <a:masterClrMapping/>
+  </p:clrMapOvr>
+</p:notes>
 </file>
 
 <file path=ppt/slideLayouts/slideLayout1.xml><?xml version="1.0" encoding="utf-8"?>
@@ -142,19 +597,25 @@
         </p:nvSpPr>
         <p:spPr>
           <a:xfrm>
-            <a:off x="685800" y="2130425"/>
-            <a:ext cx="7772400" cy="1470025"/>
+            <a:off x="685347" y="1122363"/>
+            <a:ext cx="7773308" cy="2387600"/>
           </a:xfrm>
         </p:spPr>
         <p:txBody>
-          <a:bodyPr/>
-          <a:lstStyle/>
-          <a:p>
-            <a:r>
-              <a:rPr lang="en-US" smtClean="0"/>
+          <a:bodyPr anchor="b">
+            <a:normAutofit/>
+          </a:bodyPr>
+          <a:lstStyle>
+            <a:lvl1pPr algn="ctr">
+              <a:defRPr sz="4800"/>
+            </a:lvl1pPr>
+          </a:lstStyle>
+          <a:p>
+            <a:r>
+              <a:rPr lang="en-US"/>
               <a:t>Click to edit Master title style</a:t>
             </a:r>
-            <a:endParaRPr lang="en-US"/>
+            <a:endParaRPr lang="en-US" dirty="0"/>
           </a:p>
         </p:txBody>
       </p:sp>
@@ -170,8 +631,8 @@
         </p:nvSpPr>
         <p:spPr>
           <a:xfrm>
-            <a:off x="1371600" y="3886200"/>
-            <a:ext cx="6400800" cy="1752600"/>
+            <a:off x="685347" y="3602038"/>
+            <a:ext cx="7773308" cy="1655762"/>
           </a:xfrm>
         </p:spPr>
         <p:txBody>
@@ -179,101 +640,47 @@
           <a:lstStyle>
             <a:lvl1pPr marL="0" indent="0" algn="ctr">
               <a:buNone/>
-              <a:defRPr>
-                <a:solidFill>
-                  <a:schemeClr val="tx1">
-                    <a:tint val="75000"/>
-                  </a:schemeClr>
-                </a:solidFill>
-              </a:defRPr>
+              <a:defRPr sz="2400"/>
             </a:lvl1pPr>
             <a:lvl2pPr marL="457200" indent="0" algn="ctr">
               <a:buNone/>
-              <a:defRPr>
-                <a:solidFill>
-                  <a:schemeClr val="tx1">
-                    <a:tint val="75000"/>
-                  </a:schemeClr>
-                </a:solidFill>
-              </a:defRPr>
+              <a:defRPr sz="2000"/>
             </a:lvl2pPr>
             <a:lvl3pPr marL="914400" indent="0" algn="ctr">
               <a:buNone/>
-              <a:defRPr>
-                <a:solidFill>
-                  <a:schemeClr val="tx1">
-                    <a:tint val="75000"/>
-                  </a:schemeClr>
-                </a:solidFill>
-              </a:defRPr>
+              <a:defRPr sz="1800"/>
             </a:lvl3pPr>
             <a:lvl4pPr marL="1371600" indent="0" algn="ctr">
               <a:buNone/>
-              <a:defRPr>
-                <a:solidFill>
-                  <a:schemeClr val="tx1">
-                    <a:tint val="75000"/>
-                  </a:schemeClr>
-                </a:solidFill>
-              </a:defRPr>
+              <a:defRPr sz="1600"/>
             </a:lvl4pPr>
             <a:lvl5pPr marL="1828800" indent="0" algn="ctr">
               <a:buNone/>
-              <a:defRPr>
-                <a:solidFill>
-                  <a:schemeClr val="tx1">
-                    <a:tint val="75000"/>
-                  </a:schemeClr>
-                </a:solidFill>
-              </a:defRPr>
+              <a:defRPr sz="1600"/>
             </a:lvl5pPr>
             <a:lvl6pPr marL="2286000" indent="0" algn="ctr">
               <a:buNone/>
-              <a:defRPr>
-                <a:solidFill>
-                  <a:schemeClr val="tx1">
-                    <a:tint val="75000"/>
-                  </a:schemeClr>
-                </a:solidFill>
-              </a:defRPr>
+              <a:defRPr sz="1600"/>
             </a:lvl6pPr>
             <a:lvl7pPr marL="2743200" indent="0" algn="ctr">
               <a:buNone/>
-              <a:defRPr>
-                <a:solidFill>
-                  <a:schemeClr val="tx1">
-                    <a:tint val="75000"/>
-                  </a:schemeClr>
-                </a:solidFill>
-              </a:defRPr>
+              <a:defRPr sz="1600"/>
             </a:lvl7pPr>
             <a:lvl8pPr marL="3200400" indent="0" algn="ctr">
               <a:buNone/>
-              <a:defRPr>
-                <a:solidFill>
-                  <a:schemeClr val="tx1">
-                    <a:tint val="75000"/>
-                  </a:schemeClr>
-                </a:solidFill>
-              </a:defRPr>
+              <a:defRPr sz="1600"/>
             </a:lvl8pPr>
             <a:lvl9pPr marL="3657600" indent="0" algn="ctr">
               <a:buNone/>
-              <a:defRPr>
-                <a:solidFill>
-                  <a:schemeClr val="tx1">
-                    <a:tint val="75000"/>
-                  </a:schemeClr>
-                </a:solidFill>
-              </a:defRPr>
+              <a:defRPr sz="1600"/>
             </a:lvl9pPr>
           </a:lstStyle>
           <a:p>
             <a:r>
-              <a:rPr lang="en-US" smtClean="0"/>
+              <a:rPr lang="en-US"/>
               <a:t>Click to edit Master subtitle style</a:t>
             </a:r>
-            <a:endParaRPr lang="en-US"/>
+            <a:endParaRPr lang="en-US" dirty="0"/>
           </a:p>
         </p:txBody>
       </p:sp>
@@ -294,7 +701,7 @@
           <a:p>
             <a:fld id="{5BCAD085-E8A6-8845-BD4E-CB4CCA059FC4}" type="datetimeFigureOut">
               <a:rPr lang="en-US" smtClean="0"/>
-              <a:t>1/27/13</a:t>
+              <a:t>9/24/2025</a:t>
             </a:fld>
             <a:endParaRPr lang="en-US"/>
           </a:p>
@@ -345,7 +752,7 @@
     </p:spTree>
     <p:extLst>
       <p:ext uri="{BB962C8B-B14F-4D97-AF65-F5344CB8AC3E}">
-        <p14:creationId xmlns:p14="http://schemas.microsoft.com/office/powerpoint/2010/main" val="3168075583"/>
+        <p14:creationId xmlns:p14="http://schemas.microsoft.com/office/powerpoint/2010/main" val="2098019946"/>
       </p:ext>
     </p:extLst>
   </p:cSld>
@@ -356,6 +763,2556 @@
 </file>
 
 <file path=ppt/slideLayouts/slideLayout10.xml><?xml version="1.0" encoding="utf-8"?>
+<p:sldLayout xmlns:a="http://schemas.openxmlformats.org/drawingml/2006/main" xmlns:r="http://schemas.openxmlformats.org/officeDocument/2006/relationships" xmlns:p="http://schemas.openxmlformats.org/presentationml/2006/main" preserve="1">
+  <p:cSld name="Panoramic Picture with Caption">
+    <p:spTree>
+      <p:nvGrpSpPr>
+        <p:cNvPr id="1" name=""/>
+        <p:cNvGrpSpPr/>
+        <p:nvPr/>
+      </p:nvGrpSpPr>
+      <p:grpSpPr>
+        <a:xfrm>
+          <a:off x="0" y="0"/>
+          <a:ext cx="0" cy="0"/>
+          <a:chOff x="0" y="0"/>
+          <a:chExt cx="0" cy="0"/>
+        </a:xfrm>
+      </p:grpSpPr>
+      <p:sp>
+        <p:nvSpPr>
+          <p:cNvPr id="2" name="Title 1"/>
+          <p:cNvSpPr>
+            <a:spLocks noGrp="1"/>
+          </p:cNvSpPr>
+          <p:nvPr>
+            <p:ph type="title"/>
+          </p:nvPr>
+        </p:nvSpPr>
+        <p:spPr>
+          <a:xfrm>
+            <a:off x="685355" y="4289373"/>
+            <a:ext cx="7775673" cy="819355"/>
+          </a:xfrm>
+        </p:spPr>
+        <p:txBody>
+          <a:bodyPr anchor="b">
+            <a:normAutofit/>
+          </a:bodyPr>
+          <a:lstStyle>
+            <a:lvl1pPr>
+              <a:defRPr sz="2800"/>
+            </a:lvl1pPr>
+          </a:lstStyle>
+          <a:p>
+            <a:r>
+              <a:rPr lang="en-US"/>
+              <a:t>Click to edit Master title style</a:t>
+            </a:r>
+            <a:endParaRPr lang="en-US" dirty="0"/>
+          </a:p>
+        </p:txBody>
+      </p:sp>
+      <p:sp>
+        <p:nvSpPr>
+          <p:cNvPr id="3" name="Picture Placeholder 2"/>
+          <p:cNvSpPr>
+            <a:spLocks noGrp="1" noChangeAspect="1"/>
+          </p:cNvSpPr>
+          <p:nvPr>
+            <p:ph type="pic" idx="1"/>
+          </p:nvPr>
+        </p:nvSpPr>
+        <p:spPr>
+          <a:xfrm>
+            <a:off x="685355" y="621322"/>
+            <a:ext cx="7775673" cy="3379735"/>
+          </a:xfrm>
+          <a:noFill/>
+          <a:ln w="190500" cap="sq">
+            <a:solidFill>
+              <a:srgbClr val="FFFFFF"/>
+            </a:solidFill>
+            <a:miter lim="800000"/>
+          </a:ln>
+          <a:effectLst>
+            <a:outerShdw blurRad="55000" dist="18000" dir="5400000" algn="tl" rotWithShape="0">
+              <a:srgbClr val="000000">
+                <a:alpha val="40000"/>
+              </a:srgbClr>
+            </a:outerShdw>
+          </a:effectLst>
+          <a:scene3d>
+            <a:camera prst="orthographicFront"/>
+            <a:lightRig rig="twoPt" dir="t">
+              <a:rot lat="0" lon="0" rev="7200000"/>
+            </a:lightRig>
+          </a:scene3d>
+          <a:sp3d>
+            <a:bevelT w="25400" h="19050"/>
+            <a:contourClr>
+              <a:srgbClr val="FFFFFF"/>
+            </a:contourClr>
+          </a:sp3d>
+        </p:spPr>
+        <p:txBody>
+          <a:bodyPr anchor="t"/>
+          <a:lstStyle>
+            <a:lvl1pPr marL="0" indent="0" algn="ctr">
+              <a:buNone/>
+              <a:defRPr sz="3200"/>
+            </a:lvl1pPr>
+            <a:lvl2pPr marL="457200" indent="0">
+              <a:buNone/>
+              <a:defRPr sz="2800"/>
+            </a:lvl2pPr>
+            <a:lvl3pPr marL="914400" indent="0">
+              <a:buNone/>
+              <a:defRPr sz="2400"/>
+            </a:lvl3pPr>
+            <a:lvl4pPr marL="1371600" indent="0">
+              <a:buNone/>
+              <a:defRPr sz="2000"/>
+            </a:lvl4pPr>
+            <a:lvl5pPr marL="1828800" indent="0">
+              <a:buNone/>
+              <a:defRPr sz="2000"/>
+            </a:lvl5pPr>
+            <a:lvl6pPr marL="2286000" indent="0">
+              <a:buNone/>
+              <a:defRPr sz="2000"/>
+            </a:lvl6pPr>
+            <a:lvl7pPr marL="2743200" indent="0">
+              <a:buNone/>
+              <a:defRPr sz="2000"/>
+            </a:lvl7pPr>
+            <a:lvl8pPr marL="3200400" indent="0">
+              <a:buNone/>
+              <a:defRPr sz="2000"/>
+            </a:lvl8pPr>
+            <a:lvl9pPr marL="3657600" indent="0">
+              <a:buNone/>
+              <a:defRPr sz="2000"/>
+            </a:lvl9pPr>
+          </a:lstStyle>
+          <a:p>
+            <a:r>
+              <a:rPr lang="en-US"/>
+              <a:t>Click icon to add picture</a:t>
+            </a:r>
+            <a:endParaRPr lang="en-US" dirty="0"/>
+          </a:p>
+        </p:txBody>
+      </p:sp>
+      <p:sp>
+        <p:nvSpPr>
+          <p:cNvPr id="4" name="Text Placeholder 3"/>
+          <p:cNvSpPr>
+            <a:spLocks noGrp="1"/>
+          </p:cNvSpPr>
+          <p:nvPr>
+            <p:ph type="body" sz="half" idx="2"/>
+          </p:nvPr>
+        </p:nvSpPr>
+        <p:spPr>
+          <a:xfrm>
+            <a:off x="685346" y="5108728"/>
+            <a:ext cx="7774499" cy="682472"/>
+          </a:xfrm>
+        </p:spPr>
+        <p:txBody>
+          <a:bodyPr>
+            <a:normAutofit/>
+          </a:bodyPr>
+          <a:lstStyle>
+            <a:lvl1pPr marL="0" indent="0" algn="ctr">
+              <a:buNone/>
+              <a:defRPr sz="1800"/>
+            </a:lvl1pPr>
+            <a:lvl2pPr marL="457200" indent="0">
+              <a:buNone/>
+              <a:defRPr sz="1400"/>
+            </a:lvl2pPr>
+            <a:lvl3pPr marL="914400" indent="0">
+              <a:buNone/>
+              <a:defRPr sz="1200"/>
+            </a:lvl3pPr>
+            <a:lvl4pPr marL="1371600" indent="0">
+              <a:buNone/>
+              <a:defRPr sz="1000"/>
+            </a:lvl4pPr>
+            <a:lvl5pPr marL="1828800" indent="0">
+              <a:buNone/>
+              <a:defRPr sz="1000"/>
+            </a:lvl5pPr>
+            <a:lvl6pPr marL="2286000" indent="0">
+              <a:buNone/>
+              <a:defRPr sz="1000"/>
+            </a:lvl6pPr>
+            <a:lvl7pPr marL="2743200" indent="0">
+              <a:buNone/>
+              <a:defRPr sz="1000"/>
+            </a:lvl7pPr>
+            <a:lvl8pPr marL="3200400" indent="0">
+              <a:buNone/>
+              <a:defRPr sz="1000"/>
+            </a:lvl8pPr>
+            <a:lvl9pPr marL="3657600" indent="0">
+              <a:buNone/>
+              <a:defRPr sz="1000"/>
+            </a:lvl9pPr>
+          </a:lstStyle>
+          <a:p>
+            <a:pPr lvl="0"/>
+            <a:r>
+              <a:rPr lang="en-US"/>
+              <a:t>Click to edit Master text styles</a:t>
+            </a:r>
+          </a:p>
+        </p:txBody>
+      </p:sp>
+      <p:sp>
+        <p:nvSpPr>
+          <p:cNvPr id="5" name="Date Placeholder 4"/>
+          <p:cNvSpPr>
+            <a:spLocks noGrp="1"/>
+          </p:cNvSpPr>
+          <p:nvPr>
+            <p:ph type="dt" sz="half" idx="10"/>
+          </p:nvPr>
+        </p:nvSpPr>
+        <p:spPr/>
+        <p:txBody>
+          <a:bodyPr/>
+          <a:lstStyle/>
+          <a:p>
+            <a:fld id="{5BCAD085-E8A6-8845-BD4E-CB4CCA059FC4}" type="datetimeFigureOut">
+              <a:rPr lang="en-US" smtClean="0"/>
+              <a:t>9/24/2025</a:t>
+            </a:fld>
+            <a:endParaRPr lang="en-US"/>
+          </a:p>
+        </p:txBody>
+      </p:sp>
+      <p:sp>
+        <p:nvSpPr>
+          <p:cNvPr id="6" name="Footer Placeholder 5"/>
+          <p:cNvSpPr>
+            <a:spLocks noGrp="1"/>
+          </p:cNvSpPr>
+          <p:nvPr>
+            <p:ph type="ftr" sz="quarter" idx="11"/>
+          </p:nvPr>
+        </p:nvSpPr>
+        <p:spPr/>
+        <p:txBody>
+          <a:bodyPr/>
+          <a:lstStyle/>
+          <a:p>
+            <a:endParaRPr lang="en-US"/>
+          </a:p>
+        </p:txBody>
+      </p:sp>
+      <p:sp>
+        <p:nvSpPr>
+          <p:cNvPr id="7" name="Slide Number Placeholder 6"/>
+          <p:cNvSpPr>
+            <a:spLocks noGrp="1"/>
+          </p:cNvSpPr>
+          <p:nvPr>
+            <p:ph type="sldNum" sz="quarter" idx="12"/>
+          </p:nvPr>
+        </p:nvSpPr>
+        <p:spPr/>
+        <p:txBody>
+          <a:bodyPr/>
+          <a:lstStyle/>
+          <a:p>
+            <a:fld id="{C1FF6DA9-008F-8B48-92A6-B652298478BF}" type="slidenum">
+              <a:rPr lang="en-US" smtClean="0"/>
+              <a:t>‹#›</a:t>
+            </a:fld>
+            <a:endParaRPr lang="en-US"/>
+          </a:p>
+        </p:txBody>
+      </p:sp>
+    </p:spTree>
+    <p:extLst>
+      <p:ext uri="{BB962C8B-B14F-4D97-AF65-F5344CB8AC3E}">
+        <p14:creationId xmlns:p14="http://schemas.microsoft.com/office/powerpoint/2010/main" val="3120765216"/>
+      </p:ext>
+    </p:extLst>
+  </p:cSld>
+  <p:clrMapOvr>
+    <a:masterClrMapping/>
+  </p:clrMapOvr>
+</p:sldLayout>
+</file>
+
+<file path=ppt/slideLayouts/slideLayout11.xml><?xml version="1.0" encoding="utf-8"?>
+<p:sldLayout xmlns:a="http://schemas.openxmlformats.org/drawingml/2006/main" xmlns:r="http://schemas.openxmlformats.org/officeDocument/2006/relationships" xmlns:p="http://schemas.openxmlformats.org/presentationml/2006/main" preserve="1">
+  <p:cSld name="Title and Caption">
+    <p:spTree>
+      <p:nvGrpSpPr>
+        <p:cNvPr id="1" name=""/>
+        <p:cNvGrpSpPr/>
+        <p:nvPr/>
+      </p:nvGrpSpPr>
+      <p:grpSpPr>
+        <a:xfrm>
+          <a:off x="0" y="0"/>
+          <a:ext cx="0" cy="0"/>
+          <a:chOff x="0" y="0"/>
+          <a:chExt cx="0" cy="0"/>
+        </a:xfrm>
+      </p:grpSpPr>
+      <p:sp>
+        <p:nvSpPr>
+          <p:cNvPr id="2" name="Title 1"/>
+          <p:cNvSpPr>
+            <a:spLocks noGrp="1"/>
+          </p:cNvSpPr>
+          <p:nvPr>
+            <p:ph type="title"/>
+          </p:nvPr>
+        </p:nvSpPr>
+        <p:spPr>
+          <a:xfrm>
+            <a:off x="685346" y="609601"/>
+            <a:ext cx="7765322" cy="3424859"/>
+          </a:xfrm>
+        </p:spPr>
+        <p:txBody>
+          <a:bodyPr anchor="ctr"/>
+          <a:lstStyle>
+            <a:lvl1pPr>
+              <a:defRPr sz="3200"/>
+            </a:lvl1pPr>
+          </a:lstStyle>
+          <a:p>
+            <a:r>
+              <a:rPr lang="en-US"/>
+              <a:t>Click to edit Master title style</a:t>
+            </a:r>
+            <a:endParaRPr lang="en-US" dirty="0"/>
+          </a:p>
+        </p:txBody>
+      </p:sp>
+      <p:sp>
+        <p:nvSpPr>
+          <p:cNvPr id="4" name="Text Placeholder 3"/>
+          <p:cNvSpPr>
+            <a:spLocks noGrp="1"/>
+          </p:cNvSpPr>
+          <p:nvPr>
+            <p:ph type="body" sz="half" idx="2"/>
+          </p:nvPr>
+        </p:nvSpPr>
+        <p:spPr>
+          <a:xfrm>
+            <a:off x="685347" y="4204820"/>
+            <a:ext cx="7765321" cy="1592186"/>
+          </a:xfrm>
+        </p:spPr>
+        <p:txBody>
+          <a:bodyPr anchor="ctr"/>
+          <a:lstStyle>
+            <a:lvl1pPr marL="0" indent="0" algn="ctr">
+              <a:buNone/>
+              <a:defRPr sz="1600"/>
+            </a:lvl1pPr>
+            <a:lvl2pPr marL="457200" indent="0">
+              <a:buNone/>
+              <a:defRPr sz="1400"/>
+            </a:lvl2pPr>
+            <a:lvl3pPr marL="914400" indent="0">
+              <a:buNone/>
+              <a:defRPr sz="1200"/>
+            </a:lvl3pPr>
+            <a:lvl4pPr marL="1371600" indent="0">
+              <a:buNone/>
+              <a:defRPr sz="1000"/>
+            </a:lvl4pPr>
+            <a:lvl5pPr marL="1828800" indent="0">
+              <a:buNone/>
+              <a:defRPr sz="1000"/>
+            </a:lvl5pPr>
+            <a:lvl6pPr marL="2286000" indent="0">
+              <a:buNone/>
+              <a:defRPr sz="1000"/>
+            </a:lvl6pPr>
+            <a:lvl7pPr marL="2743200" indent="0">
+              <a:buNone/>
+              <a:defRPr sz="1000"/>
+            </a:lvl7pPr>
+            <a:lvl8pPr marL="3200400" indent="0">
+              <a:buNone/>
+              <a:defRPr sz="1000"/>
+            </a:lvl8pPr>
+            <a:lvl9pPr marL="3657600" indent="0">
+              <a:buNone/>
+              <a:defRPr sz="1000"/>
+            </a:lvl9pPr>
+          </a:lstStyle>
+          <a:p>
+            <a:pPr lvl="0"/>
+            <a:r>
+              <a:rPr lang="en-US"/>
+              <a:t>Click to edit Master text styles</a:t>
+            </a:r>
+          </a:p>
+        </p:txBody>
+      </p:sp>
+      <p:sp>
+        <p:nvSpPr>
+          <p:cNvPr id="5" name="Date Placeholder 4"/>
+          <p:cNvSpPr>
+            <a:spLocks noGrp="1"/>
+          </p:cNvSpPr>
+          <p:nvPr>
+            <p:ph type="dt" sz="half" idx="10"/>
+          </p:nvPr>
+        </p:nvSpPr>
+        <p:spPr/>
+        <p:txBody>
+          <a:bodyPr/>
+          <a:lstStyle/>
+          <a:p>
+            <a:fld id="{5BCAD085-E8A6-8845-BD4E-CB4CCA059FC4}" type="datetimeFigureOut">
+              <a:rPr lang="en-US" smtClean="0"/>
+              <a:t>9/24/2025</a:t>
+            </a:fld>
+            <a:endParaRPr lang="en-US"/>
+          </a:p>
+        </p:txBody>
+      </p:sp>
+      <p:sp>
+        <p:nvSpPr>
+          <p:cNvPr id="6" name="Footer Placeholder 5"/>
+          <p:cNvSpPr>
+            <a:spLocks noGrp="1"/>
+          </p:cNvSpPr>
+          <p:nvPr>
+            <p:ph type="ftr" sz="quarter" idx="11"/>
+          </p:nvPr>
+        </p:nvSpPr>
+        <p:spPr/>
+        <p:txBody>
+          <a:bodyPr/>
+          <a:lstStyle/>
+          <a:p>
+            <a:endParaRPr lang="en-US"/>
+          </a:p>
+        </p:txBody>
+      </p:sp>
+      <p:sp>
+        <p:nvSpPr>
+          <p:cNvPr id="7" name="Slide Number Placeholder 6"/>
+          <p:cNvSpPr>
+            <a:spLocks noGrp="1"/>
+          </p:cNvSpPr>
+          <p:nvPr>
+            <p:ph type="sldNum" sz="quarter" idx="12"/>
+          </p:nvPr>
+        </p:nvSpPr>
+        <p:spPr/>
+        <p:txBody>
+          <a:bodyPr/>
+          <a:lstStyle/>
+          <a:p>
+            <a:fld id="{C1FF6DA9-008F-8B48-92A6-B652298478BF}" type="slidenum">
+              <a:rPr lang="en-US" smtClean="0"/>
+              <a:t>‹#›</a:t>
+            </a:fld>
+            <a:endParaRPr lang="en-US"/>
+          </a:p>
+        </p:txBody>
+      </p:sp>
+    </p:spTree>
+    <p:extLst>
+      <p:ext uri="{BB962C8B-B14F-4D97-AF65-F5344CB8AC3E}">
+        <p14:creationId xmlns:p14="http://schemas.microsoft.com/office/powerpoint/2010/main" val="920636745"/>
+      </p:ext>
+    </p:extLst>
+  </p:cSld>
+  <p:clrMapOvr>
+    <a:masterClrMapping/>
+  </p:clrMapOvr>
+</p:sldLayout>
+</file>
+
+<file path=ppt/slideLayouts/slideLayout12.xml><?xml version="1.0" encoding="utf-8"?>
+<p:sldLayout xmlns:a="http://schemas.openxmlformats.org/drawingml/2006/main" xmlns:r="http://schemas.openxmlformats.org/officeDocument/2006/relationships" xmlns:p="http://schemas.openxmlformats.org/presentationml/2006/main" preserve="1">
+  <p:cSld name="Quote with Caption">
+    <p:spTree>
+      <p:nvGrpSpPr>
+        <p:cNvPr id="1" name=""/>
+        <p:cNvGrpSpPr/>
+        <p:nvPr/>
+      </p:nvGrpSpPr>
+      <p:grpSpPr>
+        <a:xfrm>
+          <a:off x="0" y="0"/>
+          <a:ext cx="0" cy="0"/>
+          <a:chOff x="0" y="0"/>
+          <a:chExt cx="0" cy="0"/>
+        </a:xfrm>
+      </p:grpSpPr>
+      <p:sp>
+        <p:nvSpPr>
+          <p:cNvPr id="2" name="Title 1"/>
+          <p:cNvSpPr>
+            <a:spLocks noGrp="1"/>
+          </p:cNvSpPr>
+          <p:nvPr>
+            <p:ph type="title"/>
+          </p:nvPr>
+        </p:nvSpPr>
+        <p:spPr>
+          <a:xfrm>
+            <a:off x="1084659" y="609600"/>
+            <a:ext cx="6977064" cy="2992904"/>
+          </a:xfrm>
+        </p:spPr>
+        <p:txBody>
+          <a:bodyPr anchor="ctr"/>
+          <a:lstStyle>
+            <a:lvl1pPr>
+              <a:defRPr sz="3200"/>
+            </a:lvl1pPr>
+          </a:lstStyle>
+          <a:p>
+            <a:r>
+              <a:rPr lang="en-US"/>
+              <a:t>Click to edit Master title style</a:t>
+            </a:r>
+            <a:endParaRPr lang="en-US" dirty="0"/>
+          </a:p>
+        </p:txBody>
+      </p:sp>
+      <p:sp>
+        <p:nvSpPr>
+          <p:cNvPr id="12" name="Text Placeholder 3"/>
+          <p:cNvSpPr>
+            <a:spLocks noGrp="1"/>
+          </p:cNvSpPr>
+          <p:nvPr>
+            <p:ph type="body" sz="half" idx="13"/>
+          </p:nvPr>
+        </p:nvSpPr>
+        <p:spPr>
+          <a:xfrm>
+            <a:off x="1290484" y="3610032"/>
+            <a:ext cx="6564224" cy="426812"/>
+          </a:xfrm>
+        </p:spPr>
+        <p:txBody>
+          <a:bodyPr anchor="t">
+            <a:normAutofit/>
+          </a:bodyPr>
+          <a:lstStyle>
+            <a:lvl1pPr marL="0" indent="0" algn="r">
+              <a:buNone/>
+              <a:defRPr sz="1400"/>
+            </a:lvl1pPr>
+            <a:lvl2pPr marL="457200" indent="0">
+              <a:buNone/>
+              <a:defRPr sz="1400"/>
+            </a:lvl2pPr>
+            <a:lvl3pPr marL="914400" indent="0">
+              <a:buNone/>
+              <a:defRPr sz="1200"/>
+            </a:lvl3pPr>
+            <a:lvl4pPr marL="1371600" indent="0">
+              <a:buNone/>
+              <a:defRPr sz="1000"/>
+            </a:lvl4pPr>
+            <a:lvl5pPr marL="1828800" indent="0">
+              <a:buNone/>
+              <a:defRPr sz="1000"/>
+            </a:lvl5pPr>
+            <a:lvl6pPr marL="2286000" indent="0">
+              <a:buNone/>
+              <a:defRPr sz="1000"/>
+            </a:lvl6pPr>
+            <a:lvl7pPr marL="2743200" indent="0">
+              <a:buNone/>
+              <a:defRPr sz="1000"/>
+            </a:lvl7pPr>
+            <a:lvl8pPr marL="3200400" indent="0">
+              <a:buNone/>
+              <a:defRPr sz="1000"/>
+            </a:lvl8pPr>
+            <a:lvl9pPr marL="3657600" indent="0">
+              <a:buNone/>
+              <a:defRPr sz="1000"/>
+            </a:lvl9pPr>
+          </a:lstStyle>
+          <a:p>
+            <a:pPr lvl="0"/>
+            <a:r>
+              <a:rPr lang="en-US"/>
+              <a:t>Click to edit Master text styles</a:t>
+            </a:r>
+          </a:p>
+        </p:txBody>
+      </p:sp>
+      <p:sp>
+        <p:nvSpPr>
+          <p:cNvPr id="4" name="Text Placeholder 3"/>
+          <p:cNvSpPr>
+            <a:spLocks noGrp="1"/>
+          </p:cNvSpPr>
+          <p:nvPr>
+            <p:ph type="body" sz="half" idx="2"/>
+          </p:nvPr>
+        </p:nvSpPr>
+        <p:spPr>
+          <a:xfrm>
+            <a:off x="685345" y="4204821"/>
+            <a:ext cx="7765322" cy="1586380"/>
+          </a:xfrm>
+        </p:spPr>
+        <p:txBody>
+          <a:bodyPr anchor="ctr">
+            <a:normAutofit/>
+          </a:bodyPr>
+          <a:lstStyle>
+            <a:lvl1pPr marL="0" indent="0" algn="ctr">
+              <a:buNone/>
+              <a:defRPr sz="1600"/>
+            </a:lvl1pPr>
+            <a:lvl2pPr marL="457200" indent="0">
+              <a:buNone/>
+              <a:defRPr sz="1400"/>
+            </a:lvl2pPr>
+            <a:lvl3pPr marL="914400" indent="0">
+              <a:buNone/>
+              <a:defRPr sz="1200"/>
+            </a:lvl3pPr>
+            <a:lvl4pPr marL="1371600" indent="0">
+              <a:buNone/>
+              <a:defRPr sz="1000"/>
+            </a:lvl4pPr>
+            <a:lvl5pPr marL="1828800" indent="0">
+              <a:buNone/>
+              <a:defRPr sz="1000"/>
+            </a:lvl5pPr>
+            <a:lvl6pPr marL="2286000" indent="0">
+              <a:buNone/>
+              <a:defRPr sz="1000"/>
+            </a:lvl6pPr>
+            <a:lvl7pPr marL="2743200" indent="0">
+              <a:buNone/>
+              <a:defRPr sz="1000"/>
+            </a:lvl7pPr>
+            <a:lvl8pPr marL="3200400" indent="0">
+              <a:buNone/>
+              <a:defRPr sz="1000"/>
+            </a:lvl8pPr>
+            <a:lvl9pPr marL="3657600" indent="0">
+              <a:buNone/>
+              <a:defRPr sz="1000"/>
+            </a:lvl9pPr>
+          </a:lstStyle>
+          <a:p>
+            <a:pPr lvl="0"/>
+            <a:r>
+              <a:rPr lang="en-US"/>
+              <a:t>Click to edit Master text styles</a:t>
+            </a:r>
+          </a:p>
+        </p:txBody>
+      </p:sp>
+      <p:sp>
+        <p:nvSpPr>
+          <p:cNvPr id="5" name="Date Placeholder 4"/>
+          <p:cNvSpPr>
+            <a:spLocks noGrp="1"/>
+          </p:cNvSpPr>
+          <p:nvPr>
+            <p:ph type="dt" sz="half" idx="10"/>
+          </p:nvPr>
+        </p:nvSpPr>
+        <p:spPr/>
+        <p:txBody>
+          <a:bodyPr/>
+          <a:lstStyle/>
+          <a:p>
+            <a:fld id="{5BCAD085-E8A6-8845-BD4E-CB4CCA059FC4}" type="datetimeFigureOut">
+              <a:rPr lang="en-US" smtClean="0"/>
+              <a:t>9/24/2025</a:t>
+            </a:fld>
+            <a:endParaRPr lang="en-US"/>
+          </a:p>
+        </p:txBody>
+      </p:sp>
+      <p:sp>
+        <p:nvSpPr>
+          <p:cNvPr id="6" name="Footer Placeholder 5"/>
+          <p:cNvSpPr>
+            <a:spLocks noGrp="1"/>
+          </p:cNvSpPr>
+          <p:nvPr>
+            <p:ph type="ftr" sz="quarter" idx="11"/>
+          </p:nvPr>
+        </p:nvSpPr>
+        <p:spPr/>
+        <p:txBody>
+          <a:bodyPr/>
+          <a:lstStyle/>
+          <a:p>
+            <a:endParaRPr lang="en-US"/>
+          </a:p>
+        </p:txBody>
+      </p:sp>
+      <p:sp>
+        <p:nvSpPr>
+          <p:cNvPr id="7" name="Slide Number Placeholder 6"/>
+          <p:cNvSpPr>
+            <a:spLocks noGrp="1"/>
+          </p:cNvSpPr>
+          <p:nvPr>
+            <p:ph type="sldNum" sz="quarter" idx="12"/>
+          </p:nvPr>
+        </p:nvSpPr>
+        <p:spPr/>
+        <p:txBody>
+          <a:bodyPr/>
+          <a:lstStyle/>
+          <a:p>
+            <a:fld id="{C1FF6DA9-008F-8B48-92A6-B652298478BF}" type="slidenum">
+              <a:rPr lang="en-US" smtClean="0"/>
+              <a:t>‹#›</a:t>
+            </a:fld>
+            <a:endParaRPr lang="en-US"/>
+          </a:p>
+        </p:txBody>
+      </p:sp>
+      <p:sp>
+        <p:nvSpPr>
+          <p:cNvPr id="10" name="TextBox 9"/>
+          <p:cNvSpPr txBox="1"/>
+          <p:nvPr/>
+        </p:nvSpPr>
+        <p:spPr>
+          <a:xfrm>
+            <a:off x="505245" y="641749"/>
+            <a:ext cx="457200" cy="584776"/>
+          </a:xfrm>
+          <a:prstGeom prst="rect">
+            <a:avLst/>
+          </a:prstGeom>
+        </p:spPr>
+        <p:txBody>
+          <a:bodyPr vert="horz" lIns="91440" tIns="45720" rIns="91440" bIns="45720" rtlCol="0" anchor="ctr">
+            <a:noAutofit/>
+          </a:bodyPr>
+          <a:lstStyle>
+            <a:lvl1pPr>
+              <a:spcBef>
+                <a:spcPct val="0"/>
+              </a:spcBef>
+              <a:buNone/>
+              <a:defRPr sz="3200" b="0" cap="all">
+                <a:ln w="3175" cmpd="sng">
+                  <a:noFill/>
+                </a:ln>
+                <a:effectLst>
+                  <a:glow rad="38100">
+                    <a:schemeClr val="bg1">
+                      <a:lumMod val="65000"/>
+                      <a:lumOff val="35000"/>
+                      <a:alpha val="40000"/>
+                    </a:schemeClr>
+                  </a:glow>
+                  <a:outerShdw blurRad="28575" dist="38100" dir="14040000" algn="tl" rotWithShape="0">
+                    <a:srgbClr val="000000">
+                      <a:alpha val="25000"/>
+                    </a:srgbClr>
+                  </a:outerShdw>
+                </a:effectLst>
+              </a:defRPr>
+            </a:lvl1pPr>
+            <a:lvl2pPr>
+              <a:defRPr>
+                <a:solidFill>
+                  <a:schemeClr val="tx2"/>
+                </a:solidFill>
+              </a:defRPr>
+            </a:lvl2pPr>
+            <a:lvl3pPr>
+              <a:defRPr>
+                <a:solidFill>
+                  <a:schemeClr val="tx2"/>
+                </a:solidFill>
+              </a:defRPr>
+            </a:lvl3pPr>
+            <a:lvl4pPr>
+              <a:defRPr>
+                <a:solidFill>
+                  <a:schemeClr val="tx2"/>
+                </a:solidFill>
+              </a:defRPr>
+            </a:lvl4pPr>
+            <a:lvl5pPr>
+              <a:defRPr>
+                <a:solidFill>
+                  <a:schemeClr val="tx2"/>
+                </a:solidFill>
+              </a:defRPr>
+            </a:lvl5pPr>
+            <a:lvl6pPr>
+              <a:defRPr>
+                <a:solidFill>
+                  <a:schemeClr val="tx2"/>
+                </a:solidFill>
+              </a:defRPr>
+            </a:lvl6pPr>
+            <a:lvl7pPr>
+              <a:defRPr>
+                <a:solidFill>
+                  <a:schemeClr val="tx2"/>
+                </a:solidFill>
+              </a:defRPr>
+            </a:lvl7pPr>
+            <a:lvl8pPr>
+              <a:defRPr>
+                <a:solidFill>
+                  <a:schemeClr val="tx2"/>
+                </a:solidFill>
+              </a:defRPr>
+            </a:lvl8pPr>
+            <a:lvl9pPr>
+              <a:defRPr>
+                <a:solidFill>
+                  <a:schemeClr val="tx2"/>
+                </a:solidFill>
+              </a:defRPr>
+            </a:lvl9pPr>
+          </a:lstStyle>
+          <a:p>
+            <a:pPr lvl="0"/>
+            <a:r>
+              <a:rPr lang="en-US" sz="8000" dirty="0">
+                <a:solidFill>
+                  <a:schemeClr val="tx1"/>
+                </a:solidFill>
+                <a:effectLst/>
+              </a:rPr>
+              <a:t>“</a:t>
+            </a:r>
+          </a:p>
+        </p:txBody>
+      </p:sp>
+      <p:sp>
+        <p:nvSpPr>
+          <p:cNvPr id="14" name="TextBox 13"/>
+          <p:cNvSpPr txBox="1"/>
+          <p:nvPr/>
+        </p:nvSpPr>
+        <p:spPr>
+          <a:xfrm>
+            <a:off x="7946721" y="3073376"/>
+            <a:ext cx="457200" cy="584776"/>
+          </a:xfrm>
+          <a:prstGeom prst="rect">
+            <a:avLst/>
+          </a:prstGeom>
+        </p:spPr>
+        <p:txBody>
+          <a:bodyPr vert="horz" lIns="91440" tIns="45720" rIns="91440" bIns="45720" rtlCol="0" anchor="ctr">
+            <a:noAutofit/>
+          </a:bodyPr>
+          <a:lstStyle>
+            <a:lvl1pPr>
+              <a:spcBef>
+                <a:spcPct val="0"/>
+              </a:spcBef>
+              <a:buNone/>
+              <a:defRPr sz="3200" b="0" cap="all">
+                <a:ln w="3175" cmpd="sng">
+                  <a:noFill/>
+                </a:ln>
+                <a:effectLst>
+                  <a:glow rad="38100">
+                    <a:schemeClr val="bg1">
+                      <a:lumMod val="65000"/>
+                      <a:lumOff val="35000"/>
+                      <a:alpha val="40000"/>
+                    </a:schemeClr>
+                  </a:glow>
+                  <a:outerShdw blurRad="28575" dist="38100" dir="14040000" algn="tl" rotWithShape="0">
+                    <a:srgbClr val="000000">
+                      <a:alpha val="25000"/>
+                    </a:srgbClr>
+                  </a:outerShdw>
+                </a:effectLst>
+              </a:defRPr>
+            </a:lvl1pPr>
+            <a:lvl2pPr>
+              <a:defRPr>
+                <a:solidFill>
+                  <a:schemeClr val="tx2"/>
+                </a:solidFill>
+              </a:defRPr>
+            </a:lvl2pPr>
+            <a:lvl3pPr>
+              <a:defRPr>
+                <a:solidFill>
+                  <a:schemeClr val="tx2"/>
+                </a:solidFill>
+              </a:defRPr>
+            </a:lvl3pPr>
+            <a:lvl4pPr>
+              <a:defRPr>
+                <a:solidFill>
+                  <a:schemeClr val="tx2"/>
+                </a:solidFill>
+              </a:defRPr>
+            </a:lvl4pPr>
+            <a:lvl5pPr>
+              <a:defRPr>
+                <a:solidFill>
+                  <a:schemeClr val="tx2"/>
+                </a:solidFill>
+              </a:defRPr>
+            </a:lvl5pPr>
+            <a:lvl6pPr>
+              <a:defRPr>
+                <a:solidFill>
+                  <a:schemeClr val="tx2"/>
+                </a:solidFill>
+              </a:defRPr>
+            </a:lvl6pPr>
+            <a:lvl7pPr>
+              <a:defRPr>
+                <a:solidFill>
+                  <a:schemeClr val="tx2"/>
+                </a:solidFill>
+              </a:defRPr>
+            </a:lvl7pPr>
+            <a:lvl8pPr>
+              <a:defRPr>
+                <a:solidFill>
+                  <a:schemeClr val="tx2"/>
+                </a:solidFill>
+              </a:defRPr>
+            </a:lvl8pPr>
+            <a:lvl9pPr>
+              <a:defRPr>
+                <a:solidFill>
+                  <a:schemeClr val="tx2"/>
+                </a:solidFill>
+              </a:defRPr>
+            </a:lvl9pPr>
+          </a:lstStyle>
+          <a:p>
+            <a:pPr lvl="0" algn="r"/>
+            <a:r>
+              <a:rPr lang="en-US" sz="8000" dirty="0">
+                <a:solidFill>
+                  <a:schemeClr val="tx1"/>
+                </a:solidFill>
+                <a:effectLst/>
+              </a:rPr>
+              <a:t>”</a:t>
+            </a:r>
+          </a:p>
+        </p:txBody>
+      </p:sp>
+    </p:spTree>
+    <p:extLst>
+      <p:ext uri="{BB962C8B-B14F-4D97-AF65-F5344CB8AC3E}">
+        <p14:creationId xmlns:p14="http://schemas.microsoft.com/office/powerpoint/2010/main" val="109336504"/>
+      </p:ext>
+    </p:extLst>
+  </p:cSld>
+  <p:clrMapOvr>
+    <a:masterClrMapping/>
+  </p:clrMapOvr>
+</p:sldLayout>
+</file>
+
+<file path=ppt/slideLayouts/slideLayout13.xml><?xml version="1.0" encoding="utf-8"?>
+<p:sldLayout xmlns:a="http://schemas.openxmlformats.org/drawingml/2006/main" xmlns:r="http://schemas.openxmlformats.org/officeDocument/2006/relationships" xmlns:p="http://schemas.openxmlformats.org/presentationml/2006/main" preserve="1">
+  <p:cSld name="Name Card">
+    <p:spTree>
+      <p:nvGrpSpPr>
+        <p:cNvPr id="1" name=""/>
+        <p:cNvGrpSpPr/>
+        <p:nvPr/>
+      </p:nvGrpSpPr>
+      <p:grpSpPr>
+        <a:xfrm>
+          <a:off x="0" y="0"/>
+          <a:ext cx="0" cy="0"/>
+          <a:chOff x="0" y="0"/>
+          <a:chExt cx="0" cy="0"/>
+        </a:xfrm>
+      </p:grpSpPr>
+      <p:sp>
+        <p:nvSpPr>
+          <p:cNvPr id="2" name="Title 1"/>
+          <p:cNvSpPr>
+            <a:spLocks noGrp="1"/>
+          </p:cNvSpPr>
+          <p:nvPr>
+            <p:ph type="title"/>
+          </p:nvPr>
+        </p:nvSpPr>
+        <p:spPr>
+          <a:xfrm>
+            <a:off x="685355" y="2126943"/>
+            <a:ext cx="7766495" cy="2511835"/>
+          </a:xfrm>
+        </p:spPr>
+        <p:txBody>
+          <a:bodyPr anchor="b"/>
+          <a:lstStyle>
+            <a:lvl1pPr>
+              <a:defRPr sz="3200"/>
+            </a:lvl1pPr>
+          </a:lstStyle>
+          <a:p>
+            <a:r>
+              <a:rPr lang="en-US"/>
+              <a:t>Click to edit Master title style</a:t>
+            </a:r>
+            <a:endParaRPr lang="en-US" dirty="0"/>
+          </a:p>
+        </p:txBody>
+      </p:sp>
+      <p:sp>
+        <p:nvSpPr>
+          <p:cNvPr id="4" name="Text Placeholder 3"/>
+          <p:cNvSpPr>
+            <a:spLocks noGrp="1"/>
+          </p:cNvSpPr>
+          <p:nvPr>
+            <p:ph type="body" sz="half" idx="2"/>
+          </p:nvPr>
+        </p:nvSpPr>
+        <p:spPr>
+          <a:xfrm>
+            <a:off x="685346" y="4650556"/>
+            <a:ext cx="7765322" cy="1140644"/>
+          </a:xfrm>
+        </p:spPr>
+        <p:txBody>
+          <a:bodyPr anchor="t"/>
+          <a:lstStyle>
+            <a:lvl1pPr marL="0" indent="0" algn="ctr">
+              <a:buNone/>
+              <a:defRPr sz="1600"/>
+            </a:lvl1pPr>
+            <a:lvl2pPr marL="457200" indent="0">
+              <a:buNone/>
+              <a:defRPr sz="1400"/>
+            </a:lvl2pPr>
+            <a:lvl3pPr marL="914400" indent="0">
+              <a:buNone/>
+              <a:defRPr sz="1200"/>
+            </a:lvl3pPr>
+            <a:lvl4pPr marL="1371600" indent="0">
+              <a:buNone/>
+              <a:defRPr sz="1000"/>
+            </a:lvl4pPr>
+            <a:lvl5pPr marL="1828800" indent="0">
+              <a:buNone/>
+              <a:defRPr sz="1000"/>
+            </a:lvl5pPr>
+            <a:lvl6pPr marL="2286000" indent="0">
+              <a:buNone/>
+              <a:defRPr sz="1000"/>
+            </a:lvl6pPr>
+            <a:lvl7pPr marL="2743200" indent="0">
+              <a:buNone/>
+              <a:defRPr sz="1000"/>
+            </a:lvl7pPr>
+            <a:lvl8pPr marL="3200400" indent="0">
+              <a:buNone/>
+              <a:defRPr sz="1000"/>
+            </a:lvl8pPr>
+            <a:lvl9pPr marL="3657600" indent="0">
+              <a:buNone/>
+              <a:defRPr sz="1000"/>
+            </a:lvl9pPr>
+          </a:lstStyle>
+          <a:p>
+            <a:pPr lvl="0"/>
+            <a:r>
+              <a:rPr lang="en-US"/>
+              <a:t>Click to edit Master text styles</a:t>
+            </a:r>
+          </a:p>
+        </p:txBody>
+      </p:sp>
+      <p:sp>
+        <p:nvSpPr>
+          <p:cNvPr id="5" name="Date Placeholder 4"/>
+          <p:cNvSpPr>
+            <a:spLocks noGrp="1"/>
+          </p:cNvSpPr>
+          <p:nvPr>
+            <p:ph type="dt" sz="half" idx="10"/>
+          </p:nvPr>
+        </p:nvSpPr>
+        <p:spPr/>
+        <p:txBody>
+          <a:bodyPr/>
+          <a:lstStyle/>
+          <a:p>
+            <a:fld id="{5BCAD085-E8A6-8845-BD4E-CB4CCA059FC4}" type="datetimeFigureOut">
+              <a:rPr lang="en-US" smtClean="0"/>
+              <a:t>9/24/2025</a:t>
+            </a:fld>
+            <a:endParaRPr lang="en-US"/>
+          </a:p>
+        </p:txBody>
+      </p:sp>
+      <p:sp>
+        <p:nvSpPr>
+          <p:cNvPr id="6" name="Footer Placeholder 5"/>
+          <p:cNvSpPr>
+            <a:spLocks noGrp="1"/>
+          </p:cNvSpPr>
+          <p:nvPr>
+            <p:ph type="ftr" sz="quarter" idx="11"/>
+          </p:nvPr>
+        </p:nvSpPr>
+        <p:spPr/>
+        <p:txBody>
+          <a:bodyPr/>
+          <a:lstStyle/>
+          <a:p>
+            <a:endParaRPr lang="en-US"/>
+          </a:p>
+        </p:txBody>
+      </p:sp>
+      <p:sp>
+        <p:nvSpPr>
+          <p:cNvPr id="7" name="Slide Number Placeholder 6"/>
+          <p:cNvSpPr>
+            <a:spLocks noGrp="1"/>
+          </p:cNvSpPr>
+          <p:nvPr>
+            <p:ph type="sldNum" sz="quarter" idx="12"/>
+          </p:nvPr>
+        </p:nvSpPr>
+        <p:spPr/>
+        <p:txBody>
+          <a:bodyPr/>
+          <a:lstStyle/>
+          <a:p>
+            <a:fld id="{C1FF6DA9-008F-8B48-92A6-B652298478BF}" type="slidenum">
+              <a:rPr lang="en-US" smtClean="0"/>
+              <a:t>‹#›</a:t>
+            </a:fld>
+            <a:endParaRPr lang="en-US"/>
+          </a:p>
+        </p:txBody>
+      </p:sp>
+    </p:spTree>
+    <p:extLst>
+      <p:ext uri="{BB962C8B-B14F-4D97-AF65-F5344CB8AC3E}">
+        <p14:creationId xmlns:p14="http://schemas.microsoft.com/office/powerpoint/2010/main" val="3412069090"/>
+      </p:ext>
+    </p:extLst>
+  </p:cSld>
+  <p:clrMapOvr>
+    <a:masterClrMapping/>
+  </p:clrMapOvr>
+</p:sldLayout>
+</file>
+
+<file path=ppt/slideLayouts/slideLayout14.xml><?xml version="1.0" encoding="utf-8"?>
+<p:sldLayout xmlns:a="http://schemas.openxmlformats.org/drawingml/2006/main" xmlns:r="http://schemas.openxmlformats.org/officeDocument/2006/relationships" xmlns:p="http://schemas.openxmlformats.org/presentationml/2006/main" preserve="1">
+  <p:cSld name="3 Column">
+    <p:spTree>
+      <p:nvGrpSpPr>
+        <p:cNvPr id="1" name=""/>
+        <p:cNvGrpSpPr/>
+        <p:nvPr/>
+      </p:nvGrpSpPr>
+      <p:grpSpPr>
+        <a:xfrm>
+          <a:off x="0" y="0"/>
+          <a:ext cx="0" cy="0"/>
+          <a:chOff x="0" y="0"/>
+          <a:chExt cx="0" cy="0"/>
+        </a:xfrm>
+      </p:grpSpPr>
+      <p:sp>
+        <p:nvSpPr>
+          <p:cNvPr id="15" name="Title 1"/>
+          <p:cNvSpPr>
+            <a:spLocks noGrp="1"/>
+          </p:cNvSpPr>
+          <p:nvPr>
+            <p:ph type="title"/>
+          </p:nvPr>
+        </p:nvSpPr>
+        <p:spPr>
+          <a:xfrm>
+            <a:off x="685345" y="609601"/>
+            <a:ext cx="7765322" cy="1325563"/>
+          </a:xfrm>
+        </p:spPr>
+        <p:txBody>
+          <a:bodyPr/>
+          <a:lstStyle/>
+          <a:p>
+            <a:r>
+              <a:rPr lang="en-US"/>
+              <a:t>Click to edit Master title style</a:t>
+            </a:r>
+            <a:endParaRPr lang="en-US" dirty="0"/>
+          </a:p>
+        </p:txBody>
+      </p:sp>
+      <p:sp>
+        <p:nvSpPr>
+          <p:cNvPr id="7" name="Text Placeholder 2"/>
+          <p:cNvSpPr>
+            <a:spLocks noGrp="1"/>
+          </p:cNvSpPr>
+          <p:nvPr>
+            <p:ph type="body" idx="1"/>
+          </p:nvPr>
+        </p:nvSpPr>
+        <p:spPr>
+          <a:xfrm>
+            <a:off x="685346" y="2088320"/>
+            <a:ext cx="2474217" cy="823305"/>
+          </a:xfrm>
+        </p:spPr>
+        <p:txBody>
+          <a:bodyPr anchor="b">
+            <a:noAutofit/>
+          </a:bodyPr>
+          <a:lstStyle>
+            <a:lvl1pPr marL="0" indent="0" algn="ctr">
+              <a:lnSpc>
+                <a:spcPct val="100000"/>
+              </a:lnSpc>
+              <a:buNone/>
+              <a:defRPr sz="2400" b="0">
+                <a:solidFill>
+                  <a:schemeClr val="tx1"/>
+                </a:solidFill>
+              </a:defRPr>
+            </a:lvl1pPr>
+            <a:lvl2pPr marL="457200" indent="0">
+              <a:buNone/>
+              <a:defRPr sz="2000" b="1"/>
+            </a:lvl2pPr>
+            <a:lvl3pPr marL="914400" indent="0">
+              <a:buNone/>
+              <a:defRPr sz="1800" b="1"/>
+            </a:lvl3pPr>
+            <a:lvl4pPr marL="1371600" indent="0">
+              <a:buNone/>
+              <a:defRPr sz="1600" b="1"/>
+            </a:lvl4pPr>
+            <a:lvl5pPr marL="1828800" indent="0">
+              <a:buNone/>
+              <a:defRPr sz="1600" b="1"/>
+            </a:lvl5pPr>
+            <a:lvl6pPr marL="2286000" indent="0">
+              <a:buNone/>
+              <a:defRPr sz="1600" b="1"/>
+            </a:lvl6pPr>
+            <a:lvl7pPr marL="2743200" indent="0">
+              <a:buNone/>
+              <a:defRPr sz="1600" b="1"/>
+            </a:lvl7pPr>
+            <a:lvl8pPr marL="3200400" indent="0">
+              <a:buNone/>
+              <a:defRPr sz="1600" b="1"/>
+            </a:lvl8pPr>
+            <a:lvl9pPr marL="3657600" indent="0">
+              <a:buNone/>
+              <a:defRPr sz="1600" b="1"/>
+            </a:lvl9pPr>
+          </a:lstStyle>
+          <a:p>
+            <a:pPr lvl="0"/>
+            <a:r>
+              <a:rPr lang="en-US"/>
+              <a:t>Click to edit Master text styles</a:t>
+            </a:r>
+          </a:p>
+        </p:txBody>
+      </p:sp>
+      <p:sp>
+        <p:nvSpPr>
+          <p:cNvPr id="8" name="Text Placeholder 3"/>
+          <p:cNvSpPr>
+            <a:spLocks noGrp="1"/>
+          </p:cNvSpPr>
+          <p:nvPr>
+            <p:ph type="body" sz="half" idx="15"/>
+          </p:nvPr>
+        </p:nvSpPr>
+        <p:spPr>
+          <a:xfrm>
+            <a:off x="685346" y="2911624"/>
+            <a:ext cx="2474217" cy="2879576"/>
+          </a:xfrm>
+        </p:spPr>
+        <p:txBody>
+          <a:bodyPr anchor="t">
+            <a:normAutofit/>
+          </a:bodyPr>
+          <a:lstStyle>
+            <a:lvl1pPr marL="0" indent="0" algn="ctr">
+              <a:buNone/>
+              <a:defRPr sz="1400"/>
+            </a:lvl1pPr>
+            <a:lvl2pPr marL="457200" indent="0">
+              <a:buNone/>
+              <a:defRPr sz="1200"/>
+            </a:lvl2pPr>
+            <a:lvl3pPr marL="914400" indent="0">
+              <a:buNone/>
+              <a:defRPr sz="1000"/>
+            </a:lvl3pPr>
+            <a:lvl4pPr marL="1371600" indent="0">
+              <a:buNone/>
+              <a:defRPr sz="900"/>
+            </a:lvl4pPr>
+            <a:lvl5pPr marL="1828800" indent="0">
+              <a:buNone/>
+              <a:defRPr sz="900"/>
+            </a:lvl5pPr>
+            <a:lvl6pPr marL="2286000" indent="0">
+              <a:buNone/>
+              <a:defRPr sz="900"/>
+            </a:lvl6pPr>
+            <a:lvl7pPr marL="2743200" indent="0">
+              <a:buNone/>
+              <a:defRPr sz="900"/>
+            </a:lvl7pPr>
+            <a:lvl8pPr marL="3200400" indent="0">
+              <a:buNone/>
+              <a:defRPr sz="900"/>
+            </a:lvl8pPr>
+            <a:lvl9pPr marL="3657600" indent="0">
+              <a:buNone/>
+              <a:defRPr sz="900"/>
+            </a:lvl9pPr>
+          </a:lstStyle>
+          <a:p>
+            <a:pPr lvl="0"/>
+            <a:r>
+              <a:rPr lang="en-US"/>
+              <a:t>Click to edit Master text styles</a:t>
+            </a:r>
+          </a:p>
+        </p:txBody>
+      </p:sp>
+      <p:sp>
+        <p:nvSpPr>
+          <p:cNvPr id="9" name="Text Placeholder 4"/>
+          <p:cNvSpPr>
+            <a:spLocks noGrp="1"/>
+          </p:cNvSpPr>
+          <p:nvPr>
+            <p:ph type="body" sz="quarter" idx="3"/>
+          </p:nvPr>
+        </p:nvSpPr>
+        <p:spPr>
+          <a:xfrm>
+            <a:off x="3333658" y="2088320"/>
+            <a:ext cx="2473919" cy="823304"/>
+          </a:xfrm>
+        </p:spPr>
+        <p:txBody>
+          <a:bodyPr anchor="b">
+            <a:noAutofit/>
+          </a:bodyPr>
+          <a:lstStyle>
+            <a:lvl1pPr marL="0" indent="0" algn="ctr">
+              <a:lnSpc>
+                <a:spcPct val="100000"/>
+              </a:lnSpc>
+              <a:buNone/>
+              <a:defRPr sz="2400" b="0">
+                <a:solidFill>
+                  <a:schemeClr val="tx1"/>
+                </a:solidFill>
+              </a:defRPr>
+            </a:lvl1pPr>
+            <a:lvl2pPr marL="457200" indent="0">
+              <a:buNone/>
+              <a:defRPr sz="2000" b="1"/>
+            </a:lvl2pPr>
+            <a:lvl3pPr marL="914400" indent="0">
+              <a:buNone/>
+              <a:defRPr sz="1800" b="1"/>
+            </a:lvl3pPr>
+            <a:lvl4pPr marL="1371600" indent="0">
+              <a:buNone/>
+              <a:defRPr sz="1600" b="1"/>
+            </a:lvl4pPr>
+            <a:lvl5pPr marL="1828800" indent="0">
+              <a:buNone/>
+              <a:defRPr sz="1600" b="1"/>
+            </a:lvl5pPr>
+            <a:lvl6pPr marL="2286000" indent="0">
+              <a:buNone/>
+              <a:defRPr sz="1600" b="1"/>
+            </a:lvl6pPr>
+            <a:lvl7pPr marL="2743200" indent="0">
+              <a:buNone/>
+              <a:defRPr sz="1600" b="1"/>
+            </a:lvl7pPr>
+            <a:lvl8pPr marL="3200400" indent="0">
+              <a:buNone/>
+              <a:defRPr sz="1600" b="1"/>
+            </a:lvl8pPr>
+            <a:lvl9pPr marL="3657600" indent="0">
+              <a:buNone/>
+              <a:defRPr sz="1600" b="1"/>
+            </a:lvl9pPr>
+          </a:lstStyle>
+          <a:p>
+            <a:pPr lvl="0"/>
+            <a:r>
+              <a:rPr lang="en-US"/>
+              <a:t>Click to edit Master text styles</a:t>
+            </a:r>
+          </a:p>
+        </p:txBody>
+      </p:sp>
+      <p:sp>
+        <p:nvSpPr>
+          <p:cNvPr id="10" name="Text Placeholder 3"/>
+          <p:cNvSpPr>
+            <a:spLocks noGrp="1"/>
+          </p:cNvSpPr>
+          <p:nvPr>
+            <p:ph type="body" sz="half" idx="16"/>
+          </p:nvPr>
+        </p:nvSpPr>
+        <p:spPr>
+          <a:xfrm>
+            <a:off x="3333659" y="2911624"/>
+            <a:ext cx="2474866" cy="2879576"/>
+          </a:xfrm>
+        </p:spPr>
+        <p:txBody>
+          <a:bodyPr anchor="t">
+            <a:normAutofit/>
+          </a:bodyPr>
+          <a:lstStyle>
+            <a:lvl1pPr marL="0" indent="0" algn="ctr">
+              <a:buNone/>
+              <a:defRPr sz="1400"/>
+            </a:lvl1pPr>
+            <a:lvl2pPr marL="457200" indent="0">
+              <a:buNone/>
+              <a:defRPr sz="1200"/>
+            </a:lvl2pPr>
+            <a:lvl3pPr marL="914400" indent="0">
+              <a:buNone/>
+              <a:defRPr sz="1000"/>
+            </a:lvl3pPr>
+            <a:lvl4pPr marL="1371600" indent="0">
+              <a:buNone/>
+              <a:defRPr sz="900"/>
+            </a:lvl4pPr>
+            <a:lvl5pPr marL="1828800" indent="0">
+              <a:buNone/>
+              <a:defRPr sz="900"/>
+            </a:lvl5pPr>
+            <a:lvl6pPr marL="2286000" indent="0">
+              <a:buNone/>
+              <a:defRPr sz="900"/>
+            </a:lvl6pPr>
+            <a:lvl7pPr marL="2743200" indent="0">
+              <a:buNone/>
+              <a:defRPr sz="900"/>
+            </a:lvl7pPr>
+            <a:lvl8pPr marL="3200400" indent="0">
+              <a:buNone/>
+              <a:defRPr sz="900"/>
+            </a:lvl8pPr>
+            <a:lvl9pPr marL="3657600" indent="0">
+              <a:buNone/>
+              <a:defRPr sz="900"/>
+            </a:lvl9pPr>
+          </a:lstStyle>
+          <a:p>
+            <a:pPr lvl="0"/>
+            <a:r>
+              <a:rPr lang="en-US"/>
+              <a:t>Click to edit Master text styles</a:t>
+            </a:r>
+          </a:p>
+        </p:txBody>
+      </p:sp>
+      <p:sp>
+        <p:nvSpPr>
+          <p:cNvPr id="11" name="Text Placeholder 4"/>
+          <p:cNvSpPr>
+            <a:spLocks noGrp="1"/>
+          </p:cNvSpPr>
+          <p:nvPr>
+            <p:ph type="body" sz="quarter" idx="13"/>
+          </p:nvPr>
+        </p:nvSpPr>
+        <p:spPr>
+          <a:xfrm>
+            <a:off x="5979974" y="2088320"/>
+            <a:ext cx="2468408" cy="823304"/>
+          </a:xfrm>
+        </p:spPr>
+        <p:txBody>
+          <a:bodyPr anchor="b">
+            <a:noAutofit/>
+          </a:bodyPr>
+          <a:lstStyle>
+            <a:lvl1pPr marL="0" indent="0" algn="ctr">
+              <a:lnSpc>
+                <a:spcPct val="100000"/>
+              </a:lnSpc>
+              <a:buNone/>
+              <a:defRPr sz="2400" b="0">
+                <a:solidFill>
+                  <a:schemeClr val="tx1"/>
+                </a:solidFill>
+              </a:defRPr>
+            </a:lvl1pPr>
+            <a:lvl2pPr marL="457200" indent="0">
+              <a:buNone/>
+              <a:defRPr sz="2000" b="1"/>
+            </a:lvl2pPr>
+            <a:lvl3pPr marL="914400" indent="0">
+              <a:buNone/>
+              <a:defRPr sz="1800" b="1"/>
+            </a:lvl3pPr>
+            <a:lvl4pPr marL="1371600" indent="0">
+              <a:buNone/>
+              <a:defRPr sz="1600" b="1"/>
+            </a:lvl4pPr>
+            <a:lvl5pPr marL="1828800" indent="0">
+              <a:buNone/>
+              <a:defRPr sz="1600" b="1"/>
+            </a:lvl5pPr>
+            <a:lvl6pPr marL="2286000" indent="0">
+              <a:buNone/>
+              <a:defRPr sz="1600" b="1"/>
+            </a:lvl6pPr>
+            <a:lvl7pPr marL="2743200" indent="0">
+              <a:buNone/>
+              <a:defRPr sz="1600" b="1"/>
+            </a:lvl7pPr>
+            <a:lvl8pPr marL="3200400" indent="0">
+              <a:buNone/>
+              <a:defRPr sz="1600" b="1"/>
+            </a:lvl8pPr>
+            <a:lvl9pPr marL="3657600" indent="0">
+              <a:buNone/>
+              <a:defRPr sz="1600" b="1"/>
+            </a:lvl9pPr>
+          </a:lstStyle>
+          <a:p>
+            <a:pPr lvl="0"/>
+            <a:r>
+              <a:rPr lang="en-US"/>
+              <a:t>Click to edit Master text styles</a:t>
+            </a:r>
+          </a:p>
+        </p:txBody>
+      </p:sp>
+      <p:sp>
+        <p:nvSpPr>
+          <p:cNvPr id="12" name="Text Placeholder 3"/>
+          <p:cNvSpPr>
+            <a:spLocks noGrp="1"/>
+          </p:cNvSpPr>
+          <p:nvPr>
+            <p:ph type="body" sz="half" idx="17"/>
+          </p:nvPr>
+        </p:nvSpPr>
+        <p:spPr>
+          <a:xfrm>
+            <a:off x="5982260" y="2911624"/>
+            <a:ext cx="2468408" cy="2879576"/>
+          </a:xfrm>
+        </p:spPr>
+        <p:txBody>
+          <a:bodyPr anchor="t">
+            <a:normAutofit/>
+          </a:bodyPr>
+          <a:lstStyle>
+            <a:lvl1pPr marL="0" indent="0" algn="ctr">
+              <a:buNone/>
+              <a:defRPr sz="1400"/>
+            </a:lvl1pPr>
+            <a:lvl2pPr marL="457200" indent="0">
+              <a:buNone/>
+              <a:defRPr sz="1200"/>
+            </a:lvl2pPr>
+            <a:lvl3pPr marL="914400" indent="0">
+              <a:buNone/>
+              <a:defRPr sz="1000"/>
+            </a:lvl3pPr>
+            <a:lvl4pPr marL="1371600" indent="0">
+              <a:buNone/>
+              <a:defRPr sz="900"/>
+            </a:lvl4pPr>
+            <a:lvl5pPr marL="1828800" indent="0">
+              <a:buNone/>
+              <a:defRPr sz="900"/>
+            </a:lvl5pPr>
+            <a:lvl6pPr marL="2286000" indent="0">
+              <a:buNone/>
+              <a:defRPr sz="900"/>
+            </a:lvl6pPr>
+            <a:lvl7pPr marL="2743200" indent="0">
+              <a:buNone/>
+              <a:defRPr sz="900"/>
+            </a:lvl7pPr>
+            <a:lvl8pPr marL="3200400" indent="0">
+              <a:buNone/>
+              <a:defRPr sz="900"/>
+            </a:lvl8pPr>
+            <a:lvl9pPr marL="3657600" indent="0">
+              <a:buNone/>
+              <a:defRPr sz="900"/>
+            </a:lvl9pPr>
+          </a:lstStyle>
+          <a:p>
+            <a:pPr lvl="0"/>
+            <a:r>
+              <a:rPr lang="en-US"/>
+              <a:t>Click to edit Master text styles</a:t>
+            </a:r>
+          </a:p>
+        </p:txBody>
+      </p:sp>
+      <p:sp>
+        <p:nvSpPr>
+          <p:cNvPr id="3" name="Date Placeholder 2"/>
+          <p:cNvSpPr>
+            <a:spLocks noGrp="1"/>
+          </p:cNvSpPr>
+          <p:nvPr>
+            <p:ph type="dt" sz="half" idx="10"/>
+          </p:nvPr>
+        </p:nvSpPr>
+        <p:spPr/>
+        <p:txBody>
+          <a:bodyPr/>
+          <a:lstStyle/>
+          <a:p>
+            <a:fld id="{5BCAD085-E8A6-8845-BD4E-CB4CCA059FC4}" type="datetimeFigureOut">
+              <a:rPr lang="en-US" smtClean="0"/>
+              <a:t>9/24/2025</a:t>
+            </a:fld>
+            <a:endParaRPr lang="en-US"/>
+          </a:p>
+        </p:txBody>
+      </p:sp>
+      <p:sp>
+        <p:nvSpPr>
+          <p:cNvPr id="4" name="Footer Placeholder 3"/>
+          <p:cNvSpPr>
+            <a:spLocks noGrp="1"/>
+          </p:cNvSpPr>
+          <p:nvPr>
+            <p:ph type="ftr" sz="quarter" idx="11"/>
+          </p:nvPr>
+        </p:nvSpPr>
+        <p:spPr/>
+        <p:txBody>
+          <a:bodyPr/>
+          <a:lstStyle/>
+          <a:p>
+            <a:endParaRPr lang="en-US"/>
+          </a:p>
+        </p:txBody>
+      </p:sp>
+      <p:sp>
+        <p:nvSpPr>
+          <p:cNvPr id="5" name="Slide Number Placeholder 4"/>
+          <p:cNvSpPr>
+            <a:spLocks noGrp="1"/>
+          </p:cNvSpPr>
+          <p:nvPr>
+            <p:ph type="sldNum" sz="quarter" idx="12"/>
+          </p:nvPr>
+        </p:nvSpPr>
+        <p:spPr/>
+        <p:txBody>
+          <a:bodyPr/>
+          <a:lstStyle/>
+          <a:p>
+            <a:fld id="{C1FF6DA9-008F-8B48-92A6-B652298478BF}" type="slidenum">
+              <a:rPr lang="en-US" smtClean="0"/>
+              <a:t>‹#›</a:t>
+            </a:fld>
+            <a:endParaRPr lang="en-US"/>
+          </a:p>
+        </p:txBody>
+      </p:sp>
+    </p:spTree>
+    <p:extLst>
+      <p:ext uri="{BB962C8B-B14F-4D97-AF65-F5344CB8AC3E}">
+        <p14:creationId xmlns:p14="http://schemas.microsoft.com/office/powerpoint/2010/main" val="1587438056"/>
+      </p:ext>
+    </p:extLst>
+  </p:cSld>
+  <p:clrMapOvr>
+    <a:masterClrMapping/>
+  </p:clrMapOvr>
+</p:sldLayout>
+</file>
+
+<file path=ppt/slideLayouts/slideLayout15.xml><?xml version="1.0" encoding="utf-8"?>
+<p:sldLayout xmlns:a="http://schemas.openxmlformats.org/drawingml/2006/main" xmlns:r="http://schemas.openxmlformats.org/officeDocument/2006/relationships" xmlns:p="http://schemas.openxmlformats.org/presentationml/2006/main" preserve="1">
+  <p:cSld name="3 Picture Column">
+    <p:spTree>
+      <p:nvGrpSpPr>
+        <p:cNvPr id="1" name=""/>
+        <p:cNvGrpSpPr/>
+        <p:nvPr/>
+      </p:nvGrpSpPr>
+      <p:grpSpPr>
+        <a:xfrm>
+          <a:off x="0" y="0"/>
+          <a:ext cx="0" cy="0"/>
+          <a:chOff x="0" y="0"/>
+          <a:chExt cx="0" cy="0"/>
+        </a:xfrm>
+      </p:grpSpPr>
+      <p:sp>
+        <p:nvSpPr>
+          <p:cNvPr id="30" name="Title 1"/>
+          <p:cNvSpPr>
+            <a:spLocks noGrp="1"/>
+          </p:cNvSpPr>
+          <p:nvPr>
+            <p:ph type="title"/>
+          </p:nvPr>
+        </p:nvSpPr>
+        <p:spPr>
+          <a:xfrm>
+            <a:off x="685346" y="609601"/>
+            <a:ext cx="7765322" cy="1325563"/>
+          </a:xfrm>
+        </p:spPr>
+        <p:txBody>
+          <a:bodyPr/>
+          <a:lstStyle/>
+          <a:p>
+            <a:r>
+              <a:rPr lang="en-US"/>
+              <a:t>Click to edit Master title style</a:t>
+            </a:r>
+            <a:endParaRPr lang="en-US" dirty="0"/>
+          </a:p>
+        </p:txBody>
+      </p:sp>
+      <p:sp>
+        <p:nvSpPr>
+          <p:cNvPr id="19" name="Text Placeholder 2"/>
+          <p:cNvSpPr>
+            <a:spLocks noGrp="1"/>
+          </p:cNvSpPr>
+          <p:nvPr>
+            <p:ph type="body" idx="1"/>
+          </p:nvPr>
+        </p:nvSpPr>
+        <p:spPr>
+          <a:xfrm>
+            <a:off x="685347" y="3989147"/>
+            <a:ext cx="2474216" cy="576262"/>
+          </a:xfrm>
+        </p:spPr>
+        <p:txBody>
+          <a:bodyPr anchor="b">
+            <a:noAutofit/>
+          </a:bodyPr>
+          <a:lstStyle>
+            <a:lvl1pPr marL="0" indent="0" algn="ctr">
+              <a:lnSpc>
+                <a:spcPct val="100000"/>
+              </a:lnSpc>
+              <a:buNone/>
+              <a:defRPr sz="2000" b="0">
+                <a:solidFill>
+                  <a:schemeClr val="tx1"/>
+                </a:solidFill>
+              </a:defRPr>
+            </a:lvl1pPr>
+            <a:lvl2pPr marL="457200" indent="0">
+              <a:buNone/>
+              <a:defRPr sz="2000" b="1"/>
+            </a:lvl2pPr>
+            <a:lvl3pPr marL="914400" indent="0">
+              <a:buNone/>
+              <a:defRPr sz="1800" b="1"/>
+            </a:lvl3pPr>
+            <a:lvl4pPr marL="1371600" indent="0">
+              <a:buNone/>
+              <a:defRPr sz="1600" b="1"/>
+            </a:lvl4pPr>
+            <a:lvl5pPr marL="1828800" indent="0">
+              <a:buNone/>
+              <a:defRPr sz="1600" b="1"/>
+            </a:lvl5pPr>
+            <a:lvl6pPr marL="2286000" indent="0">
+              <a:buNone/>
+              <a:defRPr sz="1600" b="1"/>
+            </a:lvl6pPr>
+            <a:lvl7pPr marL="2743200" indent="0">
+              <a:buNone/>
+              <a:defRPr sz="1600" b="1"/>
+            </a:lvl7pPr>
+            <a:lvl8pPr marL="3200400" indent="0">
+              <a:buNone/>
+              <a:defRPr sz="1600" b="1"/>
+            </a:lvl8pPr>
+            <a:lvl9pPr marL="3657600" indent="0">
+              <a:buNone/>
+              <a:defRPr sz="1600" b="1"/>
+            </a:lvl9pPr>
+          </a:lstStyle>
+          <a:p>
+            <a:pPr lvl="0"/>
+            <a:r>
+              <a:rPr lang="en-US"/>
+              <a:t>Click to edit Master text styles</a:t>
+            </a:r>
+          </a:p>
+        </p:txBody>
+      </p:sp>
+      <p:sp>
+        <p:nvSpPr>
+          <p:cNvPr id="20" name="Picture Placeholder 2"/>
+          <p:cNvSpPr>
+            <a:spLocks noGrp="1" noChangeAspect="1"/>
+          </p:cNvSpPr>
+          <p:nvPr>
+            <p:ph type="pic" idx="15"/>
+          </p:nvPr>
+        </p:nvSpPr>
+        <p:spPr>
+          <a:xfrm>
+            <a:off x="819015" y="2092235"/>
+            <a:ext cx="2205038" cy="1524000"/>
+          </a:xfrm>
+          <a:prstGeom prst="roundRect">
+            <a:avLst>
+              <a:gd name="adj" fmla="val 0"/>
+            </a:avLst>
+          </a:prstGeom>
+          <a:noFill/>
+          <a:ln w="146050" cap="sq">
+            <a:solidFill>
+              <a:srgbClr val="FFFFFF"/>
+            </a:solidFill>
+            <a:miter lim="800000"/>
+          </a:ln>
+          <a:effectLst>
+            <a:outerShdw blurRad="55000" dist="18000" dir="5400000" algn="tl" rotWithShape="0">
+              <a:srgbClr val="000000">
+                <a:alpha val="40000"/>
+              </a:srgbClr>
+            </a:outerShdw>
+          </a:effectLst>
+          <a:scene3d>
+            <a:camera prst="orthographicFront"/>
+            <a:lightRig rig="twoPt" dir="t">
+              <a:rot lat="0" lon="0" rev="7200000"/>
+            </a:lightRig>
+          </a:scene3d>
+          <a:sp3d>
+            <a:bevelT w="25400" h="19050"/>
+            <a:contourClr>
+              <a:srgbClr val="FFFFFF"/>
+            </a:contourClr>
+          </a:sp3d>
+        </p:spPr>
+        <p:txBody>
+          <a:bodyPr anchor="t">
+            <a:normAutofit/>
+          </a:bodyPr>
+          <a:lstStyle>
+            <a:lvl1pPr marL="0" indent="0" algn="ctr">
+              <a:buNone/>
+              <a:defRPr sz="1600"/>
+            </a:lvl1pPr>
+            <a:lvl2pPr marL="457200" indent="0">
+              <a:buNone/>
+              <a:defRPr sz="1600"/>
+            </a:lvl2pPr>
+            <a:lvl3pPr marL="914400" indent="0">
+              <a:buNone/>
+              <a:defRPr sz="1600"/>
+            </a:lvl3pPr>
+            <a:lvl4pPr marL="1371600" indent="0">
+              <a:buNone/>
+              <a:defRPr sz="1600"/>
+            </a:lvl4pPr>
+            <a:lvl5pPr marL="1828800" indent="0">
+              <a:buNone/>
+              <a:defRPr sz="1600"/>
+            </a:lvl5pPr>
+            <a:lvl6pPr marL="2286000" indent="0">
+              <a:buNone/>
+              <a:defRPr sz="1600"/>
+            </a:lvl6pPr>
+            <a:lvl7pPr marL="2743200" indent="0">
+              <a:buNone/>
+              <a:defRPr sz="1600"/>
+            </a:lvl7pPr>
+            <a:lvl8pPr marL="3200400" indent="0">
+              <a:buNone/>
+              <a:defRPr sz="1600"/>
+            </a:lvl8pPr>
+            <a:lvl9pPr marL="3657600" indent="0">
+              <a:buNone/>
+              <a:defRPr sz="1600"/>
+            </a:lvl9pPr>
+          </a:lstStyle>
+          <a:p>
+            <a:r>
+              <a:rPr lang="en-US"/>
+              <a:t>Click icon to add picture</a:t>
+            </a:r>
+            <a:endParaRPr lang="en-US" dirty="0"/>
+          </a:p>
+        </p:txBody>
+      </p:sp>
+      <p:sp>
+        <p:nvSpPr>
+          <p:cNvPr id="21" name="Text Placeholder 3"/>
+          <p:cNvSpPr>
+            <a:spLocks noGrp="1"/>
+          </p:cNvSpPr>
+          <p:nvPr>
+            <p:ph type="body" sz="half" idx="18"/>
+          </p:nvPr>
+        </p:nvSpPr>
+        <p:spPr>
+          <a:xfrm>
+            <a:off x="685347" y="4565409"/>
+            <a:ext cx="2474216" cy="1225792"/>
+          </a:xfrm>
+        </p:spPr>
+        <p:txBody>
+          <a:bodyPr anchor="t">
+            <a:normAutofit/>
+          </a:bodyPr>
+          <a:lstStyle>
+            <a:lvl1pPr marL="0" indent="0" algn="ctr">
+              <a:buNone/>
+              <a:defRPr sz="1400"/>
+            </a:lvl1pPr>
+            <a:lvl2pPr marL="457200" indent="0">
+              <a:buNone/>
+              <a:defRPr sz="1200"/>
+            </a:lvl2pPr>
+            <a:lvl3pPr marL="914400" indent="0">
+              <a:buNone/>
+              <a:defRPr sz="1000"/>
+            </a:lvl3pPr>
+            <a:lvl4pPr marL="1371600" indent="0">
+              <a:buNone/>
+              <a:defRPr sz="900"/>
+            </a:lvl4pPr>
+            <a:lvl5pPr marL="1828800" indent="0">
+              <a:buNone/>
+              <a:defRPr sz="900"/>
+            </a:lvl5pPr>
+            <a:lvl6pPr marL="2286000" indent="0">
+              <a:buNone/>
+              <a:defRPr sz="900"/>
+            </a:lvl6pPr>
+            <a:lvl7pPr marL="2743200" indent="0">
+              <a:buNone/>
+              <a:defRPr sz="900"/>
+            </a:lvl7pPr>
+            <a:lvl8pPr marL="3200400" indent="0">
+              <a:buNone/>
+              <a:defRPr sz="900"/>
+            </a:lvl8pPr>
+            <a:lvl9pPr marL="3657600" indent="0">
+              <a:buNone/>
+              <a:defRPr sz="900"/>
+            </a:lvl9pPr>
+          </a:lstStyle>
+          <a:p>
+            <a:pPr lvl="0"/>
+            <a:r>
+              <a:rPr lang="en-US"/>
+              <a:t>Click to edit Master text styles</a:t>
+            </a:r>
+          </a:p>
+        </p:txBody>
+      </p:sp>
+      <p:sp>
+        <p:nvSpPr>
+          <p:cNvPr id="22" name="Text Placeholder 4"/>
+          <p:cNvSpPr>
+            <a:spLocks noGrp="1"/>
+          </p:cNvSpPr>
+          <p:nvPr>
+            <p:ph type="body" sz="quarter" idx="3"/>
+          </p:nvPr>
+        </p:nvSpPr>
+        <p:spPr>
+          <a:xfrm>
+            <a:off x="3332026" y="3989147"/>
+            <a:ext cx="2474237" cy="576262"/>
+          </a:xfrm>
+        </p:spPr>
+        <p:txBody>
+          <a:bodyPr anchor="b">
+            <a:noAutofit/>
+          </a:bodyPr>
+          <a:lstStyle>
+            <a:lvl1pPr marL="0" indent="0" algn="ctr">
+              <a:lnSpc>
+                <a:spcPct val="100000"/>
+              </a:lnSpc>
+              <a:buNone/>
+              <a:defRPr sz="2000" b="0">
+                <a:solidFill>
+                  <a:schemeClr val="tx1"/>
+                </a:solidFill>
+              </a:defRPr>
+            </a:lvl1pPr>
+            <a:lvl2pPr marL="457200" indent="0">
+              <a:buNone/>
+              <a:defRPr sz="2000" b="1"/>
+            </a:lvl2pPr>
+            <a:lvl3pPr marL="914400" indent="0">
+              <a:buNone/>
+              <a:defRPr sz="1800" b="1"/>
+            </a:lvl3pPr>
+            <a:lvl4pPr marL="1371600" indent="0">
+              <a:buNone/>
+              <a:defRPr sz="1600" b="1"/>
+            </a:lvl4pPr>
+            <a:lvl5pPr marL="1828800" indent="0">
+              <a:buNone/>
+              <a:defRPr sz="1600" b="1"/>
+            </a:lvl5pPr>
+            <a:lvl6pPr marL="2286000" indent="0">
+              <a:buNone/>
+              <a:defRPr sz="1600" b="1"/>
+            </a:lvl6pPr>
+            <a:lvl7pPr marL="2743200" indent="0">
+              <a:buNone/>
+              <a:defRPr sz="1600" b="1"/>
+            </a:lvl7pPr>
+            <a:lvl8pPr marL="3200400" indent="0">
+              <a:buNone/>
+              <a:defRPr sz="1600" b="1"/>
+            </a:lvl8pPr>
+            <a:lvl9pPr marL="3657600" indent="0">
+              <a:buNone/>
+              <a:defRPr sz="1600" b="1"/>
+            </a:lvl9pPr>
+          </a:lstStyle>
+          <a:p>
+            <a:pPr lvl="0"/>
+            <a:r>
+              <a:rPr lang="en-US"/>
+              <a:t>Click to edit Master text styles</a:t>
+            </a:r>
+          </a:p>
+        </p:txBody>
+      </p:sp>
+      <p:sp>
+        <p:nvSpPr>
+          <p:cNvPr id="23" name="Picture Placeholder 2"/>
+          <p:cNvSpPr>
+            <a:spLocks noGrp="1" noChangeAspect="1"/>
+          </p:cNvSpPr>
+          <p:nvPr>
+            <p:ph type="pic" idx="21"/>
+          </p:nvPr>
+        </p:nvSpPr>
+        <p:spPr>
+          <a:xfrm>
+            <a:off x="3426747" y="2092235"/>
+            <a:ext cx="2197894" cy="1524000"/>
+          </a:xfrm>
+          <a:prstGeom prst="roundRect">
+            <a:avLst>
+              <a:gd name="adj" fmla="val 0"/>
+            </a:avLst>
+          </a:prstGeom>
+          <a:noFill/>
+          <a:ln w="146050" cap="sq">
+            <a:solidFill>
+              <a:srgbClr val="FFFFFF"/>
+            </a:solidFill>
+            <a:miter lim="800000"/>
+          </a:ln>
+          <a:effectLst>
+            <a:outerShdw blurRad="55000" dist="18000" dir="5400000" algn="tl" rotWithShape="0">
+              <a:srgbClr val="000000">
+                <a:alpha val="40000"/>
+              </a:srgbClr>
+            </a:outerShdw>
+          </a:effectLst>
+          <a:scene3d>
+            <a:camera prst="orthographicFront"/>
+            <a:lightRig rig="twoPt" dir="t">
+              <a:rot lat="0" lon="0" rev="7200000"/>
+            </a:lightRig>
+          </a:scene3d>
+          <a:sp3d>
+            <a:bevelT w="25400" h="19050"/>
+            <a:contourClr>
+              <a:srgbClr val="FFFFFF"/>
+            </a:contourClr>
+          </a:sp3d>
+        </p:spPr>
+        <p:txBody>
+          <a:bodyPr anchor="t">
+            <a:normAutofit/>
+          </a:bodyPr>
+          <a:lstStyle>
+            <a:lvl1pPr marL="0" indent="0" algn="ctr">
+              <a:buNone/>
+              <a:defRPr sz="1600"/>
+            </a:lvl1pPr>
+            <a:lvl2pPr marL="457200" indent="0">
+              <a:buNone/>
+              <a:defRPr sz="1600"/>
+            </a:lvl2pPr>
+            <a:lvl3pPr marL="914400" indent="0">
+              <a:buNone/>
+              <a:defRPr sz="1600"/>
+            </a:lvl3pPr>
+            <a:lvl4pPr marL="1371600" indent="0">
+              <a:buNone/>
+              <a:defRPr sz="1600"/>
+            </a:lvl4pPr>
+            <a:lvl5pPr marL="1828800" indent="0">
+              <a:buNone/>
+              <a:defRPr sz="1600"/>
+            </a:lvl5pPr>
+            <a:lvl6pPr marL="2286000" indent="0">
+              <a:buNone/>
+              <a:defRPr sz="1600"/>
+            </a:lvl6pPr>
+            <a:lvl7pPr marL="2743200" indent="0">
+              <a:buNone/>
+              <a:defRPr sz="1600"/>
+            </a:lvl7pPr>
+            <a:lvl8pPr marL="3200400" indent="0">
+              <a:buNone/>
+              <a:defRPr sz="1600"/>
+            </a:lvl8pPr>
+            <a:lvl9pPr marL="3657600" indent="0">
+              <a:buNone/>
+              <a:defRPr sz="1600"/>
+            </a:lvl9pPr>
+          </a:lstStyle>
+          <a:p>
+            <a:r>
+              <a:rPr lang="en-US"/>
+              <a:t>Click icon to add picture</a:t>
+            </a:r>
+            <a:endParaRPr lang="en-US" dirty="0"/>
+          </a:p>
+        </p:txBody>
+      </p:sp>
+      <p:sp>
+        <p:nvSpPr>
+          <p:cNvPr id="24" name="Text Placeholder 3"/>
+          <p:cNvSpPr>
+            <a:spLocks noGrp="1"/>
+          </p:cNvSpPr>
+          <p:nvPr>
+            <p:ph type="body" sz="half" idx="19"/>
+          </p:nvPr>
+        </p:nvSpPr>
+        <p:spPr>
+          <a:xfrm>
+            <a:off x="3331011" y="4565408"/>
+            <a:ext cx="2475252" cy="1225792"/>
+          </a:xfrm>
+        </p:spPr>
+        <p:txBody>
+          <a:bodyPr anchor="t">
+            <a:normAutofit/>
+          </a:bodyPr>
+          <a:lstStyle>
+            <a:lvl1pPr marL="0" indent="0" algn="ctr">
+              <a:buNone/>
+              <a:defRPr sz="1400"/>
+            </a:lvl1pPr>
+            <a:lvl2pPr marL="457200" indent="0">
+              <a:buNone/>
+              <a:defRPr sz="1200"/>
+            </a:lvl2pPr>
+            <a:lvl3pPr marL="914400" indent="0">
+              <a:buNone/>
+              <a:defRPr sz="1000"/>
+            </a:lvl3pPr>
+            <a:lvl4pPr marL="1371600" indent="0">
+              <a:buNone/>
+              <a:defRPr sz="900"/>
+            </a:lvl4pPr>
+            <a:lvl5pPr marL="1828800" indent="0">
+              <a:buNone/>
+              <a:defRPr sz="900"/>
+            </a:lvl5pPr>
+            <a:lvl6pPr marL="2286000" indent="0">
+              <a:buNone/>
+              <a:defRPr sz="900"/>
+            </a:lvl6pPr>
+            <a:lvl7pPr marL="2743200" indent="0">
+              <a:buNone/>
+              <a:defRPr sz="900"/>
+            </a:lvl7pPr>
+            <a:lvl8pPr marL="3200400" indent="0">
+              <a:buNone/>
+              <a:defRPr sz="900"/>
+            </a:lvl8pPr>
+            <a:lvl9pPr marL="3657600" indent="0">
+              <a:buNone/>
+              <a:defRPr sz="900"/>
+            </a:lvl9pPr>
+          </a:lstStyle>
+          <a:p>
+            <a:pPr lvl="0"/>
+            <a:r>
+              <a:rPr lang="en-US"/>
+              <a:t>Click to edit Master text styles</a:t>
+            </a:r>
+          </a:p>
+        </p:txBody>
+      </p:sp>
+      <p:sp>
+        <p:nvSpPr>
+          <p:cNvPr id="25" name="Text Placeholder 4"/>
+          <p:cNvSpPr>
+            <a:spLocks noGrp="1"/>
+          </p:cNvSpPr>
+          <p:nvPr>
+            <p:ph type="body" sz="quarter" idx="13"/>
+          </p:nvPr>
+        </p:nvSpPr>
+        <p:spPr>
+          <a:xfrm>
+            <a:off x="5980067" y="3989147"/>
+            <a:ext cx="2467425" cy="576262"/>
+          </a:xfrm>
+        </p:spPr>
+        <p:txBody>
+          <a:bodyPr anchor="b">
+            <a:noAutofit/>
+          </a:bodyPr>
+          <a:lstStyle>
+            <a:lvl1pPr marL="0" indent="0" algn="ctr">
+              <a:lnSpc>
+                <a:spcPct val="100000"/>
+              </a:lnSpc>
+              <a:buNone/>
+              <a:defRPr sz="2000" b="0">
+                <a:solidFill>
+                  <a:schemeClr val="tx1"/>
+                </a:solidFill>
+              </a:defRPr>
+            </a:lvl1pPr>
+            <a:lvl2pPr marL="457200" indent="0">
+              <a:buNone/>
+              <a:defRPr sz="2000" b="1"/>
+            </a:lvl2pPr>
+            <a:lvl3pPr marL="914400" indent="0">
+              <a:buNone/>
+              <a:defRPr sz="1800" b="1"/>
+            </a:lvl3pPr>
+            <a:lvl4pPr marL="1371600" indent="0">
+              <a:buNone/>
+              <a:defRPr sz="1600" b="1"/>
+            </a:lvl4pPr>
+            <a:lvl5pPr marL="1828800" indent="0">
+              <a:buNone/>
+              <a:defRPr sz="1600" b="1"/>
+            </a:lvl5pPr>
+            <a:lvl6pPr marL="2286000" indent="0">
+              <a:buNone/>
+              <a:defRPr sz="1600" b="1"/>
+            </a:lvl6pPr>
+            <a:lvl7pPr marL="2743200" indent="0">
+              <a:buNone/>
+              <a:defRPr sz="1600" b="1"/>
+            </a:lvl7pPr>
+            <a:lvl8pPr marL="3200400" indent="0">
+              <a:buNone/>
+              <a:defRPr sz="1600" b="1"/>
+            </a:lvl8pPr>
+            <a:lvl9pPr marL="3657600" indent="0">
+              <a:buNone/>
+              <a:defRPr sz="1600" b="1"/>
+            </a:lvl9pPr>
+          </a:lstStyle>
+          <a:p>
+            <a:pPr lvl="0"/>
+            <a:r>
+              <a:rPr lang="en-US"/>
+              <a:t>Click to edit Master text styles</a:t>
+            </a:r>
+          </a:p>
+        </p:txBody>
+      </p:sp>
+      <p:sp>
+        <p:nvSpPr>
+          <p:cNvPr id="26" name="Picture Placeholder 2"/>
+          <p:cNvSpPr>
+            <a:spLocks noGrp="1" noChangeAspect="1"/>
+          </p:cNvSpPr>
+          <p:nvPr>
+            <p:ph type="pic" idx="22"/>
+          </p:nvPr>
+        </p:nvSpPr>
+        <p:spPr>
+          <a:xfrm>
+            <a:off x="6114603" y="2092235"/>
+            <a:ext cx="2199085" cy="1524000"/>
+          </a:xfrm>
+          <a:prstGeom prst="roundRect">
+            <a:avLst>
+              <a:gd name="adj" fmla="val 0"/>
+            </a:avLst>
+          </a:prstGeom>
+          <a:noFill/>
+          <a:ln w="146050" cap="sq">
+            <a:solidFill>
+              <a:srgbClr val="FFFFFF"/>
+            </a:solidFill>
+            <a:miter lim="800000"/>
+          </a:ln>
+          <a:effectLst>
+            <a:outerShdw blurRad="55000" dist="18000" dir="5400000" algn="tl" rotWithShape="0">
+              <a:srgbClr val="000000">
+                <a:alpha val="40000"/>
+              </a:srgbClr>
+            </a:outerShdw>
+          </a:effectLst>
+          <a:scene3d>
+            <a:camera prst="orthographicFront"/>
+            <a:lightRig rig="twoPt" dir="t">
+              <a:rot lat="0" lon="0" rev="7200000"/>
+            </a:lightRig>
+          </a:scene3d>
+          <a:sp3d>
+            <a:bevelT w="25400" h="19050"/>
+            <a:contourClr>
+              <a:srgbClr val="FFFFFF"/>
+            </a:contourClr>
+          </a:sp3d>
+        </p:spPr>
+        <p:txBody>
+          <a:bodyPr anchor="t">
+            <a:normAutofit/>
+          </a:bodyPr>
+          <a:lstStyle>
+            <a:lvl1pPr marL="0" indent="0" algn="ctr">
+              <a:buNone/>
+              <a:defRPr sz="1600"/>
+            </a:lvl1pPr>
+            <a:lvl2pPr marL="457200" indent="0">
+              <a:buNone/>
+              <a:defRPr sz="1600"/>
+            </a:lvl2pPr>
+            <a:lvl3pPr marL="914400" indent="0">
+              <a:buNone/>
+              <a:defRPr sz="1600"/>
+            </a:lvl3pPr>
+            <a:lvl4pPr marL="1371600" indent="0">
+              <a:buNone/>
+              <a:defRPr sz="1600"/>
+            </a:lvl4pPr>
+            <a:lvl5pPr marL="1828800" indent="0">
+              <a:buNone/>
+              <a:defRPr sz="1600"/>
+            </a:lvl5pPr>
+            <a:lvl6pPr marL="2286000" indent="0">
+              <a:buNone/>
+              <a:defRPr sz="1600"/>
+            </a:lvl6pPr>
+            <a:lvl7pPr marL="2743200" indent="0">
+              <a:buNone/>
+              <a:defRPr sz="1600"/>
+            </a:lvl7pPr>
+            <a:lvl8pPr marL="3200400" indent="0">
+              <a:buNone/>
+              <a:defRPr sz="1600"/>
+            </a:lvl8pPr>
+            <a:lvl9pPr marL="3657600" indent="0">
+              <a:buNone/>
+              <a:defRPr sz="1600"/>
+            </a:lvl9pPr>
+          </a:lstStyle>
+          <a:p>
+            <a:r>
+              <a:rPr lang="en-US"/>
+              <a:t>Click icon to add picture</a:t>
+            </a:r>
+            <a:endParaRPr lang="en-US" dirty="0"/>
+          </a:p>
+        </p:txBody>
+      </p:sp>
+      <p:sp>
+        <p:nvSpPr>
+          <p:cNvPr id="27" name="Text Placeholder 3"/>
+          <p:cNvSpPr>
+            <a:spLocks noGrp="1"/>
+          </p:cNvSpPr>
+          <p:nvPr>
+            <p:ph type="body" sz="half" idx="20"/>
+          </p:nvPr>
+        </p:nvSpPr>
+        <p:spPr>
+          <a:xfrm>
+            <a:off x="5979973" y="4565410"/>
+            <a:ext cx="2470694" cy="1225790"/>
+          </a:xfrm>
+        </p:spPr>
+        <p:txBody>
+          <a:bodyPr anchor="t">
+            <a:normAutofit/>
+          </a:bodyPr>
+          <a:lstStyle>
+            <a:lvl1pPr marL="0" indent="0" algn="ctr">
+              <a:buNone/>
+              <a:defRPr sz="1400"/>
+            </a:lvl1pPr>
+            <a:lvl2pPr marL="457200" indent="0">
+              <a:buNone/>
+              <a:defRPr sz="1200"/>
+            </a:lvl2pPr>
+            <a:lvl3pPr marL="914400" indent="0">
+              <a:buNone/>
+              <a:defRPr sz="1000"/>
+            </a:lvl3pPr>
+            <a:lvl4pPr marL="1371600" indent="0">
+              <a:buNone/>
+              <a:defRPr sz="900"/>
+            </a:lvl4pPr>
+            <a:lvl5pPr marL="1828800" indent="0">
+              <a:buNone/>
+              <a:defRPr sz="900"/>
+            </a:lvl5pPr>
+            <a:lvl6pPr marL="2286000" indent="0">
+              <a:buNone/>
+              <a:defRPr sz="900"/>
+            </a:lvl6pPr>
+            <a:lvl7pPr marL="2743200" indent="0">
+              <a:buNone/>
+              <a:defRPr sz="900"/>
+            </a:lvl7pPr>
+            <a:lvl8pPr marL="3200400" indent="0">
+              <a:buNone/>
+              <a:defRPr sz="900"/>
+            </a:lvl8pPr>
+            <a:lvl9pPr marL="3657600" indent="0">
+              <a:buNone/>
+              <a:defRPr sz="900"/>
+            </a:lvl9pPr>
+          </a:lstStyle>
+          <a:p>
+            <a:pPr lvl="0"/>
+            <a:r>
+              <a:rPr lang="en-US"/>
+              <a:t>Click to edit Master text styles</a:t>
+            </a:r>
+          </a:p>
+        </p:txBody>
+      </p:sp>
+      <p:sp>
+        <p:nvSpPr>
+          <p:cNvPr id="3" name="Date Placeholder 2"/>
+          <p:cNvSpPr>
+            <a:spLocks noGrp="1"/>
+          </p:cNvSpPr>
+          <p:nvPr>
+            <p:ph type="dt" sz="half" idx="10"/>
+          </p:nvPr>
+        </p:nvSpPr>
+        <p:spPr/>
+        <p:txBody>
+          <a:bodyPr/>
+          <a:lstStyle/>
+          <a:p>
+            <a:fld id="{5BCAD085-E8A6-8845-BD4E-CB4CCA059FC4}" type="datetimeFigureOut">
+              <a:rPr lang="en-US" smtClean="0"/>
+              <a:t>9/24/2025</a:t>
+            </a:fld>
+            <a:endParaRPr lang="en-US"/>
+          </a:p>
+        </p:txBody>
+      </p:sp>
+      <p:sp>
+        <p:nvSpPr>
+          <p:cNvPr id="4" name="Footer Placeholder 3"/>
+          <p:cNvSpPr>
+            <a:spLocks noGrp="1"/>
+          </p:cNvSpPr>
+          <p:nvPr>
+            <p:ph type="ftr" sz="quarter" idx="11"/>
+          </p:nvPr>
+        </p:nvSpPr>
+        <p:spPr/>
+        <p:txBody>
+          <a:bodyPr/>
+          <a:lstStyle/>
+          <a:p>
+            <a:endParaRPr lang="en-US"/>
+          </a:p>
+        </p:txBody>
+      </p:sp>
+      <p:sp>
+        <p:nvSpPr>
+          <p:cNvPr id="5" name="Slide Number Placeholder 4"/>
+          <p:cNvSpPr>
+            <a:spLocks noGrp="1"/>
+          </p:cNvSpPr>
+          <p:nvPr>
+            <p:ph type="sldNum" sz="quarter" idx="12"/>
+          </p:nvPr>
+        </p:nvSpPr>
+        <p:spPr/>
+        <p:txBody>
+          <a:bodyPr/>
+          <a:lstStyle/>
+          <a:p>
+            <a:fld id="{C1FF6DA9-008F-8B48-92A6-B652298478BF}" type="slidenum">
+              <a:rPr lang="en-US" smtClean="0"/>
+              <a:t>‹#›</a:t>
+            </a:fld>
+            <a:endParaRPr lang="en-US"/>
+          </a:p>
+        </p:txBody>
+      </p:sp>
+    </p:spTree>
+    <p:extLst>
+      <p:ext uri="{BB962C8B-B14F-4D97-AF65-F5344CB8AC3E}">
+        <p14:creationId xmlns:p14="http://schemas.microsoft.com/office/powerpoint/2010/main" val="1165791437"/>
+      </p:ext>
+    </p:extLst>
+  </p:cSld>
+  <p:clrMapOvr>
+    <a:masterClrMapping/>
+  </p:clrMapOvr>
+</p:sldLayout>
+</file>
+
+<file path=ppt/slideLayouts/slideLayout16.xml><?xml version="1.0" encoding="utf-8"?>
 <p:sldLayout xmlns:a="http://schemas.openxmlformats.org/drawingml/2006/main" xmlns:r="http://schemas.openxmlformats.org/officeDocument/2006/relationships" xmlns:p="http://schemas.openxmlformats.org/presentationml/2006/main" type="vertTx" preserve="1">
   <p:cSld name="Title and Vertical Text">
     <p:spTree>
@@ -388,10 +3345,10 @@
           <a:lstStyle/>
           <a:p>
             <a:r>
-              <a:rPr lang="en-US" smtClean="0"/>
+              <a:rPr lang="en-US"/>
               <a:t>Click to edit Master title style</a:t>
             </a:r>
-            <a:endParaRPr lang="en-US"/>
+            <a:endParaRPr lang="en-US" dirty="0"/>
           </a:p>
         </p:txBody>
       </p:sp>
@@ -412,38 +3369,38 @@
           <a:p>
             <a:pPr lvl="0"/>
             <a:r>
-              <a:rPr lang="en-US" smtClean="0"/>
+              <a:rPr lang="en-US"/>
               <a:t>Click to edit Master text styles</a:t>
             </a:r>
           </a:p>
           <a:p>
             <a:pPr lvl="1"/>
             <a:r>
-              <a:rPr lang="en-US" smtClean="0"/>
+              <a:rPr lang="en-US"/>
               <a:t>Second level</a:t>
             </a:r>
           </a:p>
           <a:p>
             <a:pPr lvl="2"/>
             <a:r>
-              <a:rPr lang="en-US" smtClean="0"/>
+              <a:rPr lang="en-US"/>
               <a:t>Third level</a:t>
             </a:r>
           </a:p>
           <a:p>
             <a:pPr lvl="3"/>
             <a:r>
-              <a:rPr lang="en-US" smtClean="0"/>
+              <a:rPr lang="en-US"/>
               <a:t>Fourth level</a:t>
             </a:r>
           </a:p>
           <a:p>
             <a:pPr lvl="4"/>
             <a:r>
-              <a:rPr lang="en-US" smtClean="0"/>
+              <a:rPr lang="en-US"/>
               <a:t>Fifth level</a:t>
             </a:r>
-            <a:endParaRPr lang="en-US"/>
+            <a:endParaRPr lang="en-US" dirty="0"/>
           </a:p>
         </p:txBody>
       </p:sp>
@@ -464,7 +3421,7 @@
           <a:p>
             <a:fld id="{5BCAD085-E8A6-8845-BD4E-CB4CCA059FC4}" type="datetimeFigureOut">
               <a:rPr lang="en-US" smtClean="0"/>
-              <a:t>1/27/13</a:t>
+              <a:t>9/24/2025</a:t>
             </a:fld>
             <a:endParaRPr lang="en-US"/>
           </a:p>
@@ -515,7 +3472,7 @@
     </p:spTree>
     <p:extLst>
       <p:ext uri="{BB962C8B-B14F-4D97-AF65-F5344CB8AC3E}">
-        <p14:creationId xmlns:p14="http://schemas.microsoft.com/office/powerpoint/2010/main" val="2910927964"/>
+        <p14:creationId xmlns:p14="http://schemas.microsoft.com/office/powerpoint/2010/main" val="3548696529"/>
       </p:ext>
     </p:extLst>
   </p:cSld>
@@ -525,7 +3482,7 @@
 </p:sldLayout>
 </file>
 
-<file path=ppt/slideLayouts/slideLayout11.xml><?xml version="1.0" encoding="utf-8"?>
+<file path=ppt/slideLayouts/slideLayout17.xml><?xml version="1.0" encoding="utf-8"?>
 <p:sldLayout xmlns:a="http://schemas.openxmlformats.org/drawingml/2006/main" xmlns:r="http://schemas.openxmlformats.org/officeDocument/2006/relationships" xmlns:p="http://schemas.openxmlformats.org/presentationml/2006/main" type="vertTitleAndTx" preserve="1">
   <p:cSld name="Vertical Title and Text">
     <p:spTree>
@@ -554,19 +3511,23 @@
         </p:nvSpPr>
         <p:spPr>
           <a:xfrm>
-            <a:off x="6629400" y="274638"/>
-            <a:ext cx="2057400" cy="5851525"/>
+            <a:off x="6543675" y="609600"/>
+            <a:ext cx="1906993" cy="5181601"/>
           </a:xfrm>
         </p:spPr>
         <p:txBody>
           <a:bodyPr vert="eaVert"/>
-          <a:lstStyle/>
-          <a:p>
-            <a:r>
-              <a:rPr lang="en-US" smtClean="0"/>
+          <a:lstStyle>
+            <a:lvl1pPr algn="l">
+              <a:defRPr/>
+            </a:lvl1pPr>
+          </a:lstStyle>
+          <a:p>
+            <a:r>
+              <a:rPr lang="en-US"/>
               <a:t>Click to edit Master title style</a:t>
             </a:r>
-            <a:endParaRPr lang="en-US"/>
+            <a:endParaRPr lang="en-US" dirty="0"/>
           </a:p>
         </p:txBody>
       </p:sp>
@@ -582,8 +3543,8 @@
         </p:nvSpPr>
         <p:spPr>
           <a:xfrm>
-            <a:off x="457200" y="274638"/>
-            <a:ext cx="6019800" cy="5851525"/>
+            <a:off x="685346" y="609600"/>
+            <a:ext cx="5744029" cy="5181601"/>
           </a:xfrm>
         </p:spPr>
         <p:txBody>
@@ -592,38 +3553,38 @@
           <a:p>
             <a:pPr lvl="0"/>
             <a:r>
-              <a:rPr lang="en-US" smtClean="0"/>
+              <a:rPr lang="en-US"/>
               <a:t>Click to edit Master text styles</a:t>
             </a:r>
           </a:p>
           <a:p>
             <a:pPr lvl="1"/>
             <a:r>
-              <a:rPr lang="en-US" smtClean="0"/>
+              <a:rPr lang="en-US"/>
               <a:t>Second level</a:t>
             </a:r>
           </a:p>
           <a:p>
             <a:pPr lvl="2"/>
             <a:r>
-              <a:rPr lang="en-US" smtClean="0"/>
+              <a:rPr lang="en-US"/>
               <a:t>Third level</a:t>
             </a:r>
           </a:p>
           <a:p>
             <a:pPr lvl="3"/>
             <a:r>
-              <a:rPr lang="en-US" smtClean="0"/>
+              <a:rPr lang="en-US"/>
               <a:t>Fourth level</a:t>
             </a:r>
           </a:p>
           <a:p>
             <a:pPr lvl="4"/>
             <a:r>
-              <a:rPr lang="en-US" smtClean="0"/>
+              <a:rPr lang="en-US"/>
               <a:t>Fifth level</a:t>
             </a:r>
-            <a:endParaRPr lang="en-US"/>
+            <a:endParaRPr lang="en-US" dirty="0"/>
           </a:p>
         </p:txBody>
       </p:sp>
@@ -644,7 +3605,7 @@
           <a:p>
             <a:fld id="{5BCAD085-E8A6-8845-BD4E-CB4CCA059FC4}" type="datetimeFigureOut">
               <a:rPr lang="en-US" smtClean="0"/>
-              <a:t>1/27/13</a:t>
+              <a:t>9/24/2025</a:t>
             </a:fld>
             <a:endParaRPr lang="en-US"/>
           </a:p>
@@ -695,7 +3656,7 @@
     </p:spTree>
     <p:extLst>
       <p:ext uri="{BB962C8B-B14F-4D97-AF65-F5344CB8AC3E}">
-        <p14:creationId xmlns:p14="http://schemas.microsoft.com/office/powerpoint/2010/main" val="3612223792"/>
+        <p14:creationId xmlns:p14="http://schemas.microsoft.com/office/powerpoint/2010/main" val="2861014313"/>
       </p:ext>
     </p:extLst>
   </p:cSld>
@@ -738,10 +3699,10 @@
           <a:lstStyle/>
           <a:p>
             <a:r>
-              <a:rPr lang="en-US" smtClean="0"/>
+              <a:rPr lang="en-US"/>
               <a:t>Click to edit Master title style</a:t>
             </a:r>
-            <a:endParaRPr lang="en-US"/>
+            <a:endParaRPr lang="en-US" dirty="0"/>
           </a:p>
         </p:txBody>
       </p:sp>
@@ -762,38 +3723,38 @@
           <a:p>
             <a:pPr lvl="0"/>
             <a:r>
-              <a:rPr lang="en-US" smtClean="0"/>
+              <a:rPr lang="en-US"/>
               <a:t>Click to edit Master text styles</a:t>
             </a:r>
           </a:p>
           <a:p>
             <a:pPr lvl="1"/>
             <a:r>
-              <a:rPr lang="en-US" smtClean="0"/>
+              <a:rPr lang="en-US"/>
               <a:t>Second level</a:t>
             </a:r>
           </a:p>
           <a:p>
             <a:pPr lvl="2"/>
             <a:r>
-              <a:rPr lang="en-US" smtClean="0"/>
+              <a:rPr lang="en-US"/>
               <a:t>Third level</a:t>
             </a:r>
           </a:p>
           <a:p>
             <a:pPr lvl="3"/>
             <a:r>
-              <a:rPr lang="en-US" smtClean="0"/>
+              <a:rPr lang="en-US"/>
               <a:t>Fourth level</a:t>
             </a:r>
           </a:p>
           <a:p>
             <a:pPr lvl="4"/>
             <a:r>
-              <a:rPr lang="en-US" smtClean="0"/>
+              <a:rPr lang="en-US"/>
               <a:t>Fifth level</a:t>
             </a:r>
-            <a:endParaRPr lang="en-US"/>
+            <a:endParaRPr lang="en-US" dirty="0"/>
           </a:p>
         </p:txBody>
       </p:sp>
@@ -814,7 +3775,7 @@
           <a:p>
             <a:fld id="{5BCAD085-E8A6-8845-BD4E-CB4CCA059FC4}" type="datetimeFigureOut">
               <a:rPr lang="en-US" smtClean="0"/>
-              <a:t>1/27/13</a:t>
+              <a:t>9/24/2025</a:t>
             </a:fld>
             <a:endParaRPr lang="en-US"/>
           </a:p>
@@ -865,7 +3826,7 @@
     </p:spTree>
     <p:extLst>
       <p:ext uri="{BB962C8B-B14F-4D97-AF65-F5344CB8AC3E}">
-        <p14:creationId xmlns:p14="http://schemas.microsoft.com/office/powerpoint/2010/main" val="2614314258"/>
+        <p14:creationId xmlns:p14="http://schemas.microsoft.com/office/powerpoint/2010/main" val="1705104405"/>
       </p:ext>
     </p:extLst>
   </p:cSld>
@@ -904,23 +3865,25 @@
         </p:nvSpPr>
         <p:spPr>
           <a:xfrm>
-            <a:off x="722313" y="4406900"/>
-            <a:ext cx="7772400" cy="1362075"/>
+            <a:off x="921933" y="657227"/>
+            <a:ext cx="7300134" cy="2852737"/>
           </a:xfrm>
         </p:spPr>
         <p:txBody>
-          <a:bodyPr anchor="t"/>
+          <a:bodyPr anchor="b">
+            <a:normAutofit/>
+          </a:bodyPr>
           <a:lstStyle>
-            <a:lvl1pPr algn="l">
-              <a:defRPr sz="4000" b="1" cap="all"/>
+            <a:lvl1pPr>
+              <a:defRPr sz="3400"/>
             </a:lvl1pPr>
           </a:lstStyle>
           <a:p>
             <a:r>
-              <a:rPr lang="en-US" smtClean="0"/>
+              <a:rPr lang="en-US"/>
               <a:t>Click to edit Master title style</a:t>
             </a:r>
-            <a:endParaRPr lang="en-US"/>
+            <a:endParaRPr lang="en-US" dirty="0"/>
           </a:p>
         </p:txBody>
       </p:sp>
@@ -936,16 +3899,16 @@
         </p:nvSpPr>
         <p:spPr>
           <a:xfrm>
-            <a:off x="722313" y="2906713"/>
-            <a:ext cx="7772400" cy="1500187"/>
+            <a:off x="921933" y="3602039"/>
+            <a:ext cx="7300134" cy="1500187"/>
           </a:xfrm>
         </p:spPr>
         <p:txBody>
-          <a:bodyPr anchor="b"/>
+          <a:bodyPr/>
           <a:lstStyle>
-            <a:lvl1pPr marL="0" indent="0">
-              <a:buNone/>
-              <a:defRPr sz="2000">
+            <a:lvl1pPr marL="0" indent="0" algn="ctr">
+              <a:buNone/>
+              <a:defRPr sz="2400">
                 <a:solidFill>
                   <a:schemeClr val="tx1">
                     <a:tint val="75000"/>
@@ -955,7 +3918,7 @@
             </a:lvl1pPr>
             <a:lvl2pPr marL="457200" indent="0">
               <a:buNone/>
-              <a:defRPr sz="1800">
+              <a:defRPr sz="2000">
                 <a:solidFill>
                   <a:schemeClr val="tx1">
                     <a:tint val="75000"/>
@@ -965,7 +3928,7 @@
             </a:lvl2pPr>
             <a:lvl3pPr marL="914400" indent="0">
               <a:buNone/>
-              <a:defRPr sz="1600">
+              <a:defRPr sz="1800">
                 <a:solidFill>
                   <a:schemeClr val="tx1">
                     <a:tint val="75000"/>
@@ -975,7 +3938,7 @@
             </a:lvl3pPr>
             <a:lvl4pPr marL="1371600" indent="0">
               <a:buNone/>
-              <a:defRPr sz="1400">
+              <a:defRPr sz="1600">
                 <a:solidFill>
                   <a:schemeClr val="tx1">
                     <a:tint val="75000"/>
@@ -985,7 +3948,7 @@
             </a:lvl4pPr>
             <a:lvl5pPr marL="1828800" indent="0">
               <a:buNone/>
-              <a:defRPr sz="1400">
+              <a:defRPr sz="1600">
                 <a:solidFill>
                   <a:schemeClr val="tx1">
                     <a:tint val="75000"/>
@@ -995,7 +3958,7 @@
             </a:lvl5pPr>
             <a:lvl6pPr marL="2286000" indent="0">
               <a:buNone/>
-              <a:defRPr sz="1400">
+              <a:defRPr sz="1600">
                 <a:solidFill>
                   <a:schemeClr val="tx1">
                     <a:tint val="75000"/>
@@ -1005,7 +3968,7 @@
             </a:lvl6pPr>
             <a:lvl7pPr marL="2743200" indent="0">
               <a:buNone/>
-              <a:defRPr sz="1400">
+              <a:defRPr sz="1600">
                 <a:solidFill>
                   <a:schemeClr val="tx1">
                     <a:tint val="75000"/>
@@ -1015,7 +3978,7 @@
             </a:lvl7pPr>
             <a:lvl8pPr marL="3200400" indent="0">
               <a:buNone/>
-              <a:defRPr sz="1400">
+              <a:defRPr sz="1600">
                 <a:solidFill>
                   <a:schemeClr val="tx1">
                     <a:tint val="75000"/>
@@ -1025,7 +3988,7 @@
             </a:lvl8pPr>
             <a:lvl9pPr marL="3657600" indent="0">
               <a:buNone/>
-              <a:defRPr sz="1400">
+              <a:defRPr sz="1600">
                 <a:solidFill>
                   <a:schemeClr val="tx1">
                     <a:tint val="75000"/>
@@ -1037,7 +4000,7 @@
           <a:p>
             <a:pPr lvl="0"/>
             <a:r>
-              <a:rPr lang="en-US" smtClean="0"/>
+              <a:rPr lang="en-US"/>
               <a:t>Click to edit Master text styles</a:t>
             </a:r>
           </a:p>
@@ -1060,7 +4023,7 @@
           <a:p>
             <a:fld id="{5BCAD085-E8A6-8845-BD4E-CB4CCA059FC4}" type="datetimeFigureOut">
               <a:rPr lang="en-US" smtClean="0"/>
-              <a:t>1/27/13</a:t>
+              <a:t>9/24/2025</a:t>
             </a:fld>
             <a:endParaRPr lang="en-US"/>
           </a:p>
@@ -1111,7 +4074,7 @@
     </p:spTree>
     <p:extLst>
       <p:ext uri="{BB962C8B-B14F-4D97-AF65-F5344CB8AC3E}">
-        <p14:creationId xmlns:p14="http://schemas.microsoft.com/office/powerpoint/2010/main" val="960648375"/>
+        <p14:creationId xmlns:p14="http://schemas.microsoft.com/office/powerpoint/2010/main" val="4261229618"/>
       </p:ext>
     </p:extLst>
   </p:cSld>
@@ -1148,186 +4111,135 @@
             <p:ph type="title"/>
           </p:nvPr>
         </p:nvSpPr>
-        <p:spPr/>
-        <p:txBody>
-          <a:bodyPr/>
-          <a:lstStyle/>
-          <a:p>
-            <a:r>
-              <a:rPr lang="en-US" smtClean="0"/>
-              <a:t>Click to edit Master title style</a:t>
-            </a:r>
-            <a:endParaRPr lang="en-US"/>
-          </a:p>
-        </p:txBody>
-      </p:sp>
-      <p:sp>
-        <p:nvSpPr>
-          <p:cNvPr id="3" name="Content Placeholder 2"/>
-          <p:cNvSpPr>
-            <a:spLocks noGrp="1"/>
-          </p:cNvSpPr>
-          <p:nvPr>
-            <p:ph sz="half" idx="1"/>
-          </p:nvPr>
-        </p:nvSpPr>
         <p:spPr>
           <a:xfrm>
-            <a:off x="457200" y="1600200"/>
-            <a:ext cx="4038600" cy="4525963"/>
+            <a:off x="685347" y="609601"/>
+            <a:ext cx="7765321" cy="1326321"/>
           </a:xfrm>
         </p:spPr>
         <p:txBody>
           <a:bodyPr/>
-          <a:lstStyle>
-            <a:lvl1pPr>
-              <a:defRPr sz="2800"/>
-            </a:lvl1pPr>
-            <a:lvl2pPr>
-              <a:defRPr sz="2400"/>
-            </a:lvl2pPr>
-            <a:lvl3pPr>
-              <a:defRPr sz="2000"/>
-            </a:lvl3pPr>
-            <a:lvl4pPr>
-              <a:defRPr sz="1800"/>
-            </a:lvl4pPr>
-            <a:lvl5pPr>
-              <a:defRPr sz="1800"/>
-            </a:lvl5pPr>
-            <a:lvl6pPr>
-              <a:defRPr sz="1800"/>
-            </a:lvl6pPr>
-            <a:lvl7pPr>
-              <a:defRPr sz="1800"/>
-            </a:lvl7pPr>
-            <a:lvl8pPr>
-              <a:defRPr sz="1800"/>
-            </a:lvl8pPr>
-            <a:lvl9pPr>
-              <a:defRPr sz="1800"/>
-            </a:lvl9pPr>
-          </a:lstStyle>
-          <a:p>
-            <a:pPr lvl="0"/>
-            <a:r>
-              <a:rPr lang="en-US" smtClean="0"/>
-              <a:t>Click to edit Master text styles</a:t>
-            </a:r>
-          </a:p>
-          <a:p>
-            <a:pPr lvl="1"/>
-            <a:r>
-              <a:rPr lang="en-US" smtClean="0"/>
-              <a:t>Second level</a:t>
-            </a:r>
-          </a:p>
-          <a:p>
-            <a:pPr lvl="2"/>
-            <a:r>
-              <a:rPr lang="en-US" smtClean="0"/>
-              <a:t>Third level</a:t>
-            </a:r>
-          </a:p>
-          <a:p>
-            <a:pPr lvl="3"/>
-            <a:r>
-              <a:rPr lang="en-US" smtClean="0"/>
-              <a:t>Fourth level</a:t>
-            </a:r>
-          </a:p>
-          <a:p>
-            <a:pPr lvl="4"/>
-            <a:r>
-              <a:rPr lang="en-US" smtClean="0"/>
-              <a:t>Fifth level</a:t>
-            </a:r>
-            <a:endParaRPr lang="en-US"/>
-          </a:p>
-        </p:txBody>
-      </p:sp>
-      <p:sp>
-        <p:nvSpPr>
-          <p:cNvPr id="4" name="Content Placeholder 3"/>
-          <p:cNvSpPr>
-            <a:spLocks noGrp="1"/>
-          </p:cNvSpPr>
-          <p:nvPr>
-            <p:ph sz="half" idx="2"/>
+          <a:lstStyle/>
+          <a:p>
+            <a:r>
+              <a:rPr lang="en-US"/>
+              <a:t>Click to edit Master title style</a:t>
+            </a:r>
+            <a:endParaRPr lang="en-US" dirty="0"/>
+          </a:p>
+        </p:txBody>
+      </p:sp>
+      <p:sp>
+        <p:nvSpPr>
+          <p:cNvPr id="3" name="Content Placeholder 2"/>
+          <p:cNvSpPr>
+            <a:spLocks noGrp="1"/>
+          </p:cNvSpPr>
+          <p:nvPr>
+            <p:ph sz="half" idx="1"/>
           </p:nvPr>
         </p:nvSpPr>
         <p:spPr>
           <a:xfrm>
-            <a:off x="4648200" y="1600200"/>
-            <a:ext cx="4038600" cy="4525963"/>
+            <a:off x="685346" y="2088320"/>
+            <a:ext cx="3829503" cy="3702881"/>
           </a:xfrm>
         </p:spPr>
         <p:txBody>
           <a:bodyPr/>
-          <a:lstStyle>
-            <a:lvl1pPr>
-              <a:defRPr sz="2800"/>
-            </a:lvl1pPr>
-            <a:lvl2pPr>
-              <a:defRPr sz="2400"/>
-            </a:lvl2pPr>
-            <a:lvl3pPr>
-              <a:defRPr sz="2000"/>
-            </a:lvl3pPr>
-            <a:lvl4pPr>
-              <a:defRPr sz="1800"/>
-            </a:lvl4pPr>
-            <a:lvl5pPr>
-              <a:defRPr sz="1800"/>
-            </a:lvl5pPr>
-            <a:lvl6pPr>
-              <a:defRPr sz="1800"/>
-            </a:lvl6pPr>
-            <a:lvl7pPr>
-              <a:defRPr sz="1800"/>
-            </a:lvl7pPr>
-            <a:lvl8pPr>
-              <a:defRPr sz="1800"/>
-            </a:lvl8pPr>
-            <a:lvl9pPr>
-              <a:defRPr sz="1800"/>
-            </a:lvl9pPr>
-          </a:lstStyle>
+          <a:lstStyle/>
           <a:p>
             <a:pPr lvl="0"/>
             <a:r>
-              <a:rPr lang="en-US" smtClean="0"/>
+              <a:rPr lang="en-US"/>
               <a:t>Click to edit Master text styles</a:t>
             </a:r>
           </a:p>
           <a:p>
             <a:pPr lvl="1"/>
             <a:r>
-              <a:rPr lang="en-US" smtClean="0"/>
+              <a:rPr lang="en-US"/>
               <a:t>Second level</a:t>
             </a:r>
           </a:p>
           <a:p>
             <a:pPr lvl="2"/>
             <a:r>
-              <a:rPr lang="en-US" smtClean="0"/>
+              <a:rPr lang="en-US"/>
               <a:t>Third level</a:t>
             </a:r>
           </a:p>
           <a:p>
             <a:pPr lvl="3"/>
             <a:r>
-              <a:rPr lang="en-US" smtClean="0"/>
+              <a:rPr lang="en-US"/>
               <a:t>Fourth level</a:t>
             </a:r>
           </a:p>
           <a:p>
             <a:pPr lvl="4"/>
             <a:r>
-              <a:rPr lang="en-US" smtClean="0"/>
+              <a:rPr lang="en-US"/>
               <a:t>Fifth level</a:t>
             </a:r>
-            <a:endParaRPr lang="en-US"/>
+            <a:endParaRPr lang="en-US" dirty="0"/>
+          </a:p>
+        </p:txBody>
+      </p:sp>
+      <p:sp>
+        <p:nvSpPr>
+          <p:cNvPr id="4" name="Content Placeholder 3"/>
+          <p:cNvSpPr>
+            <a:spLocks noGrp="1"/>
+          </p:cNvSpPr>
+          <p:nvPr>
+            <p:ph sz="half" idx="2"/>
+          </p:nvPr>
+        </p:nvSpPr>
+        <p:spPr>
+          <a:xfrm>
+            <a:off x="4630052" y="2088320"/>
+            <a:ext cx="3820616" cy="3702881"/>
+          </a:xfrm>
+        </p:spPr>
+        <p:txBody>
+          <a:bodyPr/>
+          <a:lstStyle/>
+          <a:p>
+            <a:pPr lvl="0"/>
+            <a:r>
+              <a:rPr lang="en-US"/>
+              <a:t>Click to edit Master text styles</a:t>
+            </a:r>
+          </a:p>
+          <a:p>
+            <a:pPr lvl="1"/>
+            <a:r>
+              <a:rPr lang="en-US"/>
+              <a:t>Second level</a:t>
+            </a:r>
+          </a:p>
+          <a:p>
+            <a:pPr lvl="2"/>
+            <a:r>
+              <a:rPr lang="en-US"/>
+              <a:t>Third level</a:t>
+            </a:r>
+          </a:p>
+          <a:p>
+            <a:pPr lvl="3"/>
+            <a:r>
+              <a:rPr lang="en-US"/>
+              <a:t>Fourth level</a:t>
+            </a:r>
+          </a:p>
+          <a:p>
+            <a:pPr lvl="4"/>
+            <a:r>
+              <a:rPr lang="en-US"/>
+              <a:t>Fifth level</a:t>
+            </a:r>
+            <a:endParaRPr lang="en-US" dirty="0"/>
           </a:p>
         </p:txBody>
       </p:sp>
@@ -1348,7 +4260,7 @@
           <a:p>
             <a:fld id="{5BCAD085-E8A6-8845-BD4E-CB4CCA059FC4}" type="datetimeFigureOut">
               <a:rPr lang="en-US" smtClean="0"/>
-              <a:t>1/27/13</a:t>
+              <a:t>9/24/2025</a:t>
             </a:fld>
             <a:endParaRPr lang="en-US"/>
           </a:p>
@@ -1399,7 +4311,7 @@
     </p:spTree>
     <p:extLst>
       <p:ext uri="{BB962C8B-B14F-4D97-AF65-F5344CB8AC3E}">
-        <p14:creationId xmlns:p14="http://schemas.microsoft.com/office/powerpoint/2010/main" val="2782244947"/>
+        <p14:creationId xmlns:p14="http://schemas.microsoft.com/office/powerpoint/2010/main" val="3704030550"/>
       </p:ext>
     </p:extLst>
   </p:cSld>
@@ -1436,43 +4348,47 @@
             <p:ph type="title"/>
           </p:nvPr>
         </p:nvSpPr>
-        <p:spPr/>
-        <p:txBody>
-          <a:bodyPr/>
-          <a:lstStyle>
-            <a:lvl1pPr>
-              <a:defRPr/>
-            </a:lvl1pPr>
-          </a:lstStyle>
-          <a:p>
-            <a:r>
-              <a:rPr lang="en-US" smtClean="0"/>
-              <a:t>Click to edit Master title style</a:t>
-            </a:r>
-            <a:endParaRPr lang="en-US"/>
-          </a:p>
-        </p:txBody>
-      </p:sp>
-      <p:sp>
-        <p:nvSpPr>
-          <p:cNvPr id="3" name="Text Placeholder 2"/>
-          <p:cNvSpPr>
-            <a:spLocks noGrp="1"/>
-          </p:cNvSpPr>
-          <p:nvPr>
-            <p:ph type="body" idx="1"/>
-          </p:nvPr>
-        </p:nvSpPr>
         <p:spPr>
           <a:xfrm>
-            <a:off x="457200" y="1535113"/>
-            <a:ext cx="4040188" cy="639762"/>
+            <a:off x="685347" y="609601"/>
+            <a:ext cx="7765321" cy="1325563"/>
+          </a:xfrm>
+        </p:spPr>
+        <p:txBody>
+          <a:bodyPr/>
+          <a:lstStyle/>
+          <a:p>
+            <a:r>
+              <a:rPr lang="en-US"/>
+              <a:t>Click to edit Master title style</a:t>
+            </a:r>
+            <a:endParaRPr lang="en-US" dirty="0"/>
+          </a:p>
+        </p:txBody>
+      </p:sp>
+      <p:sp>
+        <p:nvSpPr>
+          <p:cNvPr id="3" name="Text Placeholder 2"/>
+          <p:cNvSpPr>
+            <a:spLocks noGrp="1"/>
+          </p:cNvSpPr>
+          <p:nvPr>
+            <p:ph type="body" idx="1"/>
+          </p:nvPr>
+        </p:nvSpPr>
+        <p:spPr>
+          <a:xfrm>
+            <a:off x="915427" y="2088320"/>
+            <a:ext cx="3600326" cy="823912"/>
           </a:xfrm>
         </p:spPr>
         <p:txBody>
           <a:bodyPr anchor="b"/>
           <a:lstStyle>
             <a:lvl1pPr marL="0" indent="0">
+              <a:lnSpc>
+                <a:spcPct val="100000"/>
+              </a:lnSpc>
               <a:buNone/>
               <a:defRPr sz="2400" b="1"/>
             </a:lvl1pPr>
@@ -1512,7 +4428,7 @@
           <a:p>
             <a:pPr lvl="0"/>
             <a:r>
-              <a:rPr lang="en-US" smtClean="0"/>
+              <a:rPr lang="en-US"/>
               <a:t>Click to edit Master text styles</a:t>
             </a:r>
           </a:p>
@@ -1530,76 +4446,48 @@
         </p:nvSpPr>
         <p:spPr>
           <a:xfrm>
-            <a:off x="457200" y="2174875"/>
-            <a:ext cx="4040188" cy="3951288"/>
+            <a:off x="685346" y="2912232"/>
+            <a:ext cx="3830406" cy="2878968"/>
           </a:xfrm>
         </p:spPr>
         <p:txBody>
           <a:bodyPr/>
-          <a:lstStyle>
-            <a:lvl1pPr>
-              <a:defRPr sz="2400"/>
-            </a:lvl1pPr>
-            <a:lvl2pPr>
-              <a:defRPr sz="2000"/>
-            </a:lvl2pPr>
-            <a:lvl3pPr>
-              <a:defRPr sz="1800"/>
-            </a:lvl3pPr>
-            <a:lvl4pPr>
-              <a:defRPr sz="1600"/>
-            </a:lvl4pPr>
-            <a:lvl5pPr>
-              <a:defRPr sz="1600"/>
-            </a:lvl5pPr>
-            <a:lvl6pPr>
-              <a:defRPr sz="1600"/>
-            </a:lvl6pPr>
-            <a:lvl7pPr>
-              <a:defRPr sz="1600"/>
-            </a:lvl7pPr>
-            <a:lvl8pPr>
-              <a:defRPr sz="1600"/>
-            </a:lvl8pPr>
-            <a:lvl9pPr>
-              <a:defRPr sz="1600"/>
-            </a:lvl9pPr>
-          </a:lstStyle>
+          <a:lstStyle/>
           <a:p>
             <a:pPr lvl="0"/>
             <a:r>
-              <a:rPr lang="en-US" smtClean="0"/>
+              <a:rPr lang="en-US"/>
               <a:t>Click to edit Master text styles</a:t>
             </a:r>
           </a:p>
           <a:p>
             <a:pPr lvl="1"/>
             <a:r>
-              <a:rPr lang="en-US" smtClean="0"/>
+              <a:rPr lang="en-US"/>
               <a:t>Second level</a:t>
             </a:r>
           </a:p>
           <a:p>
             <a:pPr lvl="2"/>
             <a:r>
-              <a:rPr lang="en-US" smtClean="0"/>
+              <a:rPr lang="en-US"/>
               <a:t>Third level</a:t>
             </a:r>
           </a:p>
           <a:p>
             <a:pPr lvl="3"/>
             <a:r>
-              <a:rPr lang="en-US" smtClean="0"/>
+              <a:rPr lang="en-US"/>
               <a:t>Fourth level</a:t>
             </a:r>
           </a:p>
           <a:p>
             <a:pPr lvl="4"/>
             <a:r>
-              <a:rPr lang="en-US" smtClean="0"/>
+              <a:rPr lang="en-US"/>
               <a:t>Fifth level</a:t>
             </a:r>
-            <a:endParaRPr lang="en-US"/>
+            <a:endParaRPr lang="en-US" dirty="0"/>
           </a:p>
         </p:txBody>
       </p:sp>
@@ -1615,14 +4503,17 @@
         </p:nvSpPr>
         <p:spPr>
           <a:xfrm>
-            <a:off x="4645025" y="1535113"/>
-            <a:ext cx="4041775" cy="639762"/>
+            <a:off x="4859230" y="2088320"/>
+            <a:ext cx="3591437" cy="823912"/>
           </a:xfrm>
         </p:spPr>
         <p:txBody>
           <a:bodyPr anchor="b"/>
           <a:lstStyle>
             <a:lvl1pPr marL="0" indent="0">
+              <a:lnSpc>
+                <a:spcPct val="100000"/>
+              </a:lnSpc>
               <a:buNone/>
               <a:defRPr sz="2400" b="1"/>
             </a:lvl1pPr>
@@ -1662,7 +4553,7 @@
           <a:p>
             <a:pPr lvl="0"/>
             <a:r>
-              <a:rPr lang="en-US" smtClean="0"/>
+              <a:rPr lang="en-US"/>
               <a:t>Click to edit Master text styles</a:t>
             </a:r>
           </a:p>
@@ -1680,76 +4571,48 @@
         </p:nvSpPr>
         <p:spPr>
           <a:xfrm>
-            <a:off x="4645025" y="2174875"/>
-            <a:ext cx="4041775" cy="3951288"/>
+            <a:off x="4629150" y="2912232"/>
+            <a:ext cx="3821518" cy="2878968"/>
           </a:xfrm>
         </p:spPr>
         <p:txBody>
           <a:bodyPr/>
-          <a:lstStyle>
-            <a:lvl1pPr>
-              <a:defRPr sz="2400"/>
-            </a:lvl1pPr>
-            <a:lvl2pPr>
-              <a:defRPr sz="2000"/>
-            </a:lvl2pPr>
-            <a:lvl3pPr>
-              <a:defRPr sz="1800"/>
-            </a:lvl3pPr>
-            <a:lvl4pPr>
-              <a:defRPr sz="1600"/>
-            </a:lvl4pPr>
-            <a:lvl5pPr>
-              <a:defRPr sz="1600"/>
-            </a:lvl5pPr>
-            <a:lvl6pPr>
-              <a:defRPr sz="1600"/>
-            </a:lvl6pPr>
-            <a:lvl7pPr>
-              <a:defRPr sz="1600"/>
-            </a:lvl7pPr>
-            <a:lvl8pPr>
-              <a:defRPr sz="1600"/>
-            </a:lvl8pPr>
-            <a:lvl9pPr>
-              <a:defRPr sz="1600"/>
-            </a:lvl9pPr>
-          </a:lstStyle>
+          <a:lstStyle/>
           <a:p>
             <a:pPr lvl="0"/>
             <a:r>
-              <a:rPr lang="en-US" smtClean="0"/>
+              <a:rPr lang="en-US"/>
               <a:t>Click to edit Master text styles</a:t>
             </a:r>
           </a:p>
           <a:p>
             <a:pPr lvl="1"/>
             <a:r>
-              <a:rPr lang="en-US" smtClean="0"/>
+              <a:rPr lang="en-US"/>
               <a:t>Second level</a:t>
             </a:r>
           </a:p>
           <a:p>
             <a:pPr lvl="2"/>
             <a:r>
-              <a:rPr lang="en-US" smtClean="0"/>
+              <a:rPr lang="en-US"/>
               <a:t>Third level</a:t>
             </a:r>
           </a:p>
           <a:p>
             <a:pPr lvl="3"/>
             <a:r>
-              <a:rPr lang="en-US" smtClean="0"/>
+              <a:rPr lang="en-US"/>
               <a:t>Fourth level</a:t>
             </a:r>
           </a:p>
           <a:p>
             <a:pPr lvl="4"/>
             <a:r>
-              <a:rPr lang="en-US" smtClean="0"/>
+              <a:rPr lang="en-US"/>
               <a:t>Fifth level</a:t>
             </a:r>
-            <a:endParaRPr lang="en-US"/>
+            <a:endParaRPr lang="en-US" dirty="0"/>
           </a:p>
         </p:txBody>
       </p:sp>
@@ -1770,7 +4633,7 @@
           <a:p>
             <a:fld id="{5BCAD085-E8A6-8845-BD4E-CB4CCA059FC4}" type="datetimeFigureOut">
               <a:rPr lang="en-US" smtClean="0"/>
-              <a:t>1/27/13</a:t>
+              <a:t>9/24/2025</a:t>
             </a:fld>
             <a:endParaRPr lang="en-US"/>
           </a:p>
@@ -1821,7 +4684,7 @@
     </p:spTree>
     <p:extLst>
       <p:ext uri="{BB962C8B-B14F-4D97-AF65-F5344CB8AC3E}">
-        <p14:creationId xmlns:p14="http://schemas.microsoft.com/office/powerpoint/2010/main" val="990158736"/>
+        <p14:creationId xmlns:p14="http://schemas.microsoft.com/office/powerpoint/2010/main" val="1686772730"/>
       </p:ext>
     </p:extLst>
   </p:cSld>
@@ -1864,10 +4727,10 @@
           <a:lstStyle/>
           <a:p>
             <a:r>
-              <a:rPr lang="en-US" smtClean="0"/>
+              <a:rPr lang="en-US"/>
               <a:t>Click to edit Master title style</a:t>
             </a:r>
-            <a:endParaRPr lang="en-US"/>
+            <a:endParaRPr lang="en-US" dirty="0"/>
           </a:p>
         </p:txBody>
       </p:sp>
@@ -1888,7 +4751,7 @@
           <a:p>
             <a:fld id="{5BCAD085-E8A6-8845-BD4E-CB4CCA059FC4}" type="datetimeFigureOut">
               <a:rPr lang="en-US" smtClean="0"/>
-              <a:t>1/27/13</a:t>
+              <a:t>9/24/2025</a:t>
             </a:fld>
             <a:endParaRPr lang="en-US"/>
           </a:p>
@@ -1939,7 +4802,7 @@
     </p:spTree>
     <p:extLst>
       <p:ext uri="{BB962C8B-B14F-4D97-AF65-F5344CB8AC3E}">
-        <p14:creationId xmlns:p14="http://schemas.microsoft.com/office/powerpoint/2010/main" val="727027711"/>
+        <p14:creationId xmlns:p14="http://schemas.microsoft.com/office/powerpoint/2010/main" val="783565435"/>
       </p:ext>
     </p:extLst>
   </p:cSld>
@@ -1983,7 +4846,7 @@
           <a:p>
             <a:fld id="{5BCAD085-E8A6-8845-BD4E-CB4CCA059FC4}" type="datetimeFigureOut">
               <a:rPr lang="en-US" smtClean="0"/>
-              <a:t>1/27/13</a:t>
+              <a:t>9/24/2025</a:t>
             </a:fld>
             <a:endParaRPr lang="en-US"/>
           </a:p>
@@ -2034,7 +4897,7 @@
     </p:spTree>
     <p:extLst>
       <p:ext uri="{BB962C8B-B14F-4D97-AF65-F5344CB8AC3E}">
-        <p14:creationId xmlns:p14="http://schemas.microsoft.com/office/powerpoint/2010/main" val="1212999818"/>
+        <p14:creationId xmlns:p14="http://schemas.microsoft.com/office/powerpoint/2010/main" val="3301693619"/>
       </p:ext>
     </p:extLst>
   </p:cSld>
@@ -2073,23 +4936,25 @@
         </p:nvSpPr>
         <p:spPr>
           <a:xfrm>
-            <a:off x="457200" y="273050"/>
-            <a:ext cx="3008313" cy="1162050"/>
+            <a:off x="687921" y="609600"/>
+            <a:ext cx="2949178" cy="2362200"/>
           </a:xfrm>
         </p:spPr>
         <p:txBody>
-          <a:bodyPr anchor="b"/>
+          <a:bodyPr anchor="b">
+            <a:normAutofit/>
+          </a:bodyPr>
           <a:lstStyle>
-            <a:lvl1pPr algn="l">
-              <a:defRPr sz="2000" b="1"/>
+            <a:lvl1pPr>
+              <a:defRPr sz="2800"/>
             </a:lvl1pPr>
           </a:lstStyle>
           <a:p>
             <a:r>
-              <a:rPr lang="en-US" smtClean="0"/>
+              <a:rPr lang="en-US"/>
               <a:t>Click to edit Master title style</a:t>
             </a:r>
-            <a:endParaRPr lang="en-US"/>
+            <a:endParaRPr lang="en-US" dirty="0"/>
           </a:p>
         </p:txBody>
       </p:sp>
@@ -2105,139 +4970,111 @@
         </p:nvSpPr>
         <p:spPr>
           <a:xfrm>
-            <a:off x="3575050" y="273050"/>
-            <a:ext cx="5111750" cy="5853113"/>
+            <a:off x="3808548" y="609600"/>
+            <a:ext cx="4642119" cy="5181600"/>
           </a:xfrm>
         </p:spPr>
         <p:txBody>
+          <a:bodyPr anchor="ctr"/>
+          <a:lstStyle/>
+          <a:p>
+            <a:pPr lvl="0"/>
+            <a:r>
+              <a:rPr lang="en-US"/>
+              <a:t>Click to edit Master text styles</a:t>
+            </a:r>
+          </a:p>
+          <a:p>
+            <a:pPr lvl="1"/>
+            <a:r>
+              <a:rPr lang="en-US"/>
+              <a:t>Second level</a:t>
+            </a:r>
+          </a:p>
+          <a:p>
+            <a:pPr lvl="2"/>
+            <a:r>
+              <a:rPr lang="en-US"/>
+              <a:t>Third level</a:t>
+            </a:r>
+          </a:p>
+          <a:p>
+            <a:pPr lvl="3"/>
+            <a:r>
+              <a:rPr lang="en-US"/>
+              <a:t>Fourth level</a:t>
+            </a:r>
+          </a:p>
+          <a:p>
+            <a:pPr lvl="4"/>
+            <a:r>
+              <a:rPr lang="en-US"/>
+              <a:t>Fifth level</a:t>
+            </a:r>
+            <a:endParaRPr lang="en-US" dirty="0"/>
+          </a:p>
+        </p:txBody>
+      </p:sp>
+      <p:sp>
+        <p:nvSpPr>
+          <p:cNvPr id="4" name="Text Placeholder 3"/>
+          <p:cNvSpPr>
+            <a:spLocks noGrp="1"/>
+          </p:cNvSpPr>
+          <p:nvPr>
+            <p:ph type="body" sz="half" idx="2"/>
+          </p:nvPr>
+        </p:nvSpPr>
+        <p:spPr>
+          <a:xfrm>
+            <a:off x="687921" y="2971801"/>
+            <a:ext cx="2949178" cy="2819399"/>
+          </a:xfrm>
+        </p:spPr>
+        <p:txBody>
           <a:bodyPr/>
           <a:lstStyle>
-            <a:lvl1pPr>
-              <a:defRPr sz="3200"/>
+            <a:lvl1pPr marL="0" indent="0" algn="ctr">
+              <a:buNone/>
+              <a:defRPr sz="1600"/>
             </a:lvl1pPr>
-            <a:lvl2pPr>
-              <a:defRPr sz="2800"/>
+            <a:lvl2pPr marL="457200" indent="0">
+              <a:buNone/>
+              <a:defRPr sz="1400"/>
             </a:lvl2pPr>
-            <a:lvl3pPr>
-              <a:defRPr sz="2400"/>
+            <a:lvl3pPr marL="914400" indent="0">
+              <a:buNone/>
+              <a:defRPr sz="1200"/>
             </a:lvl3pPr>
-            <a:lvl4pPr>
-              <a:defRPr sz="2000"/>
+            <a:lvl4pPr marL="1371600" indent="0">
+              <a:buNone/>
+              <a:defRPr sz="1000"/>
             </a:lvl4pPr>
-            <a:lvl5pPr>
-              <a:defRPr sz="2000"/>
+            <a:lvl5pPr marL="1828800" indent="0">
+              <a:buNone/>
+              <a:defRPr sz="1000"/>
             </a:lvl5pPr>
-            <a:lvl6pPr>
-              <a:defRPr sz="2000"/>
+            <a:lvl6pPr marL="2286000" indent="0">
+              <a:buNone/>
+              <a:defRPr sz="1000"/>
             </a:lvl6pPr>
-            <a:lvl7pPr>
-              <a:defRPr sz="2000"/>
+            <a:lvl7pPr marL="2743200" indent="0">
+              <a:buNone/>
+              <a:defRPr sz="1000"/>
             </a:lvl7pPr>
-            <a:lvl8pPr>
-              <a:defRPr sz="2000"/>
+            <a:lvl8pPr marL="3200400" indent="0">
+              <a:buNone/>
+              <a:defRPr sz="1000"/>
             </a:lvl8pPr>
-            <a:lvl9pPr>
-              <a:defRPr sz="2000"/>
+            <a:lvl9pPr marL="3657600" indent="0">
+              <a:buNone/>
+              <a:defRPr sz="1000"/>
             </a:lvl9pPr>
           </a:lstStyle>
           <a:p>
             <a:pPr lvl="0"/>
             <a:r>
-              <a:rPr lang="en-US" smtClean="0"/>
-              <a:t>Click to edit Master text styles</a:t>
-            </a:r>
-          </a:p>
-          <a:p>
-            <a:pPr lvl="1"/>
-            <a:r>
-              <a:rPr lang="en-US" smtClean="0"/>
-              <a:t>Second level</a:t>
-            </a:r>
-          </a:p>
-          <a:p>
-            <a:pPr lvl="2"/>
-            <a:r>
-              <a:rPr lang="en-US" smtClean="0"/>
-              <a:t>Third level</a:t>
-            </a:r>
-          </a:p>
-          <a:p>
-            <a:pPr lvl="3"/>
-            <a:r>
-              <a:rPr lang="en-US" smtClean="0"/>
-              <a:t>Fourth level</a:t>
-            </a:r>
-          </a:p>
-          <a:p>
-            <a:pPr lvl="4"/>
-            <a:r>
-              <a:rPr lang="en-US" smtClean="0"/>
-              <a:t>Fifth level</a:t>
-            </a:r>
-            <a:endParaRPr lang="en-US"/>
-          </a:p>
-        </p:txBody>
-      </p:sp>
-      <p:sp>
-        <p:nvSpPr>
-          <p:cNvPr id="4" name="Text Placeholder 3"/>
-          <p:cNvSpPr>
-            <a:spLocks noGrp="1"/>
-          </p:cNvSpPr>
-          <p:nvPr>
-            <p:ph type="body" sz="half" idx="2"/>
-          </p:nvPr>
-        </p:nvSpPr>
-        <p:spPr>
-          <a:xfrm>
-            <a:off x="457200" y="1435100"/>
-            <a:ext cx="3008313" cy="4691063"/>
-          </a:xfrm>
-        </p:spPr>
-        <p:txBody>
-          <a:bodyPr/>
-          <a:lstStyle>
-            <a:lvl1pPr marL="0" indent="0">
-              <a:buNone/>
-              <a:defRPr sz="1400"/>
-            </a:lvl1pPr>
-            <a:lvl2pPr marL="457200" indent="0">
-              <a:buNone/>
-              <a:defRPr sz="1200"/>
-            </a:lvl2pPr>
-            <a:lvl3pPr marL="914400" indent="0">
-              <a:buNone/>
-              <a:defRPr sz="1000"/>
-            </a:lvl3pPr>
-            <a:lvl4pPr marL="1371600" indent="0">
-              <a:buNone/>
-              <a:defRPr sz="900"/>
-            </a:lvl4pPr>
-            <a:lvl5pPr marL="1828800" indent="0">
-              <a:buNone/>
-              <a:defRPr sz="900"/>
-            </a:lvl5pPr>
-            <a:lvl6pPr marL="2286000" indent="0">
-              <a:buNone/>
-              <a:defRPr sz="900"/>
-            </a:lvl6pPr>
-            <a:lvl7pPr marL="2743200" indent="0">
-              <a:buNone/>
-              <a:defRPr sz="900"/>
-            </a:lvl7pPr>
-            <a:lvl8pPr marL="3200400" indent="0">
-              <a:buNone/>
-              <a:defRPr sz="900"/>
-            </a:lvl8pPr>
-            <a:lvl9pPr marL="3657600" indent="0">
-              <a:buNone/>
-              <a:defRPr sz="900"/>
-            </a:lvl9pPr>
-          </a:lstStyle>
-          <a:p>
-            <a:pPr lvl="0"/>
-            <a:r>
-              <a:rPr lang="en-US" smtClean="0"/>
+              <a:rPr lang="en-US"/>
               <a:t>Click to edit Master text styles</a:t>
             </a:r>
           </a:p>
@@ -2260,7 +5097,7 @@
           <a:p>
             <a:fld id="{5BCAD085-E8A6-8845-BD4E-CB4CCA059FC4}" type="datetimeFigureOut">
               <a:rPr lang="en-US" smtClean="0"/>
-              <a:t>1/27/13</a:t>
+              <a:t>9/24/2025</a:t>
             </a:fld>
             <a:endParaRPr lang="en-US"/>
           </a:p>
@@ -2311,7 +5148,7 @@
     </p:spTree>
     <p:extLst>
       <p:ext uri="{BB962C8B-B14F-4D97-AF65-F5344CB8AC3E}">
-        <p14:creationId xmlns:p14="http://schemas.microsoft.com/office/powerpoint/2010/main" val="1840726560"/>
+        <p14:creationId xmlns:p14="http://schemas.microsoft.com/office/powerpoint/2010/main" val="1091655266"/>
       </p:ext>
     </p:extLst>
   </p:cSld>
@@ -2350,23 +5187,25 @@
         </p:nvSpPr>
         <p:spPr>
           <a:xfrm>
-            <a:off x="1792288" y="4800600"/>
-            <a:ext cx="5486400" cy="566738"/>
+            <a:off x="687921" y="609600"/>
+            <a:ext cx="4167603" cy="2362200"/>
           </a:xfrm>
         </p:spPr>
         <p:txBody>
-          <a:bodyPr anchor="b"/>
+          <a:bodyPr anchor="b">
+            <a:normAutofit/>
+          </a:bodyPr>
           <a:lstStyle>
-            <a:lvl1pPr algn="l">
-              <a:defRPr sz="2000" b="1"/>
+            <a:lvl1pPr>
+              <a:defRPr sz="3200"/>
             </a:lvl1pPr>
           </a:lstStyle>
           <a:p>
             <a:r>
-              <a:rPr lang="en-US" smtClean="0"/>
+              <a:rPr lang="en-US"/>
               <a:t>Click to edit Master title style</a:t>
             </a:r>
-            <a:endParaRPr lang="en-US"/>
+            <a:endParaRPr lang="en-US" dirty="0"/>
           </a:p>
         </p:txBody>
       </p:sp>
@@ -2374,7 +5213,7 @@
         <p:nvSpPr>
           <p:cNvPr id="3" name="Picture Placeholder 2"/>
           <p:cNvSpPr>
-            <a:spLocks noGrp="1"/>
+            <a:spLocks noGrp="1" noChangeAspect="1"/>
           </p:cNvSpPr>
           <p:nvPr>
             <p:ph type="pic" idx="1"/>
@@ -2382,14 +5221,40 @@
         </p:nvSpPr>
         <p:spPr>
           <a:xfrm>
-            <a:off x="1792288" y="612775"/>
-            <a:ext cx="5486400" cy="4114800"/>
+            <a:off x="5249932" y="758881"/>
+            <a:ext cx="2966938" cy="4883038"/>
           </a:xfrm>
+          <a:noFill/>
+          <a:ln w="190500" cap="sq">
+            <a:solidFill>
+              <a:srgbClr val="FFFFFF"/>
+            </a:solidFill>
+            <a:miter lim="800000"/>
+          </a:ln>
+          <a:effectLst>
+            <a:outerShdw blurRad="55000" dist="18000" dir="5400000" algn="tl" rotWithShape="0">
+              <a:srgbClr val="000000">
+                <a:alpha val="40000"/>
+              </a:srgbClr>
+            </a:outerShdw>
+          </a:effectLst>
+          <a:scene3d>
+            <a:camera prst="orthographicFront"/>
+            <a:lightRig rig="twoPt" dir="t">
+              <a:rot lat="0" lon="0" rev="7200000"/>
+            </a:lightRig>
+          </a:scene3d>
+          <a:sp3d>
+            <a:bevelT w="25400" h="19050"/>
+            <a:contourClr>
+              <a:srgbClr val="FFFFFF"/>
+            </a:contourClr>
+          </a:sp3d>
         </p:spPr>
         <p:txBody>
-          <a:bodyPr/>
+          <a:bodyPr anchor="t"/>
           <a:lstStyle>
-            <a:lvl1pPr marL="0" indent="0">
+            <a:lvl1pPr marL="0" indent="0" algn="ctr">
               <a:buNone/>
               <a:defRPr sz="3200"/>
             </a:lvl1pPr>
@@ -2427,7 +5292,11 @@
             </a:lvl9pPr>
           </a:lstStyle>
           <a:p>
-            <a:endParaRPr lang="en-US"/>
+            <a:r>
+              <a:rPr lang="en-US"/>
+              <a:t>Click icon to add picture</a:t>
+            </a:r>
+            <a:endParaRPr lang="en-US" dirty="0"/>
           </a:p>
         </p:txBody>
       </p:sp>
@@ -2443,54 +5312,56 @@
         </p:nvSpPr>
         <p:spPr>
           <a:xfrm>
-            <a:off x="1792288" y="5367338"/>
-            <a:ext cx="5486400" cy="804862"/>
+            <a:off x="685346" y="2971800"/>
+            <a:ext cx="4171242" cy="2819400"/>
           </a:xfrm>
         </p:spPr>
         <p:txBody>
-          <a:bodyPr/>
+          <a:bodyPr>
+            <a:normAutofit/>
+          </a:bodyPr>
           <a:lstStyle>
-            <a:lvl1pPr marL="0" indent="0">
-              <a:buNone/>
-              <a:defRPr sz="1400"/>
+            <a:lvl1pPr marL="0" indent="0" algn="ctr">
+              <a:buNone/>
+              <a:defRPr sz="1800"/>
             </a:lvl1pPr>
             <a:lvl2pPr marL="457200" indent="0">
               <a:buNone/>
-              <a:defRPr sz="1200"/>
+              <a:defRPr sz="1400"/>
             </a:lvl2pPr>
             <a:lvl3pPr marL="914400" indent="0">
               <a:buNone/>
-              <a:defRPr sz="1000"/>
+              <a:defRPr sz="1200"/>
             </a:lvl3pPr>
             <a:lvl4pPr marL="1371600" indent="0">
               <a:buNone/>
-              <a:defRPr sz="900"/>
+              <a:defRPr sz="1000"/>
             </a:lvl4pPr>
             <a:lvl5pPr marL="1828800" indent="0">
               <a:buNone/>
-              <a:defRPr sz="900"/>
+              <a:defRPr sz="1000"/>
             </a:lvl5pPr>
             <a:lvl6pPr marL="2286000" indent="0">
               <a:buNone/>
-              <a:defRPr sz="900"/>
+              <a:defRPr sz="1000"/>
             </a:lvl6pPr>
             <a:lvl7pPr marL="2743200" indent="0">
               <a:buNone/>
-              <a:defRPr sz="900"/>
+              <a:defRPr sz="1000"/>
             </a:lvl7pPr>
             <a:lvl8pPr marL="3200400" indent="0">
               <a:buNone/>
-              <a:defRPr sz="900"/>
+              <a:defRPr sz="1000"/>
             </a:lvl8pPr>
             <a:lvl9pPr marL="3657600" indent="0">
               <a:buNone/>
-              <a:defRPr sz="900"/>
+              <a:defRPr sz="1000"/>
             </a:lvl9pPr>
           </a:lstStyle>
           <a:p>
             <a:pPr lvl="0"/>
             <a:r>
-              <a:rPr lang="en-US" smtClean="0"/>
+              <a:rPr lang="en-US"/>
               <a:t>Click to edit Master text styles</a:t>
             </a:r>
           </a:p>
@@ -2513,7 +5384,7 @@
           <a:p>
             <a:fld id="{5BCAD085-E8A6-8845-BD4E-CB4CCA059FC4}" type="datetimeFigureOut">
               <a:rPr lang="en-US" smtClean="0"/>
-              <a:t>1/27/13</a:t>
+              <a:t>9/24/2025</a:t>
             </a:fld>
             <a:endParaRPr lang="en-US"/>
           </a:p>
@@ -2564,7 +5435,7 @@
     </p:spTree>
     <p:extLst>
       <p:ext uri="{BB962C8B-B14F-4D97-AF65-F5344CB8AC3E}">
-        <p14:creationId xmlns:p14="http://schemas.microsoft.com/office/powerpoint/2010/main" val="3889236939"/>
+        <p14:creationId xmlns:p14="http://schemas.microsoft.com/office/powerpoint/2010/main" val="3845871581"/>
       </p:ext>
     </p:extLst>
   </p:cSld>
@@ -2578,8 +5449,8 @@
 <p:sldMaster xmlns:a="http://schemas.openxmlformats.org/drawingml/2006/main" xmlns:r="http://schemas.openxmlformats.org/officeDocument/2006/relationships" xmlns:p="http://schemas.openxmlformats.org/presentationml/2006/main">
   <p:cSld>
     <p:bg>
-      <p:bgRef idx="1001">
-        <a:schemeClr val="bg1"/>
+      <p:bgRef idx="1003">
+        <a:schemeClr val="bg2"/>
       </p:bgRef>
     </p:bg>
     <p:spTree>
@@ -2608,8 +5479,8 @@
         </p:nvSpPr>
         <p:spPr>
           <a:xfrm>
-            <a:off x="457200" y="274638"/>
-            <a:ext cx="8229600" cy="1143000"/>
+            <a:off x="685347" y="609601"/>
+            <a:ext cx="7765321" cy="1326321"/>
           </a:xfrm>
           <a:prstGeom prst="rect">
             <a:avLst/>
@@ -2622,10 +5493,10 @@
           <a:lstStyle/>
           <a:p>
             <a:r>
-              <a:rPr lang="en-US" smtClean="0"/>
+              <a:rPr lang="en-US"/>
               <a:t>Click to edit Master title style</a:t>
             </a:r>
-            <a:endParaRPr lang="en-US"/>
+            <a:endParaRPr lang="en-US" dirty="0"/>
           </a:p>
         </p:txBody>
       </p:sp>
@@ -2641,8 +5512,8 @@
         </p:nvSpPr>
         <p:spPr>
           <a:xfrm>
-            <a:off x="457200" y="1600200"/>
-            <a:ext cx="8229600" cy="4525963"/>
+            <a:off x="685346" y="2096064"/>
+            <a:ext cx="7765322" cy="3695136"/>
           </a:xfrm>
           <a:prstGeom prst="rect">
             <a:avLst/>
@@ -2656,38 +5527,38 @@
           <a:p>
             <a:pPr lvl="0"/>
             <a:r>
-              <a:rPr lang="en-US" smtClean="0"/>
+              <a:rPr lang="en-US"/>
               <a:t>Click to edit Master text styles</a:t>
             </a:r>
           </a:p>
           <a:p>
             <a:pPr lvl="1"/>
             <a:r>
-              <a:rPr lang="en-US" smtClean="0"/>
+              <a:rPr lang="en-US"/>
               <a:t>Second level</a:t>
             </a:r>
           </a:p>
           <a:p>
             <a:pPr lvl="2"/>
             <a:r>
-              <a:rPr lang="en-US" smtClean="0"/>
+              <a:rPr lang="en-US"/>
               <a:t>Third level</a:t>
             </a:r>
           </a:p>
           <a:p>
             <a:pPr lvl="3"/>
             <a:r>
-              <a:rPr lang="en-US" smtClean="0"/>
+              <a:rPr lang="en-US"/>
               <a:t>Fourth level</a:t>
             </a:r>
           </a:p>
           <a:p>
             <a:pPr lvl="4"/>
             <a:r>
-              <a:rPr lang="en-US" smtClean="0"/>
+              <a:rPr lang="en-US"/>
               <a:t>Fifth level</a:t>
             </a:r>
-            <a:endParaRPr lang="en-US"/>
+            <a:endParaRPr lang="en-US" dirty="0"/>
           </a:p>
         </p:txBody>
       </p:sp>
@@ -2703,8 +5574,8 @@
         </p:nvSpPr>
         <p:spPr>
           <a:xfrm>
-            <a:off x="457200" y="6356350"/>
-            <a:ext cx="2133600" cy="365125"/>
+            <a:off x="5759052" y="5883276"/>
+            <a:ext cx="2057400" cy="365125"/>
           </a:xfrm>
           <a:prstGeom prst="rect">
             <a:avLst/>
@@ -2713,8 +5584,8 @@
         <p:txBody>
           <a:bodyPr vert="horz" lIns="91440" tIns="45720" rIns="91440" bIns="45720" rtlCol="0" anchor="ctr"/>
           <a:lstStyle>
-            <a:lvl1pPr algn="l">
-              <a:defRPr sz="1200">
+            <a:lvl1pPr algn="r">
+              <a:defRPr sz="1000">
                 <a:solidFill>
                   <a:schemeClr val="tx1">
                     <a:tint val="75000"/>
@@ -2726,7 +5597,7 @@
           <a:p>
             <a:fld id="{5BCAD085-E8A6-8845-BD4E-CB4CCA059FC4}" type="datetimeFigureOut">
               <a:rPr lang="en-US" smtClean="0"/>
-              <a:t>1/27/13</a:t>
+              <a:t>9/24/2025</a:t>
             </a:fld>
             <a:endParaRPr lang="en-US"/>
           </a:p>
@@ -2744,8 +5615,8 @@
         </p:nvSpPr>
         <p:spPr>
           <a:xfrm>
-            <a:off x="3124200" y="6356350"/>
-            <a:ext cx="2895600" cy="365125"/>
+            <a:off x="685346" y="5883276"/>
+            <a:ext cx="5004649" cy="365125"/>
           </a:xfrm>
           <a:prstGeom prst="rect">
             <a:avLst/>
@@ -2754,8 +5625,8 @@
         <p:txBody>
           <a:bodyPr vert="horz" lIns="91440" tIns="45720" rIns="91440" bIns="45720" rtlCol="0" anchor="ctr"/>
           <a:lstStyle>
-            <a:lvl1pPr algn="ctr">
-              <a:defRPr sz="1200">
+            <a:lvl1pPr algn="l">
+              <a:defRPr sz="1000">
                 <a:solidFill>
                   <a:schemeClr val="tx1">
                     <a:tint val="75000"/>
@@ -2781,8 +5652,8 @@
         </p:nvSpPr>
         <p:spPr>
           <a:xfrm>
-            <a:off x="6553200" y="6356350"/>
-            <a:ext cx="2133600" cy="365125"/>
+            <a:off x="7885509" y="5883276"/>
+            <a:ext cx="565159" cy="365125"/>
           </a:xfrm>
           <a:prstGeom prst="rect">
             <a:avLst/>
@@ -2792,7 +5663,7 @@
           <a:bodyPr vert="horz" lIns="91440" tIns="45720" rIns="91440" bIns="45720" rtlCol="0" anchor="ctr"/>
           <a:lstStyle>
             <a:lvl1pPr algn="r">
-              <a:defRPr sz="1200">
+              <a:defRPr sz="1000">
                 <a:solidFill>
                   <a:schemeClr val="tx1">
                     <a:tint val="75000"/>
@@ -2813,35 +5684,51 @@
     </p:spTree>
     <p:extLst>
       <p:ext uri="{BB962C8B-B14F-4D97-AF65-F5344CB8AC3E}">
-        <p14:creationId xmlns:p14="http://schemas.microsoft.com/office/powerpoint/2010/main" val="2209977519"/>
+        <p14:creationId xmlns:p14="http://schemas.microsoft.com/office/powerpoint/2010/main" val="2579077137"/>
       </p:ext>
     </p:extLst>
   </p:cSld>
-  <p:clrMap bg1="lt1" tx1="dk1" bg2="lt2" tx2="dk2" accent1="accent1" accent2="accent2" accent3="accent3" accent4="accent4" accent5="accent5" accent6="accent6" hlink="hlink" folHlink="folHlink"/>
+  <p:clrMap bg1="dk1" tx1="lt1" bg2="dk2" tx2="lt2" accent1="accent1" accent2="accent2" accent3="accent3" accent4="accent4" accent5="accent5" accent6="accent6" hlink="hlink" folHlink="folHlink"/>
   <p:sldLayoutIdLst>
-    <p:sldLayoutId id="2147483649" r:id="rId1"/>
-    <p:sldLayoutId id="2147483650" r:id="rId2"/>
-    <p:sldLayoutId id="2147483651" r:id="rId3"/>
-    <p:sldLayoutId id="2147483652" r:id="rId4"/>
-    <p:sldLayoutId id="2147483653" r:id="rId5"/>
-    <p:sldLayoutId id="2147483654" r:id="rId6"/>
-    <p:sldLayoutId id="2147483655" r:id="rId7"/>
-    <p:sldLayoutId id="2147483656" r:id="rId8"/>
-    <p:sldLayoutId id="2147483657" r:id="rId9"/>
-    <p:sldLayoutId id="2147483658" r:id="rId10"/>
-    <p:sldLayoutId id="2147483659" r:id="rId11"/>
+    <p:sldLayoutId id="2147483673" r:id="rId1"/>
+    <p:sldLayoutId id="2147483674" r:id="rId2"/>
+    <p:sldLayoutId id="2147483675" r:id="rId3"/>
+    <p:sldLayoutId id="2147483676" r:id="rId4"/>
+    <p:sldLayoutId id="2147483677" r:id="rId5"/>
+    <p:sldLayoutId id="2147483678" r:id="rId6"/>
+    <p:sldLayoutId id="2147483679" r:id="rId7"/>
+    <p:sldLayoutId id="2147483680" r:id="rId8"/>
+    <p:sldLayoutId id="2147483681" r:id="rId9"/>
+    <p:sldLayoutId id="2147483682" r:id="rId10"/>
+    <p:sldLayoutId id="2147483683" r:id="rId11"/>
+    <p:sldLayoutId id="2147483684" r:id="rId12"/>
+    <p:sldLayoutId id="2147483685" r:id="rId13"/>
+    <p:sldLayoutId id="2147483686" r:id="rId14"/>
+    <p:sldLayoutId id="2147483687" r:id="rId15"/>
+    <p:sldLayoutId id="2147483688" r:id="rId16"/>
+    <p:sldLayoutId id="2147483689" r:id="rId17"/>
   </p:sldLayoutIdLst>
   <p:txStyles>
     <p:titleStyle>
-      <a:lvl1pPr algn="ctr" defTabSz="457200" rtl="0" eaLnBrk="1" latinLnBrk="0" hangingPunct="1">
+      <a:lvl1pPr algn="ctr" defTabSz="914400" rtl="0" eaLnBrk="1" latinLnBrk="0" hangingPunct="1">
+        <a:lnSpc>
+          <a:spcPct val="90000"/>
+        </a:lnSpc>
         <a:spcBef>
           <a:spcPct val="0"/>
         </a:spcBef>
         <a:buNone/>
-        <a:defRPr sz="4400" kern="1200">
+        <a:defRPr sz="3400" b="1" i="0" kern="1200" cap="all">
           <a:solidFill>
             <a:schemeClr val="tx1"/>
           </a:solidFill>
+          <a:effectLst>
+            <a:outerShdw blurRad="50800" dist="63500" dir="2700000" algn="tl" rotWithShape="0">
+              <a:srgbClr val="000000">
+                <a:alpha val="48000"/>
+              </a:srgbClr>
+            </a:outerShdw>
+          </a:effectLst>
           <a:latin typeface="+mj-lt"/>
           <a:ea typeface="+mj-ea"/>
           <a:cs typeface="+mj-cs"/>
@@ -2849,136 +5736,226 @@
       </a:lvl1pPr>
     </p:titleStyle>
     <p:bodyStyle>
-      <a:lvl1pPr marL="342900" indent="-342900" algn="l" defTabSz="457200" rtl="0" eaLnBrk="1" latinLnBrk="0" hangingPunct="1">
+      <a:lvl1pPr marL="228600" indent="-228600" algn="l" defTabSz="914400" rtl="0" eaLnBrk="1" latinLnBrk="0" hangingPunct="1">
+        <a:lnSpc>
+          <a:spcPct val="120000"/>
+        </a:lnSpc>
         <a:spcBef>
-          <a:spcPct val="20000"/>
+          <a:spcPts val="1000"/>
         </a:spcBef>
-        <a:buFont typeface="Arial"/>
+        <a:buFont typeface="Arial" panose="020B0604020202020204" pitchFamily="34" charset="0"/>
         <a:buChar char="•"/>
-        <a:defRPr sz="3200" kern="1200">
+        <a:defRPr sz="2000" kern="1200">
           <a:solidFill>
             <a:schemeClr val="tx1"/>
           </a:solidFill>
+          <a:effectLst>
+            <a:outerShdw blurRad="50800" dist="38100" dir="2700000" algn="tl" rotWithShape="0">
+              <a:srgbClr val="000000">
+                <a:alpha val="48000"/>
+              </a:srgbClr>
+            </a:outerShdw>
+          </a:effectLst>
           <a:latin typeface="+mn-lt"/>
           <a:ea typeface="+mn-ea"/>
           <a:cs typeface="+mn-cs"/>
         </a:defRPr>
       </a:lvl1pPr>
-      <a:lvl2pPr marL="742950" indent="-285750" algn="l" defTabSz="457200" rtl="0" eaLnBrk="1" latinLnBrk="0" hangingPunct="1">
+      <a:lvl2pPr marL="685800" indent="-228600" algn="l" defTabSz="914400" rtl="0" eaLnBrk="1" latinLnBrk="0" hangingPunct="1">
+        <a:lnSpc>
+          <a:spcPct val="120000"/>
+        </a:lnSpc>
         <a:spcBef>
-          <a:spcPct val="20000"/>
+          <a:spcPts val="500"/>
         </a:spcBef>
-        <a:buFont typeface="Arial"/>
-        <a:buChar char="–"/>
-        <a:defRPr sz="2800" kern="1200">
+        <a:buFont typeface="Arial" panose="020B0604020202020204" pitchFamily="34" charset="0"/>
+        <a:buChar char="•"/>
+        <a:defRPr sz="1800" kern="1200">
           <a:solidFill>
             <a:schemeClr val="tx1"/>
           </a:solidFill>
+          <a:effectLst>
+            <a:outerShdw blurRad="50800" dist="38100" dir="2700000" algn="tl" rotWithShape="0">
+              <a:srgbClr val="000000">
+                <a:alpha val="48000"/>
+              </a:srgbClr>
+            </a:outerShdw>
+          </a:effectLst>
           <a:latin typeface="+mn-lt"/>
           <a:ea typeface="+mn-ea"/>
           <a:cs typeface="+mn-cs"/>
         </a:defRPr>
       </a:lvl2pPr>
-      <a:lvl3pPr marL="1143000" indent="-228600" algn="l" defTabSz="457200" rtl="0" eaLnBrk="1" latinLnBrk="0" hangingPunct="1">
+      <a:lvl3pPr marL="1143000" indent="-228600" algn="l" defTabSz="914400" rtl="0" eaLnBrk="1" latinLnBrk="0" hangingPunct="1">
+        <a:lnSpc>
+          <a:spcPct val="120000"/>
+        </a:lnSpc>
         <a:spcBef>
-          <a:spcPct val="20000"/>
+          <a:spcPts val="500"/>
         </a:spcBef>
-        <a:buFont typeface="Arial"/>
+        <a:buFont typeface="Arial" panose="020B0604020202020204" pitchFamily="34" charset="0"/>
         <a:buChar char="•"/>
-        <a:defRPr sz="2400" kern="1200">
+        <a:defRPr sz="1600" kern="1200">
           <a:solidFill>
             <a:schemeClr val="tx1"/>
           </a:solidFill>
+          <a:effectLst>
+            <a:outerShdw blurRad="50800" dist="38100" dir="2700000" algn="tl" rotWithShape="0">
+              <a:srgbClr val="000000">
+                <a:alpha val="48000"/>
+              </a:srgbClr>
+            </a:outerShdw>
+          </a:effectLst>
           <a:latin typeface="+mn-lt"/>
           <a:ea typeface="+mn-ea"/>
           <a:cs typeface="+mn-cs"/>
         </a:defRPr>
       </a:lvl3pPr>
-      <a:lvl4pPr marL="1600200" indent="-228600" algn="l" defTabSz="457200" rtl="0" eaLnBrk="1" latinLnBrk="0" hangingPunct="1">
+      <a:lvl4pPr marL="1600200" indent="-228600" algn="l" defTabSz="914400" rtl="0" eaLnBrk="1" latinLnBrk="0" hangingPunct="1">
+        <a:lnSpc>
+          <a:spcPct val="120000"/>
+        </a:lnSpc>
         <a:spcBef>
-          <a:spcPct val="20000"/>
+          <a:spcPts val="500"/>
         </a:spcBef>
-        <a:buFont typeface="Arial"/>
-        <a:buChar char="–"/>
-        <a:defRPr sz="2000" kern="1200">
+        <a:buFont typeface="Arial" panose="020B0604020202020204" pitchFamily="34" charset="0"/>
+        <a:buChar char="•"/>
+        <a:defRPr sz="1400" kern="1200">
           <a:solidFill>
             <a:schemeClr val="tx1"/>
           </a:solidFill>
+          <a:effectLst>
+            <a:outerShdw blurRad="50800" dist="38100" dir="2700000" algn="tl" rotWithShape="0">
+              <a:srgbClr val="000000">
+                <a:alpha val="48000"/>
+              </a:srgbClr>
+            </a:outerShdw>
+          </a:effectLst>
           <a:latin typeface="+mn-lt"/>
           <a:ea typeface="+mn-ea"/>
           <a:cs typeface="+mn-cs"/>
         </a:defRPr>
       </a:lvl4pPr>
-      <a:lvl5pPr marL="2057400" indent="-228600" algn="l" defTabSz="457200" rtl="0" eaLnBrk="1" latinLnBrk="0" hangingPunct="1">
+      <a:lvl5pPr marL="2057400" indent="-228600" algn="l" defTabSz="914400" rtl="0" eaLnBrk="1" latinLnBrk="0" hangingPunct="1">
+        <a:lnSpc>
+          <a:spcPct val="120000"/>
+        </a:lnSpc>
         <a:spcBef>
-          <a:spcPct val="20000"/>
+          <a:spcPts val="500"/>
         </a:spcBef>
-        <a:buFont typeface="Arial"/>
-        <a:buChar char="»"/>
-        <a:defRPr sz="2000" kern="1200">
+        <a:buFont typeface="Arial" panose="020B0604020202020204" pitchFamily="34" charset="0"/>
+        <a:buChar char="•"/>
+        <a:defRPr sz="1200" kern="1200">
           <a:solidFill>
             <a:schemeClr val="tx1"/>
           </a:solidFill>
+          <a:effectLst>
+            <a:outerShdw blurRad="50800" dist="38100" dir="2700000" algn="tl" rotWithShape="0">
+              <a:srgbClr val="000000">
+                <a:alpha val="48000"/>
+              </a:srgbClr>
+            </a:outerShdw>
+          </a:effectLst>
           <a:latin typeface="+mn-lt"/>
           <a:ea typeface="+mn-ea"/>
           <a:cs typeface="+mn-cs"/>
         </a:defRPr>
       </a:lvl5pPr>
-      <a:lvl6pPr marL="2514600" indent="-228600" algn="l" defTabSz="457200" rtl="0" eaLnBrk="1" latinLnBrk="0" hangingPunct="1">
+      <a:lvl6pPr marL="2514600" indent="-228600" algn="l" defTabSz="914400" rtl="0" eaLnBrk="1" latinLnBrk="0" hangingPunct="1">
+        <a:lnSpc>
+          <a:spcPct val="120000"/>
+        </a:lnSpc>
         <a:spcBef>
-          <a:spcPct val="20000"/>
+          <a:spcPts val="500"/>
         </a:spcBef>
-        <a:buFont typeface="Arial"/>
+        <a:buFont typeface="Arial" panose="020B0604020202020204" pitchFamily="34" charset="0"/>
         <a:buChar char="•"/>
-        <a:defRPr sz="2000" kern="1200">
+        <a:defRPr sz="1200" kern="1200">
           <a:solidFill>
             <a:schemeClr val="tx1"/>
           </a:solidFill>
+          <a:effectLst>
+            <a:outerShdw blurRad="50800" dist="38100" dir="2700000" algn="tl" rotWithShape="0">
+              <a:srgbClr val="000000">
+                <a:alpha val="48000"/>
+              </a:srgbClr>
+            </a:outerShdw>
+          </a:effectLst>
           <a:latin typeface="+mn-lt"/>
           <a:ea typeface="+mn-ea"/>
           <a:cs typeface="+mn-cs"/>
         </a:defRPr>
       </a:lvl6pPr>
-      <a:lvl7pPr marL="2971800" indent="-228600" algn="l" defTabSz="457200" rtl="0" eaLnBrk="1" latinLnBrk="0" hangingPunct="1">
+      <a:lvl7pPr marL="2971800" indent="-228600" algn="l" defTabSz="914400" rtl="0" eaLnBrk="1" latinLnBrk="0" hangingPunct="1">
+        <a:lnSpc>
+          <a:spcPct val="120000"/>
+        </a:lnSpc>
         <a:spcBef>
-          <a:spcPct val="20000"/>
+          <a:spcPts val="500"/>
         </a:spcBef>
-        <a:buFont typeface="Arial"/>
+        <a:buFont typeface="Arial" panose="020B0604020202020204" pitchFamily="34" charset="0"/>
         <a:buChar char="•"/>
-        <a:defRPr sz="2000" kern="1200">
+        <a:defRPr sz="1200" kern="1200">
           <a:solidFill>
             <a:schemeClr val="tx1"/>
           </a:solidFill>
+          <a:effectLst>
+            <a:outerShdw blurRad="50800" dist="38100" dir="2700000" algn="tl" rotWithShape="0">
+              <a:srgbClr val="000000">
+                <a:alpha val="48000"/>
+              </a:srgbClr>
+            </a:outerShdw>
+          </a:effectLst>
           <a:latin typeface="+mn-lt"/>
           <a:ea typeface="+mn-ea"/>
           <a:cs typeface="+mn-cs"/>
         </a:defRPr>
       </a:lvl7pPr>
-      <a:lvl8pPr marL="3429000" indent="-228600" algn="l" defTabSz="457200" rtl="0" eaLnBrk="1" latinLnBrk="0" hangingPunct="1">
+      <a:lvl8pPr marL="3429000" indent="-228600" algn="l" defTabSz="914400" rtl="0" eaLnBrk="1" latinLnBrk="0" hangingPunct="1">
+        <a:lnSpc>
+          <a:spcPct val="120000"/>
+        </a:lnSpc>
         <a:spcBef>
-          <a:spcPct val="20000"/>
+          <a:spcPts val="500"/>
         </a:spcBef>
-        <a:buFont typeface="Arial"/>
+        <a:buFont typeface="Arial" panose="020B0604020202020204" pitchFamily="34" charset="0"/>
         <a:buChar char="•"/>
-        <a:defRPr sz="2000" kern="1200">
+        <a:defRPr sz="1200" kern="1200">
           <a:solidFill>
             <a:schemeClr val="tx1"/>
           </a:solidFill>
+          <a:effectLst>
+            <a:outerShdw blurRad="50800" dist="38100" dir="2700000" algn="tl" rotWithShape="0">
+              <a:srgbClr val="000000">
+                <a:alpha val="48000"/>
+              </a:srgbClr>
+            </a:outerShdw>
+          </a:effectLst>
           <a:latin typeface="+mn-lt"/>
           <a:ea typeface="+mn-ea"/>
           <a:cs typeface="+mn-cs"/>
         </a:defRPr>
       </a:lvl8pPr>
-      <a:lvl9pPr marL="3886200" indent="-228600" algn="l" defTabSz="457200" rtl="0" eaLnBrk="1" latinLnBrk="0" hangingPunct="1">
+      <a:lvl9pPr marL="3886200" indent="-228600" algn="l" defTabSz="914400" rtl="0" eaLnBrk="1" latinLnBrk="0" hangingPunct="1">
+        <a:lnSpc>
+          <a:spcPct val="120000"/>
+        </a:lnSpc>
         <a:spcBef>
-          <a:spcPct val="20000"/>
+          <a:spcPts val="500"/>
         </a:spcBef>
-        <a:buFont typeface="Arial"/>
+        <a:buFont typeface="Arial" panose="020B0604020202020204" pitchFamily="34" charset="0"/>
         <a:buChar char="•"/>
-        <a:defRPr sz="2000" kern="1200">
+        <a:defRPr sz="1200" kern="1200">
           <a:solidFill>
             <a:schemeClr val="tx1"/>
           </a:solidFill>
+          <a:effectLst>
+            <a:outerShdw blurRad="50800" dist="38100" dir="2700000" algn="tl" rotWithShape="0">
+              <a:srgbClr val="000000">
+                <a:alpha val="48000"/>
+              </a:srgbClr>
+            </a:outerShdw>
+          </a:effectLst>
           <a:latin typeface="+mn-lt"/>
           <a:ea typeface="+mn-ea"/>
           <a:cs typeface="+mn-cs"/>
@@ -2989,7 +5966,7 @@
       <a:defPPr>
         <a:defRPr lang="en-US"/>
       </a:defPPr>
-      <a:lvl1pPr marL="0" algn="l" defTabSz="457200" rtl="0" eaLnBrk="1" latinLnBrk="0" hangingPunct="1">
+      <a:lvl1pPr marL="0" algn="l" defTabSz="914400" rtl="0" eaLnBrk="1" latinLnBrk="0" hangingPunct="1">
         <a:defRPr sz="1800" kern="1200">
           <a:solidFill>
             <a:schemeClr val="tx1"/>
@@ -2999,7 +5976,7 @@
           <a:cs typeface="+mn-cs"/>
         </a:defRPr>
       </a:lvl1pPr>
-      <a:lvl2pPr marL="457200" algn="l" defTabSz="457200" rtl="0" eaLnBrk="1" latinLnBrk="0" hangingPunct="1">
+      <a:lvl2pPr marL="457200" algn="l" defTabSz="914400" rtl="0" eaLnBrk="1" latinLnBrk="0" hangingPunct="1">
         <a:defRPr sz="1800" kern="1200">
           <a:solidFill>
             <a:schemeClr val="tx1"/>
@@ -3009,7 +5986,7 @@
           <a:cs typeface="+mn-cs"/>
         </a:defRPr>
       </a:lvl2pPr>
-      <a:lvl3pPr marL="914400" algn="l" defTabSz="457200" rtl="0" eaLnBrk="1" latinLnBrk="0" hangingPunct="1">
+      <a:lvl3pPr marL="914400" algn="l" defTabSz="914400" rtl="0" eaLnBrk="1" latinLnBrk="0" hangingPunct="1">
         <a:defRPr sz="1800" kern="1200">
           <a:solidFill>
             <a:schemeClr val="tx1"/>
@@ -3019,7 +5996,7 @@
           <a:cs typeface="+mn-cs"/>
         </a:defRPr>
       </a:lvl3pPr>
-      <a:lvl4pPr marL="1371600" algn="l" defTabSz="457200" rtl="0" eaLnBrk="1" latinLnBrk="0" hangingPunct="1">
+      <a:lvl4pPr marL="1371600" algn="l" defTabSz="914400" rtl="0" eaLnBrk="1" latinLnBrk="0" hangingPunct="1">
         <a:defRPr sz="1800" kern="1200">
           <a:solidFill>
             <a:schemeClr val="tx1"/>
@@ -3029,7 +6006,7 @@
           <a:cs typeface="+mn-cs"/>
         </a:defRPr>
       </a:lvl4pPr>
-      <a:lvl5pPr marL="1828800" algn="l" defTabSz="457200" rtl="0" eaLnBrk="1" latinLnBrk="0" hangingPunct="1">
+      <a:lvl5pPr marL="1828800" algn="l" defTabSz="914400" rtl="0" eaLnBrk="1" latinLnBrk="0" hangingPunct="1">
         <a:defRPr sz="1800" kern="1200">
           <a:solidFill>
             <a:schemeClr val="tx1"/>
@@ -3039,7 +6016,7 @@
           <a:cs typeface="+mn-cs"/>
         </a:defRPr>
       </a:lvl5pPr>
-      <a:lvl6pPr marL="2286000" algn="l" defTabSz="457200" rtl="0" eaLnBrk="1" latinLnBrk="0" hangingPunct="1">
+      <a:lvl6pPr marL="2286000" algn="l" defTabSz="914400" rtl="0" eaLnBrk="1" latinLnBrk="0" hangingPunct="1">
         <a:defRPr sz="1800" kern="1200">
           <a:solidFill>
             <a:schemeClr val="tx1"/>
@@ -3049,7 +6026,7 @@
           <a:cs typeface="+mn-cs"/>
         </a:defRPr>
       </a:lvl6pPr>
-      <a:lvl7pPr marL="2743200" algn="l" defTabSz="457200" rtl="0" eaLnBrk="1" latinLnBrk="0" hangingPunct="1">
+      <a:lvl7pPr marL="2743200" algn="l" defTabSz="914400" rtl="0" eaLnBrk="1" latinLnBrk="0" hangingPunct="1">
         <a:defRPr sz="1800" kern="1200">
           <a:solidFill>
             <a:schemeClr val="tx1"/>
@@ -3059,7 +6036,7 @@
           <a:cs typeface="+mn-cs"/>
         </a:defRPr>
       </a:lvl7pPr>
-      <a:lvl8pPr marL="3200400" algn="l" defTabSz="457200" rtl="0" eaLnBrk="1" latinLnBrk="0" hangingPunct="1">
+      <a:lvl8pPr marL="3200400" algn="l" defTabSz="914400" rtl="0" eaLnBrk="1" latinLnBrk="0" hangingPunct="1">
         <a:defRPr sz="1800" kern="1200">
           <a:solidFill>
             <a:schemeClr val="tx1"/>
@@ -3069,7 +6046,7 @@
           <a:cs typeface="+mn-cs"/>
         </a:defRPr>
       </a:lvl8pPr>
-      <a:lvl9pPr marL="3657600" algn="l" defTabSz="457200" rtl="0" eaLnBrk="1" latinLnBrk="0" hangingPunct="1">
+      <a:lvl9pPr marL="3657600" algn="l" defTabSz="914400" rtl="0" eaLnBrk="1" latinLnBrk="0" hangingPunct="1">
         <a:defRPr sz="1800" kern="1200">
           <a:solidFill>
             <a:schemeClr val="tx1"/>
@@ -3085,7 +6062,7 @@
 </file>
 
 <file path=ppt/slides/slide1.xml><?xml version="1.0" encoding="utf-8"?>
-<p:sld xmlns:a="http://schemas.openxmlformats.org/drawingml/2006/main" xmlns:p="http://schemas.openxmlformats.org/presentationml/2006/main" xmlns:r="http://schemas.openxmlformats.org/officeDocument/2006/relationships">
+<p:sld xmlns:a="http://schemas.openxmlformats.org/drawingml/2006/main" xmlns:r="http://schemas.openxmlformats.org/officeDocument/2006/relationships" xmlns:p="http://schemas.openxmlformats.org/presentationml/2006/main">
   <p:cSld>
     <p:spTree>
       <p:nvGrpSpPr>
@@ -3093,7 +6070,14 @@
         <p:cNvGrpSpPr/>
         <p:nvPr/>
       </p:nvGrpSpPr>
-      <p:grpSpPr/>
+      <p:grpSpPr>
+        <a:xfrm>
+          <a:off x="0" y="0"/>
+          <a:ext cx="0" cy="0"/>
+          <a:chOff x="0" y="0"/>
+          <a:chExt cx="0" cy="0"/>
+        </a:xfrm>
+      </p:grpSpPr>
       <p:sp>
         <p:nvSpPr>
           <p:cNvPr id="2" name="Title 1"/>
@@ -3145,7 +6129,7 @@
 </file>
 
 <file path=ppt/slides/slide2.xml><?xml version="1.0" encoding="utf-8"?>
-<p:sld xmlns:a="http://schemas.openxmlformats.org/drawingml/2006/main" xmlns:p="http://schemas.openxmlformats.org/presentationml/2006/main" xmlns:r="http://schemas.openxmlformats.org/officeDocument/2006/relationships">
+<p:sld xmlns:a="http://schemas.openxmlformats.org/drawingml/2006/main" xmlns:r="http://schemas.openxmlformats.org/officeDocument/2006/relationships" xmlns:p="http://schemas.openxmlformats.org/presentationml/2006/main">
   <p:cSld>
     <p:spTree>
       <p:nvGrpSpPr>
@@ -3153,7 +6137,14 @@
         <p:cNvGrpSpPr/>
         <p:nvPr/>
       </p:nvGrpSpPr>
-      <p:grpSpPr/>
+      <p:grpSpPr>
+        <a:xfrm>
+          <a:off x="0" y="0"/>
+          <a:ext cx="0" cy="0"/>
+          <a:chOff x="0" y="0"/>
+          <a:chExt cx="0" cy="0"/>
+        </a:xfrm>
+      </p:grpSpPr>
       <p:sp>
         <p:nvSpPr>
           <p:cNvPr id="2" name="Title 1"/>
@@ -3191,11 +6182,21 @@
           <a:lstStyle/>
           <a:p>
             <a:r>
-              <a:t>Problem: Existing study apps are fragmented, increasing cognitive load and limiting efficiency. </a:t>
-            </a:r>
-          </a:p>
-          <a:p>
-            <a:r>
+              <a:rPr dirty="0"/>
+              <a:t>Problem: Existing study apps are fragmented, </a:t>
+            </a:r>
+            <a:r>
+              <a:rPr b="1" dirty="0"/>
+              <a:t>increasing cognitive load</a:t>
+            </a:r>
+            <a:r>
+              <a:rPr dirty="0"/>
+              <a:t> and limiting efficiency. </a:t>
+            </a:r>
+          </a:p>
+          <a:p>
+            <a:r>
+              <a:rPr dirty="0"/>
               <a:t>Solution: AI Study Buddy integrates features such as note uploading, quiz generation, Pomodoro timer, gamification, knowledge gap detection, AI tutoring, multimodal input, and peer matching into one adaptive platform.</a:t>
             </a:r>
           </a:p>
@@ -3210,7 +6211,7 @@
 </file>
 
 <file path=ppt/slides/slide3.xml><?xml version="1.0" encoding="utf-8"?>
-<p:sld xmlns:a="http://schemas.openxmlformats.org/drawingml/2006/main" xmlns:p="http://schemas.openxmlformats.org/presentationml/2006/main" xmlns:r="http://schemas.openxmlformats.org/officeDocument/2006/relationships">
+<p:sld xmlns:a="http://schemas.openxmlformats.org/drawingml/2006/main" xmlns:r="http://schemas.openxmlformats.org/officeDocument/2006/relationships" xmlns:p="http://schemas.openxmlformats.org/presentationml/2006/main">
   <p:cSld>
     <p:spTree>
       <p:nvGrpSpPr>
@@ -3218,7 +6219,14 @@
         <p:cNvGrpSpPr/>
         <p:nvPr/>
       </p:nvGrpSpPr>
-      <p:grpSpPr/>
+      <p:grpSpPr>
+        <a:xfrm>
+          <a:off x="0" y="0"/>
+          <a:ext cx="0" cy="0"/>
+          <a:chOff x="0" y="0"/>
+          <a:chExt cx="0" cy="0"/>
+        </a:xfrm>
+      </p:grpSpPr>
       <p:sp>
         <p:nvSpPr>
           <p:cNvPr id="2" name="Title 1"/>
@@ -3256,21 +6264,185 @@
           <a:lstStyle/>
           <a:p>
             <a:r>
-              <a:t>MVP: Note uploading, automatic quiz generation, and a Pomodoro timer.</a:t>
-            </a:r>
-          </a:p>
-          <a:p>
-            <a:r>
-              <a:t>Methodology: SCRUM with two-week sprints, daily stand-ups, rotating Scrum Master.</a:t>
-            </a:r>
-          </a:p>
-          <a:p>
-            <a:r>
-              <a:t>Tech Stack: React SPA frontend, Node.js/Express microservices, Python/Flask for AI tasks, PostgreSQL, Redis, AWS S3, Kubernetes, Prometheus, Grafana, ELK stack.</a:t>
-            </a:r>
-          </a:p>
-        </p:txBody>
-      </p:sp>
+              <a:rPr b="1" dirty="0"/>
+              <a:t>MVP</a:t>
+            </a:r>
+            <a:r>
+              <a:rPr dirty="0"/>
+              <a:t>: Note uploading, automatic quiz generation, and a Pomodoro timer.</a:t>
+            </a:r>
+          </a:p>
+          <a:p>
+            <a:r>
+              <a:rPr b="1" dirty="0"/>
+              <a:t>Methodology</a:t>
+            </a:r>
+            <a:r>
+              <a:rPr dirty="0"/>
+              <a:t>:</a:t>
+            </a:r>
+            <a:r>
+              <a:rPr b="1" dirty="0"/>
+              <a:t> </a:t>
+            </a:r>
+            <a:r>
+              <a:rPr dirty="0"/>
+              <a:t>SCRUM with two-week sprints, daily stand-ups, rotating Scrum Master.</a:t>
+            </a:r>
+          </a:p>
+          <a:p>
+            <a:r>
+              <a:rPr b="1" dirty="0"/>
+              <a:t>Tech Stack</a:t>
+            </a:r>
+            <a:r>
+              <a:rPr dirty="0"/>
+              <a:t>: React SPA frontend, Node.js/Express microservices, Python/Flask for AI tasks, PostgreSQL, Redis, AWS S3, Kubernetes, Prometheus, Grafana, ELK stack.</a:t>
+            </a:r>
+          </a:p>
+        </p:txBody>
+      </p:sp>
+      <p:pic>
+        <p:nvPicPr>
+          <p:cNvPr id="1026" name="Picture 2" descr="React full logo">
+            <a:extLst>
+              <a:ext uri="{FF2B5EF4-FFF2-40B4-BE49-F238E27FC236}">
+                <a16:creationId xmlns:a16="http://schemas.microsoft.com/office/drawing/2014/main" id="{B4A0F60A-6273-3E21-A58E-9C7DDFDE6278}"/>
+              </a:ext>
+            </a:extLst>
+          </p:cNvPr>
+          <p:cNvPicPr>
+            <a:picLocks noChangeAspect="1" noChangeArrowheads="1"/>
+          </p:cNvPicPr>
+          <p:nvPr/>
+        </p:nvPicPr>
+        <p:blipFill>
+          <a:blip r:embed="rId2">
+            <a:extLst>
+              <a:ext uri="{28A0092B-C50C-407E-A947-70E740481C1C}">
+                <a14:useLocalDpi xmlns:a14="http://schemas.microsoft.com/office/drawing/2010/main" val="0"/>
+              </a:ext>
+            </a:extLst>
+          </a:blip>
+          <a:srcRect/>
+          <a:stretch>
+            <a:fillRect/>
+          </a:stretch>
+        </p:blipFill>
+        <p:spPr bwMode="auto">
+          <a:xfrm>
+            <a:off x="1420618" y="5419993"/>
+            <a:ext cx="993775" cy="944163"/>
+          </a:xfrm>
+          <a:prstGeom prst="rect">
+            <a:avLst/>
+          </a:prstGeom>
+          <a:noFill/>
+          <a:extLst>
+            <a:ext uri="{909E8E84-426E-40DD-AFC4-6F175D3DCCD1}">
+              <a14:hiddenFill xmlns:a14="http://schemas.microsoft.com/office/drawing/2010/main">
+                <a:solidFill>
+                  <a:srgbClr val="FFFFFF"/>
+                </a:solidFill>
+              </a14:hiddenFill>
+            </a:ext>
+          </a:extLst>
+        </p:spPr>
+      </p:pic>
+      <p:pic>
+        <p:nvPicPr>
+          <p:cNvPr id="1028" name="Picture 4" descr="Free node js logo nodejs vector">
+            <a:extLst>
+              <a:ext uri="{FF2B5EF4-FFF2-40B4-BE49-F238E27FC236}">
+                <a16:creationId xmlns:a16="http://schemas.microsoft.com/office/drawing/2014/main" id="{41B91720-46A5-D36D-D47E-C9CB14FC086D}"/>
+              </a:ext>
+            </a:extLst>
+          </p:cNvPr>
+          <p:cNvPicPr>
+            <a:picLocks noChangeAspect="1" noChangeArrowheads="1"/>
+          </p:cNvPicPr>
+          <p:nvPr/>
+        </p:nvPicPr>
+        <p:blipFill>
+          <a:blip r:embed="rId3">
+            <a:extLst>
+              <a:ext uri="{28A0092B-C50C-407E-A947-70E740481C1C}">
+                <a14:useLocalDpi xmlns:a14="http://schemas.microsoft.com/office/drawing/2010/main" val="0"/>
+              </a:ext>
+            </a:extLst>
+          </a:blip>
+          <a:srcRect/>
+          <a:stretch>
+            <a:fillRect/>
+          </a:stretch>
+        </p:blipFill>
+        <p:spPr bwMode="auto">
+          <a:xfrm>
+            <a:off x="3149665" y="5326559"/>
+            <a:ext cx="1689230" cy="844615"/>
+          </a:xfrm>
+          <a:prstGeom prst="rect">
+            <a:avLst/>
+          </a:prstGeom>
+          <a:noFill/>
+          <a:extLst>
+            <a:ext uri="{909E8E84-426E-40DD-AFC4-6F175D3DCCD1}">
+              <a14:hiddenFill xmlns:a14="http://schemas.microsoft.com/office/drawing/2010/main">
+                <a:solidFill>
+                  <a:srgbClr val="FFFFFF"/>
+                </a:solidFill>
+              </a14:hiddenFill>
+            </a:ext>
+          </a:extLst>
+        </p:spPr>
+      </p:pic>
+      <p:pic>
+        <p:nvPicPr>
+          <p:cNvPr id="1030" name="Picture 6" descr="PostgreSQL Logo PNG Vector">
+            <a:extLst>
+              <a:ext uri="{FF2B5EF4-FFF2-40B4-BE49-F238E27FC236}">
+                <a16:creationId xmlns:a16="http://schemas.microsoft.com/office/drawing/2014/main" id="{A8E9C15C-18C9-7575-FAC6-1FF88898C74C}"/>
+              </a:ext>
+            </a:extLst>
+          </p:cNvPr>
+          <p:cNvPicPr>
+            <a:picLocks noChangeAspect="1" noChangeArrowheads="1"/>
+          </p:cNvPicPr>
+          <p:nvPr/>
+        </p:nvPicPr>
+        <p:blipFill>
+          <a:blip r:embed="rId4">
+            <a:extLst>
+              <a:ext uri="{28A0092B-C50C-407E-A947-70E740481C1C}">
+                <a14:useLocalDpi xmlns:a14="http://schemas.microsoft.com/office/drawing/2010/main" val="0"/>
+              </a:ext>
+            </a:extLst>
+          </a:blip>
+          <a:srcRect/>
+          <a:stretch>
+            <a:fillRect/>
+          </a:stretch>
+        </p:blipFill>
+        <p:spPr bwMode="auto">
+          <a:xfrm>
+            <a:off x="5815272" y="4417278"/>
+            <a:ext cx="2747843" cy="2747843"/>
+          </a:xfrm>
+          <a:prstGeom prst="rect">
+            <a:avLst/>
+          </a:prstGeom>
+          <a:noFill/>
+          <a:extLst>
+            <a:ext uri="{909E8E84-426E-40DD-AFC4-6F175D3DCCD1}">
+              <a14:hiddenFill xmlns:a14="http://schemas.microsoft.com/office/drawing/2010/main">
+                <a:solidFill>
+                  <a:srgbClr val="FFFFFF"/>
+                </a:solidFill>
+              </a14:hiddenFill>
+            </a:ext>
+          </a:extLst>
+        </p:spPr>
+      </p:pic>
     </p:spTree>
   </p:cSld>
   <p:clrMapOvr>
@@ -3280,7 +6452,7 @@
 </file>
 
 <file path=ppt/slides/slide4.xml><?xml version="1.0" encoding="utf-8"?>
-<p:sld xmlns:a="http://schemas.openxmlformats.org/drawingml/2006/main" xmlns:p="http://schemas.openxmlformats.org/presentationml/2006/main" xmlns:r="http://schemas.openxmlformats.org/officeDocument/2006/relationships">
+<p:sld xmlns:a="http://schemas.openxmlformats.org/drawingml/2006/main" xmlns:r="http://schemas.openxmlformats.org/officeDocument/2006/relationships" xmlns:p="http://schemas.openxmlformats.org/presentationml/2006/main">
   <p:cSld>
     <p:spTree>
       <p:nvGrpSpPr>
@@ -3288,7 +6460,14 @@
         <p:cNvGrpSpPr/>
         <p:nvPr/>
       </p:nvGrpSpPr>
-      <p:grpSpPr/>
+      <p:grpSpPr>
+        <a:xfrm>
+          <a:off x="0" y="0"/>
+          <a:ext cx="0" cy="0"/>
+          <a:chOff x="0" y="0"/>
+          <a:chExt cx="0" cy="0"/>
+        </a:xfrm>
+      </p:grpSpPr>
       <p:sp>
         <p:nvSpPr>
           <p:cNvPr id="2" name="Title 1"/>
@@ -3326,21 +6505,118 @@
           <a:lstStyle/>
           <a:p>
             <a:r>
+              <a:rPr dirty="0"/>
               <a:t>Beta testing with diverse demographics.</a:t>
             </a:r>
           </a:p>
           <a:p>
             <a:r>
+              <a:rPr dirty="0"/>
               <a:t>Methods: Surveys, usability tasks, structured feedback.</a:t>
             </a:r>
           </a:p>
           <a:p>
             <a:r>
+              <a:rPr dirty="0"/>
               <a:t>Focus: Identify bugs, usability concerns, strengths, and refine the system accordingly.</a:t>
             </a:r>
           </a:p>
         </p:txBody>
       </p:sp>
+      <p:pic>
+        <p:nvPicPr>
+          <p:cNvPr id="3074" name="Picture 2">
+            <a:extLst>
+              <a:ext uri="{FF2B5EF4-FFF2-40B4-BE49-F238E27FC236}">
+                <a16:creationId xmlns:a16="http://schemas.microsoft.com/office/drawing/2014/main" id="{CA148EA0-9010-4D08-D4C3-409212C9A52A}"/>
+              </a:ext>
+            </a:extLst>
+          </p:cNvPr>
+          <p:cNvPicPr>
+            <a:picLocks noChangeAspect="1" noChangeArrowheads="1"/>
+          </p:cNvPicPr>
+          <p:nvPr/>
+        </p:nvPicPr>
+        <p:blipFill>
+          <a:blip r:embed="rId3">
+            <a:extLst>
+              <a:ext uri="{28A0092B-C50C-407E-A947-70E740481C1C}">
+                <a14:useLocalDpi xmlns:a14="http://schemas.microsoft.com/office/drawing/2010/main" val="0"/>
+              </a:ext>
+            </a:extLst>
+          </a:blip>
+          <a:srcRect/>
+          <a:stretch>
+            <a:fillRect/>
+          </a:stretch>
+        </p:blipFill>
+        <p:spPr bwMode="auto">
+          <a:xfrm>
+            <a:off x="67734" y="4433888"/>
+            <a:ext cx="9144000" cy="2011363"/>
+          </a:xfrm>
+          <a:prstGeom prst="rect">
+            <a:avLst/>
+          </a:prstGeom>
+          <a:noFill/>
+          <a:extLst>
+            <a:ext uri="{909E8E84-426E-40DD-AFC4-6F175D3DCCD1}">
+              <a14:hiddenFill xmlns:a14="http://schemas.microsoft.com/office/drawing/2010/main">
+                <a:solidFill>
+                  <a:srgbClr val="FFFFFF"/>
+                </a:solidFill>
+              </a14:hiddenFill>
+            </a:ext>
+          </a:extLst>
+        </p:spPr>
+      </p:pic>
+      <p:pic>
+        <p:nvPicPr>
+          <p:cNvPr id="3080" name="Picture 8">
+            <a:extLst>
+              <a:ext uri="{FF2B5EF4-FFF2-40B4-BE49-F238E27FC236}">
+                <a16:creationId xmlns:a16="http://schemas.microsoft.com/office/drawing/2014/main" id="{9847A526-356D-8300-CFAB-2D639E12BC4E}"/>
+              </a:ext>
+            </a:extLst>
+          </p:cNvPr>
+          <p:cNvPicPr>
+            <a:picLocks noChangeAspect="1" noChangeArrowheads="1"/>
+          </p:cNvPicPr>
+          <p:nvPr/>
+        </p:nvPicPr>
+        <p:blipFill>
+          <a:blip r:embed="rId4">
+            <a:extLst>
+              <a:ext uri="{28A0092B-C50C-407E-A947-70E740481C1C}">
+                <a14:useLocalDpi xmlns:a14="http://schemas.microsoft.com/office/drawing/2010/main" val="0"/>
+              </a:ext>
+            </a:extLst>
+          </a:blip>
+          <a:srcRect/>
+          <a:stretch>
+            <a:fillRect/>
+          </a:stretch>
+        </p:blipFill>
+        <p:spPr bwMode="auto">
+          <a:xfrm>
+            <a:off x="67734" y="4435475"/>
+            <a:ext cx="9144000" cy="2014537"/>
+          </a:xfrm>
+          <a:prstGeom prst="rect">
+            <a:avLst/>
+          </a:prstGeom>
+          <a:noFill/>
+          <a:extLst>
+            <a:ext uri="{909E8E84-426E-40DD-AFC4-6F175D3DCCD1}">
+              <a14:hiddenFill xmlns:a14="http://schemas.microsoft.com/office/drawing/2010/main">
+                <a:solidFill>
+                  <a:srgbClr val="FFFFFF"/>
+                </a:solidFill>
+              </a14:hiddenFill>
+            </a:ext>
+          </a:extLst>
+        </p:spPr>
+      </p:pic>
     </p:spTree>
   </p:cSld>
   <p:clrMapOvr>
@@ -3350,7 +6626,7 @@
 </file>
 
 <file path=ppt/slides/slide5.xml><?xml version="1.0" encoding="utf-8"?>
-<p:sld xmlns:a="http://schemas.openxmlformats.org/drawingml/2006/main" xmlns:p="http://schemas.openxmlformats.org/presentationml/2006/main" xmlns:r="http://schemas.openxmlformats.org/officeDocument/2006/relationships">
+<p:sld xmlns:a="http://schemas.openxmlformats.org/drawingml/2006/main" xmlns:r="http://schemas.openxmlformats.org/officeDocument/2006/relationships" xmlns:p="http://schemas.openxmlformats.org/presentationml/2006/main">
   <p:cSld>
     <p:spTree>
       <p:nvGrpSpPr>
@@ -3358,7 +6634,14 @@
         <p:cNvGrpSpPr/>
         <p:nvPr/>
       </p:nvGrpSpPr>
-      <p:grpSpPr/>
+      <p:grpSpPr>
+        <a:xfrm>
+          <a:off x="0" y="0"/>
+          <a:ext cx="0" cy="0"/>
+          <a:chOff x="0" y="0"/>
+          <a:chExt cx="0" cy="0"/>
+        </a:xfrm>
+      </p:grpSpPr>
       <p:sp>
         <p:nvSpPr>
           <p:cNvPr id="2" name="Title 1"/>
@@ -3396,21 +6679,83 @@
           <a:lstStyle/>
           <a:p>
             <a:r>
-              <a:t>Tool: Notion for task tracking and timeline management.</a:t>
-            </a:r>
-          </a:p>
-          <a:p>
-            <a:r>
-              <a:t>Deadlines: Internal deadlines one day before official submission.</a:t>
-            </a:r>
-          </a:p>
-          <a:p>
-            <a:r>
-              <a:t>Success: Functional product with minimal bugs; originality and strong design; high user satisfaction.</a:t>
-            </a:r>
-          </a:p>
-        </p:txBody>
-      </p:sp>
+              <a:rPr b="1" dirty="0"/>
+              <a:t>Tool</a:t>
+            </a:r>
+            <a:r>
+              <a:rPr dirty="0"/>
+              <a:t>: Notion for task tracking and timeline management.</a:t>
+            </a:r>
+          </a:p>
+          <a:p>
+            <a:r>
+              <a:rPr b="1" dirty="0"/>
+              <a:t>Deadlines</a:t>
+            </a:r>
+            <a:r>
+              <a:rPr dirty="0"/>
+              <a:t>: Internal deadlines one day before official submission.</a:t>
+            </a:r>
+          </a:p>
+          <a:p>
+            <a:r>
+              <a:rPr b="1" dirty="0"/>
+              <a:t>Success</a:t>
+            </a:r>
+            <a:r>
+              <a:rPr dirty="0"/>
+              <a:t>: Functional product with minimal bugs; originality and strong design; high user satisfaction.</a:t>
+            </a:r>
+          </a:p>
+        </p:txBody>
+      </p:sp>
+      <p:pic>
+        <p:nvPicPr>
+          <p:cNvPr id="2050" name="Picture 2" descr="Notion logo, productivity tool, organization software, workspace management, Notion Logo PNG">
+            <a:extLst>
+              <a:ext uri="{FF2B5EF4-FFF2-40B4-BE49-F238E27FC236}">
+                <a16:creationId xmlns:a16="http://schemas.microsoft.com/office/drawing/2014/main" id="{414356AF-4EC0-6023-6E7A-338B0D5F3547}"/>
+              </a:ext>
+            </a:extLst>
+          </p:cNvPr>
+          <p:cNvPicPr>
+            <a:picLocks noChangeAspect="1" noChangeArrowheads="1"/>
+          </p:cNvPicPr>
+          <p:nvPr/>
+        </p:nvPicPr>
+        <p:blipFill>
+          <a:blip r:embed="rId2">
+            <a:extLst>
+              <a:ext uri="{28A0092B-C50C-407E-A947-70E740481C1C}">
+                <a14:useLocalDpi xmlns:a14="http://schemas.microsoft.com/office/drawing/2010/main" val="0"/>
+              </a:ext>
+            </a:extLst>
+          </a:blip>
+          <a:srcRect/>
+          <a:stretch>
+            <a:fillRect/>
+          </a:stretch>
+        </p:blipFill>
+        <p:spPr bwMode="auto">
+          <a:xfrm>
+            <a:off x="864131" y="5526310"/>
+            <a:ext cx="1752070" cy="1238389"/>
+          </a:xfrm>
+          <a:prstGeom prst="rect">
+            <a:avLst/>
+          </a:prstGeom>
+          <a:noFill/>
+          <a:extLst>
+            <a:ext uri="{909E8E84-426E-40DD-AFC4-6F175D3DCCD1}">
+              <a14:hiddenFill xmlns:a14="http://schemas.microsoft.com/office/drawing/2010/main">
+                <a:solidFill>
+                  <a:srgbClr val="FFFFFF"/>
+                </a:solidFill>
+              </a14:hiddenFill>
+            </a:ext>
+          </a:extLst>
+        </p:spPr>
+      </p:pic>
     </p:spTree>
   </p:cSld>
   <p:clrMapOvr>
@@ -3420,7 +6765,7 @@
 </file>
 
 <file path=ppt/slides/slide6.xml><?xml version="1.0" encoding="utf-8"?>
-<p:sld xmlns:a="http://schemas.openxmlformats.org/drawingml/2006/main" xmlns:p="http://schemas.openxmlformats.org/presentationml/2006/main" xmlns:r="http://schemas.openxmlformats.org/officeDocument/2006/relationships">
+<p:sld xmlns:a="http://schemas.openxmlformats.org/drawingml/2006/main" xmlns:r="http://schemas.openxmlformats.org/officeDocument/2006/relationships" xmlns:p="http://schemas.openxmlformats.org/presentationml/2006/main">
   <p:cSld>
     <p:spTree>
       <p:nvGrpSpPr>
@@ -3428,7 +6773,14 @@
         <p:cNvGrpSpPr/>
         <p:nvPr/>
       </p:nvGrpSpPr>
-      <p:grpSpPr/>
+      <p:grpSpPr>
+        <a:xfrm>
+          <a:off x="0" y="0"/>
+          <a:ext cx="0" cy="0"/>
+          <a:chOff x="0" y="0"/>
+          <a:chExt cx="0" cy="0"/>
+        </a:xfrm>
+      </p:grpSpPr>
       <p:sp>
         <p:nvSpPr>
           <p:cNvPr id="2" name="Title 1"/>
@@ -3490,7 +6842,7 @@
 </file>
 
 <file path=ppt/slides/slide7.xml><?xml version="1.0" encoding="utf-8"?>
-<p:sld xmlns:a="http://schemas.openxmlformats.org/drawingml/2006/main" xmlns:p="http://schemas.openxmlformats.org/presentationml/2006/main" xmlns:r="http://schemas.openxmlformats.org/officeDocument/2006/relationships">
+<p:sld xmlns:a="http://schemas.openxmlformats.org/drawingml/2006/main" xmlns:r="http://schemas.openxmlformats.org/officeDocument/2006/relationships" xmlns:p="http://schemas.openxmlformats.org/presentationml/2006/main">
   <p:cSld>
     <p:spTree>
       <p:nvGrpSpPr>
@@ -3498,7 +6850,14 @@
         <p:cNvGrpSpPr/>
         <p:nvPr/>
       </p:nvGrpSpPr>
-      <p:grpSpPr/>
+      <p:grpSpPr>
+        <a:xfrm>
+          <a:off x="0" y="0"/>
+          <a:ext cx="0" cy="0"/>
+          <a:chOff x="0" y="0"/>
+          <a:chExt cx="0" cy="0"/>
+        </a:xfrm>
+      </p:grpSpPr>
       <p:sp>
         <p:nvSpPr>
           <p:cNvPr id="2" name="Title 1"/>
@@ -3564,10 +6923,225 @@
 </p:sld>
 </file>
 
+<file path=ppt/slides/slide8.xml><?xml version="1.0" encoding="utf-8"?>
+<p:sld xmlns:a="http://schemas.openxmlformats.org/drawingml/2006/main" xmlns:r="http://schemas.openxmlformats.org/officeDocument/2006/relationships" xmlns:p="http://schemas.openxmlformats.org/presentationml/2006/main">
+  <p:cSld>
+    <p:spTree>
+      <p:nvGrpSpPr>
+        <p:cNvPr id="1" name="">
+          <a:extLst>
+            <a:ext uri="{FF2B5EF4-FFF2-40B4-BE49-F238E27FC236}">
+              <a16:creationId xmlns:a16="http://schemas.microsoft.com/office/drawing/2014/main" id="{326E9133-F3AA-98CB-952D-2D9E1BB7E7C0}"/>
+            </a:ext>
+          </a:extLst>
+        </p:cNvPr>
+        <p:cNvGrpSpPr/>
+        <p:nvPr/>
+      </p:nvGrpSpPr>
+      <p:grpSpPr>
+        <a:xfrm>
+          <a:off x="0" y="0"/>
+          <a:ext cx="0" cy="0"/>
+          <a:chOff x="0" y="0"/>
+          <a:chExt cx="0" cy="0"/>
+        </a:xfrm>
+      </p:grpSpPr>
+      <p:sp>
+        <p:nvSpPr>
+          <p:cNvPr id="2" name="Title 1">
+            <a:extLst>
+              <a:ext uri="{FF2B5EF4-FFF2-40B4-BE49-F238E27FC236}">
+                <a16:creationId xmlns:a16="http://schemas.microsoft.com/office/drawing/2014/main" id="{D237BD02-8B13-DFB8-A8A7-6DDB79E72DE8}"/>
+              </a:ext>
+            </a:extLst>
+          </p:cNvPr>
+          <p:cNvSpPr>
+            <a:spLocks noGrp="1"/>
+          </p:cNvSpPr>
+          <p:nvPr>
+            <p:ph type="title"/>
+          </p:nvPr>
+        </p:nvSpPr>
+        <p:spPr/>
+        <p:txBody>
+          <a:bodyPr/>
+          <a:lstStyle/>
+          <a:p>
+            <a:r>
+              <a:rPr lang="en-US" dirty="0"/>
+              <a:t>Why This Project Matters</a:t>
+            </a:r>
+            <a:endParaRPr dirty="0"/>
+          </a:p>
+        </p:txBody>
+      </p:sp>
+      <p:sp>
+        <p:nvSpPr>
+          <p:cNvPr id="3" name="Content Placeholder 2">
+            <a:extLst>
+              <a:ext uri="{FF2B5EF4-FFF2-40B4-BE49-F238E27FC236}">
+                <a16:creationId xmlns:a16="http://schemas.microsoft.com/office/drawing/2014/main" id="{3E6EE35E-D4B3-5E9C-2FCF-BA4620623A7E}"/>
+              </a:ext>
+            </a:extLst>
+          </p:cNvPr>
+          <p:cNvSpPr>
+            <a:spLocks noGrp="1"/>
+          </p:cNvSpPr>
+          <p:nvPr>
+            <p:ph idx="1"/>
+          </p:nvPr>
+        </p:nvSpPr>
+        <p:spPr/>
+        <p:txBody>
+          <a:bodyPr/>
+          <a:lstStyle/>
+          <a:p>
+            <a:r>
+              <a:rPr lang="en-US" dirty="0"/>
+              <a:t>AI Study Buddy allows us to create an adaptive learning companion.</a:t>
+            </a:r>
+          </a:p>
+          <a:p>
+            <a:r>
+              <a:rPr lang="en-US" dirty="0"/>
+              <a:t>By gamifying the learning process, and personalising the experience, the user will have a substantially easier time studying their desired field.</a:t>
+            </a:r>
+          </a:p>
+          <a:p>
+            <a:r>
+              <a:rPr lang="en-US" dirty="0"/>
+              <a:t>Reduced stress and smarter learning.</a:t>
+            </a:r>
+            <a:endParaRPr dirty="0"/>
+          </a:p>
+        </p:txBody>
+      </p:sp>
+    </p:spTree>
+    <p:extLst>
+      <p:ext uri="{BB962C8B-B14F-4D97-AF65-F5344CB8AC3E}">
+        <p14:creationId xmlns:p14="http://schemas.microsoft.com/office/powerpoint/2010/main" val="4186137051"/>
+      </p:ext>
+    </p:extLst>
+  </p:cSld>
+  <p:clrMapOvr>
+    <a:masterClrMapping/>
+  </p:clrMapOvr>
+</p:sld>
+</file>
+
+<file path=ppt/slides/slide9.xml><?xml version="1.0" encoding="utf-8"?>
+<p:sld xmlns:a="http://schemas.openxmlformats.org/drawingml/2006/main" xmlns:r="http://schemas.openxmlformats.org/officeDocument/2006/relationships" xmlns:p="http://schemas.openxmlformats.org/presentationml/2006/main">
+  <p:cSld>
+    <p:spTree>
+      <p:nvGrpSpPr>
+        <p:cNvPr id="1" name="">
+          <a:extLst>
+            <a:ext uri="{FF2B5EF4-FFF2-40B4-BE49-F238E27FC236}">
+              <a16:creationId xmlns:a16="http://schemas.microsoft.com/office/drawing/2014/main" id="{745ECB09-1D90-94B7-D73C-7EC08EED18A8}"/>
+            </a:ext>
+          </a:extLst>
+        </p:cNvPr>
+        <p:cNvGrpSpPr/>
+        <p:nvPr/>
+      </p:nvGrpSpPr>
+      <p:grpSpPr>
+        <a:xfrm>
+          <a:off x="0" y="0"/>
+          <a:ext cx="0" cy="0"/>
+          <a:chOff x="0" y="0"/>
+          <a:chExt cx="0" cy="0"/>
+        </a:xfrm>
+      </p:grpSpPr>
+      <p:sp>
+        <p:nvSpPr>
+          <p:cNvPr id="2" name="Title 1">
+            <a:extLst>
+              <a:ext uri="{FF2B5EF4-FFF2-40B4-BE49-F238E27FC236}">
+                <a16:creationId xmlns:a16="http://schemas.microsoft.com/office/drawing/2014/main" id="{50BEC35C-073B-171B-FB6C-B4D9F79254A9}"/>
+              </a:ext>
+            </a:extLst>
+          </p:cNvPr>
+          <p:cNvSpPr>
+            <a:spLocks noGrp="1"/>
+          </p:cNvSpPr>
+          <p:nvPr>
+            <p:ph type="title"/>
+          </p:nvPr>
+        </p:nvSpPr>
+        <p:spPr>
+          <a:xfrm>
+            <a:off x="3162314" y="567269"/>
+            <a:ext cx="3150053" cy="1326321"/>
+          </a:xfrm>
+        </p:spPr>
+        <p:txBody>
+          <a:bodyPr/>
+          <a:lstStyle/>
+          <a:p>
+            <a:r>
+              <a:rPr lang="en-US" dirty="0"/>
+              <a:t>Thank You</a:t>
+            </a:r>
+            <a:endParaRPr dirty="0"/>
+          </a:p>
+        </p:txBody>
+      </p:sp>
+      <p:sp>
+        <p:nvSpPr>
+          <p:cNvPr id="3" name="Content Placeholder 2">
+            <a:extLst>
+              <a:ext uri="{FF2B5EF4-FFF2-40B4-BE49-F238E27FC236}">
+                <a16:creationId xmlns:a16="http://schemas.microsoft.com/office/drawing/2014/main" id="{C2444B57-A428-5173-3813-88FE2A8ABB74}"/>
+              </a:ext>
+            </a:extLst>
+          </p:cNvPr>
+          <p:cNvSpPr>
+            <a:spLocks noGrp="1"/>
+          </p:cNvSpPr>
+          <p:nvPr>
+            <p:ph idx="1"/>
+          </p:nvPr>
+        </p:nvSpPr>
+        <p:spPr>
+          <a:xfrm>
+            <a:off x="854679" y="2315650"/>
+            <a:ext cx="7765322" cy="1654669"/>
+          </a:xfrm>
+        </p:spPr>
+        <p:txBody>
+          <a:bodyPr>
+            <a:normAutofit/>
+          </a:bodyPr>
+          <a:lstStyle/>
+          <a:p>
+            <a:pPr marL="0" indent="0">
+              <a:buNone/>
+            </a:pPr>
+            <a:r>
+              <a:rPr lang="en-US" sz="8000" dirty="0"/>
+              <a:t>Any Questions?</a:t>
+            </a:r>
+            <a:endParaRPr sz="8000" dirty="0"/>
+          </a:p>
+        </p:txBody>
+      </p:sp>
+    </p:spTree>
+    <p:extLst>
+      <p:ext uri="{BB962C8B-B14F-4D97-AF65-F5344CB8AC3E}">
+        <p14:creationId xmlns:p14="http://schemas.microsoft.com/office/powerpoint/2010/main" val="2064260129"/>
+      </p:ext>
+    </p:extLst>
+  </p:cSld>
+  <p:clrMapOvr>
+    <a:masterClrMapping/>
+  </p:clrMapOvr>
+</p:sld>
+</file>
+
 <file path=ppt/theme/theme1.xml><?xml version="1.0" encoding="utf-8"?>
-<a:theme xmlns:a="http://schemas.openxmlformats.org/drawingml/2006/main" name="Office Theme">
+<a:theme xmlns:a="http://schemas.openxmlformats.org/drawingml/2006/main" name="Damask">
   <a:themeElements>
-    <a:clrScheme name="Office">
+    <a:clrScheme name="Damask">
       <a:dk1>
         <a:sysClr val="windowText" lastClr="000000"/>
       </a:dk1>
@@ -3575,39 +7149,39 @@
         <a:sysClr val="window" lastClr="FFFFFF"/>
       </a:lt1>
       <a:dk2>
-        <a:srgbClr val="1F497D"/>
+        <a:srgbClr val="2A5B7F"/>
       </a:dk2>
       <a:lt2>
-        <a:srgbClr val="EEECE1"/>
+        <a:srgbClr val="ABDAFC"/>
       </a:lt2>
       <a:accent1>
-        <a:srgbClr val="4F81BD"/>
+        <a:srgbClr val="9EC544"/>
       </a:accent1>
       <a:accent2>
-        <a:srgbClr val="C0504D"/>
+        <a:srgbClr val="50BEA3"/>
       </a:accent2>
       <a:accent3>
-        <a:srgbClr val="9BBB59"/>
+        <a:srgbClr val="4A9CCC"/>
       </a:accent3>
       <a:accent4>
-        <a:srgbClr val="8064A2"/>
+        <a:srgbClr val="9A66CA"/>
       </a:accent4>
       <a:accent5>
-        <a:srgbClr val="4BACC6"/>
+        <a:srgbClr val="C54F71"/>
       </a:accent5>
       <a:accent6>
-        <a:srgbClr val="F79646"/>
+        <a:srgbClr val="DE9C3C"/>
       </a:accent6>
       <a:hlink>
-        <a:srgbClr val="0000FF"/>
+        <a:srgbClr val="6BA9DA"/>
       </a:hlink>
       <a:folHlink>
-        <a:srgbClr val="800080"/>
+        <a:srgbClr val="A0BCD3"/>
       </a:folHlink>
     </a:clrScheme>
-    <a:fontScheme name="Office">
+    <a:fontScheme name="Damask">
       <a:majorFont>
-        <a:latin typeface="Calibri"/>
+        <a:latin typeface="Bookman Old Style" panose="02050604050505020204"/>
         <a:ea typeface=""/>
         <a:cs typeface=""/>
         <a:font script="Jpan" typeface="ＭＳ Ｐゴシック"/>
@@ -3642,7 +7216,7 @@
         <a:font script="Geor" typeface="Sylfaen"/>
       </a:majorFont>
       <a:minorFont>
-        <a:latin typeface="Calibri"/>
+        <a:latin typeface="Rockwell" panose="02060603020205020403"/>
         <a:ea typeface=""/>
         <a:cs typeface=""/>
         <a:font script="Jpan" typeface="ＭＳ Ｐゴシック"/>
@@ -3677,6 +7251,296 @@
         <a:font script="Geor" typeface="Sylfaen"/>
       </a:minorFont>
     </a:fontScheme>
+    <a:fmtScheme name="Damask">
+      <a:fillStyleLst>
+        <a:solidFill>
+          <a:schemeClr val="phClr"/>
+        </a:solidFill>
+        <a:gradFill rotWithShape="1">
+          <a:gsLst>
+            <a:gs pos="0">
+              <a:schemeClr val="phClr">
+                <a:tint val="48000"/>
+                <a:satMod val="105000"/>
+                <a:lumMod val="110000"/>
+              </a:schemeClr>
+            </a:gs>
+            <a:gs pos="100000">
+              <a:schemeClr val="phClr">
+                <a:tint val="78000"/>
+                <a:satMod val="109000"/>
+                <a:lumMod val="100000"/>
+              </a:schemeClr>
+            </a:gs>
+          </a:gsLst>
+          <a:lin ang="5400000" scaled="0"/>
+        </a:gradFill>
+        <a:gradFill rotWithShape="1">
+          <a:gsLst>
+            <a:gs pos="0">
+              <a:schemeClr val="phClr">
+                <a:tint val="94000"/>
+                <a:satMod val="100000"/>
+                <a:lumMod val="104000"/>
+              </a:schemeClr>
+            </a:gs>
+            <a:gs pos="69000">
+              <a:schemeClr val="phClr">
+                <a:shade val="86000"/>
+                <a:satMod val="130000"/>
+                <a:lumMod val="102000"/>
+              </a:schemeClr>
+            </a:gs>
+            <a:gs pos="100000">
+              <a:schemeClr val="phClr">
+                <a:shade val="72000"/>
+                <a:satMod val="130000"/>
+                <a:lumMod val="100000"/>
+              </a:schemeClr>
+            </a:gs>
+          </a:gsLst>
+          <a:lin ang="5400000" scaled="0"/>
+        </a:gradFill>
+      </a:fillStyleLst>
+      <a:lnStyleLst>
+        <a:ln w="12700" cap="flat" cmpd="sng" algn="ctr">
+          <a:solidFill>
+            <a:schemeClr val="phClr"/>
+          </a:solidFill>
+          <a:prstDash val="solid"/>
+        </a:ln>
+        <a:ln w="19050" cap="flat" cmpd="sng" algn="ctr">
+          <a:solidFill>
+            <a:schemeClr val="phClr"/>
+          </a:solidFill>
+          <a:prstDash val="solid"/>
+        </a:ln>
+        <a:ln w="25400" cap="flat" cmpd="sng" algn="ctr">
+          <a:solidFill>
+            <a:schemeClr val="phClr"/>
+          </a:solidFill>
+          <a:prstDash val="solid"/>
+        </a:ln>
+      </a:lnStyleLst>
+      <a:effectStyleLst>
+        <a:effectStyle>
+          <a:effectLst/>
+        </a:effectStyle>
+        <a:effectStyle>
+          <a:effectLst>
+            <a:outerShdw blurRad="50800" dist="38100" dir="5400000" sy="96000" rotWithShape="0">
+              <a:srgbClr val="000000">
+                <a:alpha val="54000"/>
+              </a:srgbClr>
+            </a:outerShdw>
+          </a:effectLst>
+        </a:effectStyle>
+        <a:effectStyle>
+          <a:effectLst>
+            <a:outerShdw blurRad="76200" dist="38100" dir="5400000" algn="ctr" rotWithShape="0">
+              <a:srgbClr val="000000">
+                <a:alpha val="76000"/>
+              </a:srgbClr>
+            </a:outerShdw>
+          </a:effectLst>
+          <a:scene3d>
+            <a:camera prst="orthographicFront">
+              <a:rot lat="0" lon="0" rev="0"/>
+            </a:camera>
+            <a:lightRig rig="balanced" dir="t"/>
+          </a:scene3d>
+          <a:sp3d prstMaterial="matte">
+            <a:bevelT w="25400" h="25400" prst="relaxedInset"/>
+          </a:sp3d>
+        </a:effectStyle>
+      </a:effectStyleLst>
+      <a:bgFillStyleLst>
+        <a:solidFill>
+          <a:schemeClr val="phClr"/>
+        </a:solidFill>
+        <a:solidFill>
+          <a:schemeClr val="phClr">
+            <a:tint val="95000"/>
+            <a:satMod val="170000"/>
+          </a:schemeClr>
+        </a:solidFill>
+        <a:blipFill rotWithShape="1">
+          <a:blip xmlns:r="http://schemas.openxmlformats.org/officeDocument/2006/relationships" r:embed="rId1">
+            <a:duotone>
+              <a:schemeClr val="phClr">
+                <a:shade val="18000"/>
+                <a:satMod val="160000"/>
+                <a:lumMod val="28000"/>
+              </a:schemeClr>
+              <a:schemeClr val="phClr">
+                <a:tint val="95000"/>
+                <a:satMod val="160000"/>
+                <a:lumMod val="116000"/>
+              </a:schemeClr>
+            </a:duotone>
+          </a:blip>
+          <a:stretch/>
+        </a:blipFill>
+      </a:bgFillStyleLst>
+    </a:fmtScheme>
+  </a:themeElements>
+  <a:objectDefaults/>
+  <a:extraClrSchemeLst/>
+  <a:extLst>
+    <a:ext uri="{05A4C25C-085E-4340-85A3-A5531E510DB2}">
+      <thm15:themeFamily xmlns:thm15="http://schemas.microsoft.com/office/thememl/2012/main" name="Damask" id="{F9A299A0-33D0-4E0F-9F3F-7163E3744208}" vid="{746EEEEA-FB6A-406B-B510-531588D54811}"/>
+    </a:ext>
+  </a:extLst>
+</a:theme>
+</file>
+
+<file path=ppt/theme/theme2.xml><?xml version="1.0" encoding="utf-8"?>
+<a:theme xmlns:a="http://schemas.openxmlformats.org/drawingml/2006/main" name="Office Theme">
+  <a:themeElements>
+    <a:clrScheme name="Office">
+      <a:dk1>
+        <a:sysClr val="windowText" lastClr="000000"/>
+      </a:dk1>
+      <a:lt1>
+        <a:sysClr val="window" lastClr="FFFFFF"/>
+      </a:lt1>
+      <a:dk2>
+        <a:srgbClr val="44546A"/>
+      </a:dk2>
+      <a:lt2>
+        <a:srgbClr val="E7E6E6"/>
+      </a:lt2>
+      <a:accent1>
+        <a:srgbClr val="4472C4"/>
+      </a:accent1>
+      <a:accent2>
+        <a:srgbClr val="ED7D31"/>
+      </a:accent2>
+      <a:accent3>
+        <a:srgbClr val="A5A5A5"/>
+      </a:accent3>
+      <a:accent4>
+        <a:srgbClr val="FFC000"/>
+      </a:accent4>
+      <a:accent5>
+        <a:srgbClr val="5B9BD5"/>
+      </a:accent5>
+      <a:accent6>
+        <a:srgbClr val="70AD47"/>
+      </a:accent6>
+      <a:hlink>
+        <a:srgbClr val="0563C1"/>
+      </a:hlink>
+      <a:folHlink>
+        <a:srgbClr val="954F72"/>
+      </a:folHlink>
+    </a:clrScheme>
+    <a:fontScheme name="Office">
+      <a:majorFont>
+        <a:latin typeface="Calibri Light" panose="020F0302020204030204"/>
+        <a:ea typeface=""/>
+        <a:cs typeface=""/>
+        <a:font script="Jpan" typeface="游ゴシック Light"/>
+        <a:font script="Hang" typeface="맑은 고딕"/>
+        <a:font script="Hans" typeface="等线 Light"/>
+        <a:font script="Hant" typeface="新細明體"/>
+        <a:font script="Arab" typeface="Times New Roman"/>
+        <a:font script="Hebr" typeface="Times New Roman"/>
+        <a:font script="Thai" typeface="Angsana New"/>
+        <a:font script="Ethi" typeface="Nyala"/>
+        <a:font script="Beng" typeface="Vrinda"/>
+        <a:font script="Gujr" typeface="Shruti"/>
+        <a:font script="Khmr" typeface="MoolBoran"/>
+        <a:font script="Knda" typeface="Tunga"/>
+        <a:font script="Guru" typeface="Raavi"/>
+        <a:font script="Cans" typeface="Euphemia"/>
+        <a:font script="Cher" typeface="Plantagenet Cherokee"/>
+        <a:font script="Yiii" typeface="Microsoft Yi Baiti"/>
+        <a:font script="Tibt" typeface="Microsoft Himalaya"/>
+        <a:font script="Thaa" typeface="MV Boli"/>
+        <a:font script="Deva" typeface="Mangal"/>
+        <a:font script="Telu" typeface="Gautami"/>
+        <a:font script="Taml" typeface="Latha"/>
+        <a:font script="Syrc" typeface="Estrangelo Edessa"/>
+        <a:font script="Orya" typeface="Kalinga"/>
+        <a:font script="Mlym" typeface="Kartika"/>
+        <a:font script="Laoo" typeface="DokChampa"/>
+        <a:font script="Sinh" typeface="Iskoola Pota"/>
+        <a:font script="Mong" typeface="Mongolian Baiti"/>
+        <a:font script="Viet" typeface="Times New Roman"/>
+        <a:font script="Uigh" typeface="Microsoft Uighur"/>
+        <a:font script="Geor" typeface="Sylfaen"/>
+        <a:font script="Armn" typeface="Arial"/>
+        <a:font script="Bugi" typeface="Leelawadee UI"/>
+        <a:font script="Bopo" typeface="Microsoft JhengHei"/>
+        <a:font script="Java" typeface="Javanese Text"/>
+        <a:font script="Lisu" typeface="Segoe UI"/>
+        <a:font script="Mymr" typeface="Myanmar Text"/>
+        <a:font script="Nkoo" typeface="Ebrima"/>
+        <a:font script="Olck" typeface="Nirmala UI"/>
+        <a:font script="Osma" typeface="Ebrima"/>
+        <a:font script="Phag" typeface="Phagspa"/>
+        <a:font script="Syrn" typeface="Estrangelo Edessa"/>
+        <a:font script="Syrj" typeface="Estrangelo Edessa"/>
+        <a:font script="Syre" typeface="Estrangelo Edessa"/>
+        <a:font script="Sora" typeface="Nirmala UI"/>
+        <a:font script="Tale" typeface="Microsoft Tai Le"/>
+        <a:font script="Talu" typeface="Microsoft New Tai Lue"/>
+        <a:font script="Tfng" typeface="Ebrima"/>
+      </a:majorFont>
+      <a:minorFont>
+        <a:latin typeface="Calibri" panose="020F0502020204030204"/>
+        <a:ea typeface=""/>
+        <a:cs typeface=""/>
+        <a:font script="Jpan" typeface="游ゴシック"/>
+        <a:font script="Hang" typeface="맑은 고딕"/>
+        <a:font script="Hans" typeface="等线"/>
+        <a:font script="Hant" typeface="新細明體"/>
+        <a:font script="Arab" typeface="Arial"/>
+        <a:font script="Hebr" typeface="Arial"/>
+        <a:font script="Thai" typeface="Cordia New"/>
+        <a:font script="Ethi" typeface="Nyala"/>
+        <a:font script="Beng" typeface="Vrinda"/>
+        <a:font script="Gujr" typeface="Shruti"/>
+        <a:font script="Khmr" typeface="DaunPenh"/>
+        <a:font script="Knda" typeface="Tunga"/>
+        <a:font script="Guru" typeface="Raavi"/>
+        <a:font script="Cans" typeface="Euphemia"/>
+        <a:font script="Cher" typeface="Plantagenet Cherokee"/>
+        <a:font script="Yiii" typeface="Microsoft Yi Baiti"/>
+        <a:font script="Tibt" typeface="Microsoft Himalaya"/>
+        <a:font script="Thaa" typeface="MV Boli"/>
+        <a:font script="Deva" typeface="Mangal"/>
+        <a:font script="Telu" typeface="Gautami"/>
+        <a:font script="Taml" typeface="Latha"/>
+        <a:font script="Syrc" typeface="Estrangelo Edessa"/>
+        <a:font script="Orya" typeface="Kalinga"/>
+        <a:font script="Mlym" typeface="Kartika"/>
+        <a:font script="Laoo" typeface="DokChampa"/>
+        <a:font script="Sinh" typeface="Iskoola Pota"/>
+        <a:font script="Mong" typeface="Mongolian Baiti"/>
+        <a:font script="Viet" typeface="Arial"/>
+        <a:font script="Uigh" typeface="Microsoft Uighur"/>
+        <a:font script="Geor" typeface="Sylfaen"/>
+        <a:font script="Armn" typeface="Arial"/>
+        <a:font script="Bugi" typeface="Leelawadee UI"/>
+        <a:font script="Bopo" typeface="Microsoft JhengHei"/>
+        <a:font script="Java" typeface="Javanese Text"/>
+        <a:font script="Lisu" typeface="Segoe UI"/>
+        <a:font script="Mymr" typeface="Myanmar Text"/>
+        <a:font script="Nkoo" typeface="Ebrima"/>
+        <a:font script="Olck" typeface="Nirmala UI"/>
+        <a:font script="Osma" typeface="Ebrima"/>
+        <a:font script="Phag" typeface="Phagspa"/>
+        <a:font script="Syrn" typeface="Estrangelo Edessa"/>
+        <a:font script="Syrj" typeface="Estrangelo Edessa"/>
+        <a:font script="Syre" typeface="Estrangelo Edessa"/>
+        <a:font script="Sora" typeface="Nirmala UI"/>
+        <a:font script="Tale" typeface="Microsoft Tai Le"/>
+        <a:font script="Talu" typeface="Microsoft New Tai Lue"/>
+        <a:font script="Tfng" typeface="Ebrima"/>
+      </a:minorFont>
+    </a:fontScheme>
     <a:fmtScheme name="Office">
       <a:fillStyleLst>
         <a:solidFill>
@@ -3686,200 +7550,141 @@
           <a:gsLst>
             <a:gs pos="0">
               <a:schemeClr val="phClr">
-                <a:tint val="50000"/>
-                <a:satMod val="300000"/>
+                <a:lumMod val="110000"/>
+                <a:satMod val="105000"/>
+                <a:tint val="67000"/>
               </a:schemeClr>
             </a:gs>
-            <a:gs pos="35000">
+            <a:gs pos="50000">
               <a:schemeClr val="phClr">
-                <a:tint val="37000"/>
-                <a:satMod val="300000"/>
+                <a:lumMod val="105000"/>
+                <a:satMod val="103000"/>
+                <a:tint val="73000"/>
               </a:schemeClr>
             </a:gs>
             <a:gs pos="100000">
               <a:schemeClr val="phClr">
-                <a:tint val="15000"/>
-                <a:satMod val="350000"/>
+                <a:lumMod val="105000"/>
+                <a:satMod val="109000"/>
+                <a:tint val="81000"/>
               </a:schemeClr>
             </a:gs>
           </a:gsLst>
-          <a:lin ang="16200000" scaled="1"/>
+          <a:lin ang="5400000" scaled="0"/>
         </a:gradFill>
         <a:gradFill rotWithShape="1">
           <a:gsLst>
             <a:gs pos="0">
               <a:schemeClr val="phClr">
-                <a:tint val="100000"/>
+                <a:satMod val="103000"/>
+                <a:lumMod val="102000"/>
+                <a:tint val="94000"/>
+              </a:schemeClr>
+            </a:gs>
+            <a:gs pos="50000">
+              <a:schemeClr val="phClr">
+                <a:satMod val="110000"/>
+                <a:lumMod val="100000"/>
                 <a:shade val="100000"/>
-                <a:satMod val="130000"/>
               </a:schemeClr>
             </a:gs>
             <a:gs pos="100000">
               <a:schemeClr val="phClr">
-                <a:tint val="50000"/>
-                <a:shade val="100000"/>
-                <a:satMod val="350000"/>
+                <a:lumMod val="99000"/>
+                <a:satMod val="120000"/>
+                <a:shade val="78000"/>
               </a:schemeClr>
             </a:gs>
           </a:gsLst>
-          <a:lin ang="16200000" scaled="0"/>
+          <a:lin ang="5400000" scaled="0"/>
         </a:gradFill>
       </a:fillStyleLst>
       <a:lnStyleLst>
-        <a:ln w="9525" cap="flat" cmpd="sng" algn="ctr">
-          <a:solidFill>
-            <a:schemeClr val="phClr">
-              <a:shade val="95000"/>
-              <a:satMod val="105000"/>
-            </a:schemeClr>
-          </a:solidFill>
-          <a:prstDash val="solid"/>
-        </a:ln>
-        <a:ln w="25400" cap="flat" cmpd="sng" algn="ctr">
+        <a:ln w="6350" cap="flat" cmpd="sng" algn="ctr">
           <a:solidFill>
             <a:schemeClr val="phClr"/>
           </a:solidFill>
           <a:prstDash val="solid"/>
+          <a:miter lim="800000"/>
         </a:ln>
-        <a:ln w="38100" cap="flat" cmpd="sng" algn="ctr">
+        <a:ln w="12700" cap="flat" cmpd="sng" algn="ctr">
           <a:solidFill>
             <a:schemeClr val="phClr"/>
           </a:solidFill>
           <a:prstDash val="solid"/>
+          <a:miter lim="800000"/>
+        </a:ln>
+        <a:ln w="19050" cap="flat" cmpd="sng" algn="ctr">
+          <a:solidFill>
+            <a:schemeClr val="phClr"/>
+          </a:solidFill>
+          <a:prstDash val="solid"/>
+          <a:miter lim="800000"/>
         </a:ln>
       </a:lnStyleLst>
       <a:effectStyleLst>
         <a:effectStyle>
+          <a:effectLst/>
+        </a:effectStyle>
+        <a:effectStyle>
+          <a:effectLst/>
+        </a:effectStyle>
+        <a:effectStyle>
           <a:effectLst>
-            <a:outerShdw blurRad="40000" dist="20000" dir="5400000" rotWithShape="0">
+            <a:outerShdw blurRad="57150" dist="19050" dir="5400000" algn="ctr" rotWithShape="0">
               <a:srgbClr val="000000">
-                <a:alpha val="38000"/>
+                <a:alpha val="63000"/>
               </a:srgbClr>
             </a:outerShdw>
           </a:effectLst>
-        </a:effectStyle>
-        <a:effectStyle>
-          <a:effectLst>
-            <a:outerShdw blurRad="40000" dist="23000" dir="5400000" rotWithShape="0">
-              <a:srgbClr val="000000">
-                <a:alpha val="35000"/>
-              </a:srgbClr>
-            </a:outerShdw>
-          </a:effectLst>
-        </a:effectStyle>
-        <a:effectStyle>
-          <a:effectLst>
-            <a:outerShdw blurRad="40000" dist="23000" dir="5400000" rotWithShape="0">
-              <a:srgbClr val="000000">
-                <a:alpha val="35000"/>
-              </a:srgbClr>
-            </a:outerShdw>
-          </a:effectLst>
-          <a:scene3d>
-            <a:camera prst="orthographicFront">
-              <a:rot lat="0" lon="0" rev="0"/>
-            </a:camera>
-            <a:lightRig rig="threePt" dir="t">
-              <a:rot lat="0" lon="0" rev="1200000"/>
-            </a:lightRig>
-          </a:scene3d>
-          <a:sp3d>
-            <a:bevelT w="63500" h="25400"/>
-          </a:sp3d>
         </a:effectStyle>
       </a:effectStyleLst>
       <a:bgFillStyleLst>
         <a:solidFill>
           <a:schemeClr val="phClr"/>
         </a:solidFill>
+        <a:solidFill>
+          <a:schemeClr val="phClr">
+            <a:tint val="95000"/>
+            <a:satMod val="170000"/>
+          </a:schemeClr>
+        </a:solidFill>
         <a:gradFill rotWithShape="1">
           <a:gsLst>
             <a:gs pos="0">
               <a:schemeClr val="phClr">
-                <a:tint val="40000"/>
-                <a:satMod val="350000"/>
+                <a:tint val="93000"/>
+                <a:satMod val="150000"/>
+                <a:shade val="98000"/>
+                <a:lumMod val="102000"/>
               </a:schemeClr>
             </a:gs>
-            <a:gs pos="40000">
+            <a:gs pos="50000">
               <a:schemeClr val="phClr">
-                <a:tint val="45000"/>
-                <a:shade val="99000"/>
-                <a:satMod val="350000"/>
+                <a:tint val="98000"/>
+                <a:satMod val="130000"/>
+                <a:shade val="90000"/>
+                <a:lumMod val="103000"/>
               </a:schemeClr>
             </a:gs>
             <a:gs pos="100000">
               <a:schemeClr val="phClr">
-                <a:shade val="20000"/>
-                <a:satMod val="255000"/>
+                <a:shade val="63000"/>
+                <a:satMod val="120000"/>
               </a:schemeClr>
             </a:gs>
           </a:gsLst>
-          <a:path path="circle">
-            <a:fillToRect l="50000" t="-80000" r="50000" b="180000"/>
-          </a:path>
-        </a:gradFill>
-        <a:gradFill rotWithShape="1">
-          <a:gsLst>
-            <a:gs pos="0">
-              <a:schemeClr val="phClr">
-                <a:tint val="80000"/>
-                <a:satMod val="300000"/>
-              </a:schemeClr>
-            </a:gs>
-            <a:gs pos="100000">
-              <a:schemeClr val="phClr">
-                <a:shade val="30000"/>
-                <a:satMod val="200000"/>
-              </a:schemeClr>
-            </a:gs>
-          </a:gsLst>
-          <a:path path="circle">
-            <a:fillToRect l="50000" t="50000" r="50000" b="50000"/>
-          </a:path>
+          <a:lin ang="5400000" scaled="0"/>
         </a:gradFill>
       </a:bgFillStyleLst>
     </a:fmtScheme>
   </a:themeElements>
-  <a:objectDefaults>
-    <a:spDef>
-      <a:spPr/>
-      <a:bodyPr/>
-      <a:lstStyle/>
-      <a:style>
-        <a:lnRef idx="1">
-          <a:schemeClr val="accent1"/>
-        </a:lnRef>
-        <a:fillRef idx="3">
-          <a:schemeClr val="accent1"/>
-        </a:fillRef>
-        <a:effectRef idx="2">
-          <a:schemeClr val="accent1"/>
-        </a:effectRef>
-        <a:fontRef idx="minor">
-          <a:schemeClr val="lt1"/>
-        </a:fontRef>
-      </a:style>
-    </a:spDef>
-    <a:lnDef>
-      <a:spPr/>
-      <a:bodyPr/>
-      <a:lstStyle/>
-      <a:style>
-        <a:lnRef idx="2">
-          <a:schemeClr val="accent1"/>
-        </a:lnRef>
-        <a:fillRef idx="0">
-          <a:schemeClr val="accent1"/>
-        </a:fillRef>
-        <a:effectRef idx="1">
-          <a:schemeClr val="accent1"/>
-        </a:effectRef>
-        <a:fontRef idx="minor">
-          <a:schemeClr val="tx1"/>
-        </a:fontRef>
-      </a:style>
-    </a:lnDef>
-  </a:objectDefaults>
+  <a:objectDefaults/>
   <a:extraClrSchemeLst/>
+  <a:extLst>
+    <a:ext uri="{05A4C25C-085E-4340-85A3-A5531E510DB2}">
+      <thm15:themeFamily xmlns:thm15="http://schemas.microsoft.com/office/thememl/2012/main" name="Office Theme" id="{62F939B6-93AF-4DB8-9C6B-D6C7DFDC589F}" vid="{4A3C46E8-61CC-4603-A589-7422A47A8E4A}"/>
+    </a:ext>
+  </a:extLst>
 </a:theme>
 </file>